--- a/src/main/webapp/WEB-INF/Files/erp_sample.pptx
+++ b/src/main/webapp/WEB-INF/Files/erp_sample.pptx
@@ -84,7 +84,7 @@
       </p:grpSpPr>
       <p:sp>
         <p:nvSpPr>
-          <p:cNvPr id="930043057" name="Text">
+          <p:cNvPr id="1642278806" name="Text">
     </p:cNvPr>
           <p:cNvSpPr>
             <a:spLocks noGrp="1"/>
@@ -130,7 +130,7 @@
       </p:sp>
       <p:sp>
         <p:nvSpPr>
-          <p:cNvPr id="374545106" name="Text">
+          <p:cNvPr id="1595349196" name="Text">
     </p:cNvPr>
           <p:cNvSpPr>
             <a:spLocks noGrp="1"/>
@@ -179,7 +179,7 @@
       </p:sp>
       <p:sp>
         <p:nvSpPr>
-          <p:cNvPr id="1195657349" name="Text">
+          <p:cNvPr id="1946072128" name="Text">
     </p:cNvPr>
           <p:cNvSpPr>
             <a:spLocks noGrp="1"/>
@@ -228,7 +228,7 @@
       </p:sp>
       <p:sp>
         <p:nvSpPr>
-          <p:cNvPr id="185508559" name="Line"/>
+          <p:cNvPr id="622607232" name="Line"/>
           <p:cNvSpPr>
             <a:spLocks noGrp="1"/>
           </p:cNvSpPr>
@@ -262,7 +262,7 @@
       </p:sp>
       <p:sp>
         <p:nvSpPr>
-          <p:cNvPr id="1175037379" name="Text">
+          <p:cNvPr id="1538870085" name="Text">
     </p:cNvPr>
           <p:cNvSpPr>
             <a:spLocks noGrp="1"/>
@@ -326,7 +326,7 @@
       </p:sp>
       <p:sp>
         <p:nvSpPr>
-          <p:cNvPr id="1216520794" name="Text">
+          <p:cNvPr id="1007679878" name="Text">
     </p:cNvPr>
           <p:cNvSpPr>
             <a:spLocks noGrp="1"/>
@@ -381,7 +381,7 @@
       </p:sp>
       <p:sp>
         <p:nvSpPr>
-          <p:cNvPr id="761777071" name="Text">
+          <p:cNvPr id="978650867" name="Text">
     </p:cNvPr>
           <p:cNvSpPr>
             <a:spLocks noGrp="1"/>
@@ -436,7 +436,7 @@
       </p:sp>
       <p:sp>
         <p:nvSpPr>
-          <p:cNvPr id="1400970262" name="Text">
+          <p:cNvPr id="2127686146" name="Text">
     </p:cNvPr>
           <p:cNvSpPr>
             <a:spLocks noGrp="1"/>
@@ -500,7 +500,7 @@
       </p:sp>
       <p:sp>
         <p:nvSpPr>
-          <p:cNvPr id="1487768600" name="Text">
+          <p:cNvPr id="1864594942" name="Text">
     </p:cNvPr>
           <p:cNvSpPr>
             <a:spLocks noGrp="1"/>
@@ -564,7 +564,7 @@
       </p:sp>
       <p:sp>
         <p:nvSpPr>
-          <p:cNvPr id="90203429" name="Text">
+          <p:cNvPr id="1336141710" name="Text">
     </p:cNvPr>
           <p:cNvSpPr>
             <a:spLocks noGrp="1"/>
@@ -619,7 +619,7 @@
       </p:sp>
       <p:sp>
         <p:nvSpPr>
-          <p:cNvPr id="382332053" name="Text">
+          <p:cNvPr id="1004267265" name="Text">
     </p:cNvPr>
           <p:cNvSpPr>
             <a:spLocks noGrp="1"/>
@@ -674,7 +674,7 @@
       </p:sp>
       <p:sp>
         <p:nvSpPr>
-          <p:cNvPr id="1307784182" name="Text">
+          <p:cNvPr id="215813093" name="Text">
     </p:cNvPr>
           <p:cNvSpPr>
             <a:spLocks noGrp="1"/>
@@ -738,7 +738,7 @@
       </p:sp>
       <p:sp>
         <p:nvSpPr>
-          <p:cNvPr id="2030742300" name="Text">
+          <p:cNvPr id="787607481" name="Text">
     </p:cNvPr>
           <p:cNvSpPr>
             <a:spLocks noGrp="1"/>
@@ -802,7 +802,7 @@
       </p:sp>
       <p:sp>
         <p:nvSpPr>
-          <p:cNvPr id="2135273557" name="Text">
+          <p:cNvPr id="2118050430" name="Text">
     </p:cNvPr>
           <p:cNvSpPr>
             <a:spLocks noGrp="1"/>
@@ -891,7 +891,7 @@
       </p:sp>
       <p:sp>
         <p:nvSpPr>
-          <p:cNvPr id="640763500" name="Text">
+          <p:cNvPr id="448389463" name="Text">
     </p:cNvPr>
           <p:cNvSpPr>
             <a:spLocks noGrp="1"/>
@@ -981,7 +981,7 @@
       </p:sp>
       <p:sp>
         <p:nvSpPr>
-          <p:cNvPr id="1913236959" name="Text">
+          <p:cNvPr id="2120172486" name="Text">
     </p:cNvPr>
           <p:cNvSpPr>
             <a:spLocks noGrp="1"/>
@@ -1070,7 +1070,7 @@
       </p:sp>
       <p:sp>
         <p:nvSpPr>
-          <p:cNvPr id="1593293513" name="Text">
+          <p:cNvPr id="1601365907" name="Text">
     </p:cNvPr>
           <p:cNvSpPr>
             <a:spLocks noGrp="1"/>
@@ -1132,7 +1132,7 @@
       </p:sp>
       <p:sp>
         <p:nvSpPr>
-          <p:cNvPr id="216170074" name="Text">
+          <p:cNvPr id="1456915217" name="Text">
     </p:cNvPr>
           <p:cNvSpPr>
             <a:spLocks noGrp="1"/>
@@ -1194,7 +1194,7 @@
       </p:sp>
       <p:sp>
         <p:nvSpPr>
-          <p:cNvPr id="541875084" name="Text">
+          <p:cNvPr id="61875141" name="Text">
     </p:cNvPr>
           <p:cNvSpPr>
             <a:spLocks noGrp="1"/>
@@ -1400,7 +1400,7 @@
       </p:sp>
       <p:sp>
         <p:nvSpPr>
-          <p:cNvPr id="521436431" name="Text">
+          <p:cNvPr id="125108486" name="Text">
     </p:cNvPr>
           <p:cNvSpPr>
             <a:spLocks noGrp="1"/>
@@ -1581,7 +1581,7 @@
       </p:sp>
       <p:sp>
         <p:nvSpPr>
-          <p:cNvPr id="2086059478" name="Text">
+          <p:cNvPr id="1332948996" name="Text">
     </p:cNvPr>
           <p:cNvSpPr>
             <a:spLocks noGrp="1"/>
@@ -1762,7 +1762,7 @@
       </p:sp>
       <p:sp>
         <p:nvSpPr>
-          <p:cNvPr id="1666784424" name="Text">
+          <p:cNvPr id="794672304" name="Text">
     </p:cNvPr>
           <p:cNvSpPr>
             <a:spLocks noGrp="1"/>
@@ -1943,7 +1943,644 @@
       </p:sp>
       <p:sp>
         <p:nvSpPr>
-          <p:cNvPr id="554412916" name="Text">
+          <p:cNvPr id="770772117" name="Text">
+    </p:cNvPr>
+          <p:cNvSpPr>
+            <a:spLocks noGrp="1"/>
+          </p:cNvSpPr>
+          <p:nvPr/>
+        </p:nvSpPr>
+        <p:spPr>
+          <a:xfrm rot="0">
+            <a:off x="9829800" y="4610100"/>
+            <a:ext cx="635000" cy="1524000"/>
+          </a:xfrm>
+          <a:prstGeom prst="rect">
+            <a:avLst/>
+          </a:prstGeom>
+          <a:ln w="12700">
+            <a:solidFill>
+              <a:srgbClr val="000000"/>
+            </a:solidFill>
+            <a:prstDash val="solid"/>
+          </a:ln>
+        </p:spPr>
+        <p:txBody>
+          <a:bodyPr wrap="square" lIns="0" tIns="0" rIns="0" bIns="0" rtlCol="0" anchor="t"/>
+          <a:lstStyle/>
+          <a:p>
+            <a:pPr algn="ctr">
+              <a:lnSpc>
+                <a:spcPct val="100%"/>
+              </a:lnSpc>
+              <a:defRPr sz="900">
+                <a:solidFill>
+                  <a:srgbClr val="000000"/>
+                </a:solidFill>
+                <a:latin typeface="맑은 고딕"/>
+                <a:ea typeface="맑은 고딕"/>
+                <a:cs typeface="맑은 고딕"/>
+              </a:defRPr>
+            </a:pPr>
+            <a:br/>
+            <a:r>
+              <a:rPr lang="ko" sz="900">
+                <a:latin typeface="맑은 고딕"/>
+                <a:ea typeface="맑은 고딕"/>
+                <a:cs typeface="맑은 고딕"/>
+              </a:rPr>
+              <a:t>12/22</a:t>
+            </a:r>
+            <a:br/>
+            <a:r>
+              <a:rPr lang="ko" sz="900">
+                <a:latin typeface="맑은 고딕"/>
+                <a:ea typeface="맑은 고딕"/>
+                <a:cs typeface="맑은 고딕"/>
+              </a:rPr>
+              <a:t>[보류]</a:t>
+            </a:r>
+            <a:br/>
+          </a:p>
+        </p:txBody>
+      </p:sp>
+      <p:sp>
+        <p:nvSpPr>
+          <p:cNvPr id="35869980" name="Text">
+    </p:cNvPr>
+          <p:cNvSpPr>
+            <a:spLocks noGrp="1"/>
+          </p:cNvSpPr>
+          <p:nvPr/>
+        </p:nvSpPr>
+        <p:spPr>
+          <a:xfrm rot="0">
+            <a:off x="9194800" y="4610100"/>
+            <a:ext cx="635000" cy="1524000"/>
+          </a:xfrm>
+          <a:prstGeom prst="rect">
+            <a:avLst/>
+          </a:prstGeom>
+          <a:ln w="12700">
+            <a:solidFill>
+              <a:srgbClr val="000000"/>
+            </a:solidFill>
+            <a:prstDash val="solid"/>
+          </a:ln>
+        </p:spPr>
+        <p:txBody>
+          <a:bodyPr wrap="square" lIns="0" tIns="0" rIns="0" bIns="0" rtlCol="0" anchor="t"/>
+          <a:lstStyle/>
+          <a:p>
+            <a:pPr algn="ctr">
+              <a:lnSpc>
+                <a:spcPct val="100%"/>
+              </a:lnSpc>
+              <a:defRPr sz="900">
+                <a:solidFill>
+                  <a:srgbClr val="000000"/>
+                </a:solidFill>
+                <a:latin typeface="맑은 고딕"/>
+                <a:ea typeface="맑은 고딕"/>
+                <a:cs typeface="맑은 고딕"/>
+              </a:defRPr>
+            </a:pPr>
+            <a:br/>
+            <a:r>
+              <a:rPr lang="ko" sz="900">
+                <a:latin typeface="맑은 고딕"/>
+                <a:ea typeface="맑은 고딕"/>
+                <a:cs typeface="맑은 고딕"/>
+              </a:rPr>
+              <a:t>12/28</a:t>
+            </a:r>
+            <a:br/>
+            <a:r>
+              <a:rPr lang="ko" sz="900">
+                <a:latin typeface="맑은 고딕"/>
+                <a:ea typeface="맑은 고딕"/>
+                <a:cs typeface="맑은 고딕"/>
+              </a:rPr>
+              <a:t>12/28</a:t>
+            </a:r>
+            <a:br/>
+          </a:p>
+        </p:txBody>
+      </p:sp>
+      <p:sp>
+        <p:nvSpPr>
+          <p:cNvPr id="1409726028" name="Text">
+    </p:cNvPr>
+          <p:cNvSpPr>
+            <a:spLocks noGrp="1"/>
+          </p:cNvSpPr>
+          <p:nvPr/>
+        </p:nvSpPr>
+        <p:spPr>
+          <a:xfrm rot="0">
+            <a:off x="6350000" y="4610100"/>
+            <a:ext cx="2844800" cy="1524000"/>
+          </a:xfrm>
+          <a:prstGeom prst="rect">
+            <a:avLst/>
+          </a:prstGeom>
+          <a:ln w="12700">
+            <a:solidFill>
+              <a:srgbClr val="000000"/>
+            </a:solidFill>
+            <a:prstDash val="solid"/>
+          </a:ln>
+        </p:spPr>
+        <p:txBody>
+          <a:bodyPr wrap="square" lIns="0" tIns="0" rIns="0" bIns="0" rtlCol="0" anchor="t"/>
+          <a:lstStyle/>
+          <a:p>
+            <a:pPr algn="l">
+              <a:lnSpc>
+                <a:spcPct val="100%"/>
+              </a:lnSpc>
+              <a:defRPr sz="900">
+                <a:solidFill>
+                  <a:srgbClr val="000000"/>
+                </a:solidFill>
+                <a:latin typeface="맑은 고딕"/>
+                <a:ea typeface="맑은 고딕"/>
+                <a:cs typeface="맑은 고딕"/>
+              </a:defRPr>
+            </a:pPr>
+            <a:br/>
+            <a:r>
+              <a:rPr lang="ko" sz="900">
+                <a:latin typeface="맑은 고딕"/>
+                <a:ea typeface="맑은 고딕"/>
+                <a:cs typeface="맑은 고딕"/>
+              </a:rPr>
+              <a:t>- [E-BIZ] 거래처 정보화면 임원 별도처리</a:t>
+            </a:r>
+            <a:br/>
+            <a:r>
+              <a:rPr lang="ko" sz="900">
+                <a:latin typeface="맑은 고딕"/>
+                <a:ea typeface="맑은 고딕"/>
+                <a:cs typeface="맑은 고딕"/>
+              </a:rPr>
+              <a:t>- [ERP] 운영 ERP 사용자 정보 동기화</a:t>
+            </a:r>
+            <a:br/>
+          </a:p>
+        </p:txBody>
+      </p:sp>
+      <p:sp>
+        <p:nvSpPr>
+          <p:cNvPr id="385624128" name="Text">
+    </p:cNvPr>
+          <p:cNvSpPr>
+            <a:spLocks noGrp="1"/>
+          </p:cNvSpPr>
+          <p:nvPr/>
+        </p:nvSpPr>
+        <p:spPr>
+          <a:xfrm rot="0">
+            <a:off x="5753100" y="4610100"/>
+            <a:ext cx="596900" cy="1524000"/>
+          </a:xfrm>
+          <a:prstGeom prst="rect">
+            <a:avLst/>
+          </a:prstGeom>
+          <a:ln w="12700">
+            <a:solidFill>
+              <a:srgbClr val="000000"/>
+            </a:solidFill>
+            <a:prstDash val="solid"/>
+          </a:ln>
+        </p:spPr>
+        <p:txBody>
+          <a:bodyPr wrap="square" lIns="0" tIns="0" rIns="0" bIns="0" rtlCol="0" anchor="t"/>
+          <a:lstStyle/>
+          <a:p>
+            <a:pPr algn="ctr">
+              <a:lnSpc>
+                <a:spcPct val="100%"/>
+              </a:lnSpc>
+              <a:defRPr sz="900">
+                <a:solidFill>
+                  <a:srgbClr val="000000"/>
+                </a:solidFill>
+                <a:latin typeface="맑은 고딕"/>
+                <a:ea typeface="맑은 고딕"/>
+                <a:cs typeface="맑은 고딕"/>
+              </a:defRPr>
+            </a:pPr>
+            <a:br/>
+            <a:r>
+              <a:rPr lang="ko" sz="900">
+                <a:latin typeface="맑은 고딕"/>
+                <a:ea typeface="맑은 고딕"/>
+                <a:cs typeface="맑은 고딕"/>
+              </a:rPr>
+              <a:t>e-Biz</a:t>
+            </a:r>
+            <a:br/>
+            <a:r>
+              <a:rPr lang="ko" sz="900">
+                <a:latin typeface="맑은 고딕"/>
+                <a:ea typeface="맑은 고딕"/>
+                <a:cs typeface="맑은 고딕"/>
+              </a:rPr>
+              <a:t>/계정관리</a:t>
+            </a:r>
+            <a:br/>
+            <a:r>
+              <a:rPr lang="ko" sz="900">
+                <a:latin typeface="맑은 고딕"/>
+                <a:ea typeface="맑은 고딕"/>
+                <a:cs typeface="맑은 고딕"/>
+              </a:rPr>
+              <a:t>/FLBIZ</a:t>
+            </a:r>
+            <a:br/>
+            <a:r>
+              <a:rPr lang="ko" sz="900">
+                <a:latin typeface="맑은 고딕"/>
+                <a:ea typeface="맑은 고딕"/>
+                <a:cs typeface="맑은 고딕"/>
+              </a:rPr>
+              <a:t>이여진</a:t>
+            </a:r>
+          </a:p>
+        </p:txBody>
+      </p:sp>
+      <p:sp>
+        <p:nvSpPr>
+          <p:cNvPr id="860621742" name="Text">
+    </p:cNvPr>
+          <p:cNvSpPr>
+            <a:spLocks noGrp="1"/>
+          </p:cNvSpPr>
+          <p:nvPr/>
+        </p:nvSpPr>
+        <p:spPr>
+          <a:xfrm rot="0">
+            <a:off x="177800" y="4610100"/>
+            <a:ext cx="571500" cy="1524000"/>
+          </a:xfrm>
+          <a:prstGeom prst="rect">
+            <a:avLst/>
+          </a:prstGeom>
+          <a:ln w="12700">
+            <a:solidFill>
+              <a:srgbClr val="000000"/>
+            </a:solidFill>
+            <a:prstDash val="solid"/>
+          </a:ln>
+        </p:spPr>
+        <p:txBody>
+          <a:bodyPr wrap="square" lIns="0" tIns="0" rIns="0" bIns="0" rtlCol="0" anchor="t"/>
+          <a:lstStyle/>
+          <a:p>
+            <a:pPr algn="ctr">
+              <a:lnSpc>
+                <a:spcPct val="100%"/>
+              </a:lnSpc>
+              <a:defRPr sz="900">
+                <a:solidFill>
+                  <a:srgbClr val="000000"/>
+                </a:solidFill>
+                <a:latin typeface="맑은 고딕"/>
+                <a:ea typeface="맑은 고딕"/>
+                <a:cs typeface="맑은 고딕"/>
+              </a:defRPr>
+            </a:pPr>
+            <a:br/>
+            <a:r>
+              <a:rPr lang="ko" sz="900">
+                <a:latin typeface="맑은 고딕"/>
+                <a:ea typeface="맑은 고딕"/>
+                <a:cs typeface="맑은 고딕"/>
+              </a:rPr>
+              <a:t>e-Biz</a:t>
+            </a:r>
+            <a:br/>
+            <a:r>
+              <a:rPr lang="ko" sz="900">
+                <a:latin typeface="맑은 고딕"/>
+                <a:ea typeface="맑은 고딕"/>
+                <a:cs typeface="맑은 고딕"/>
+              </a:rPr>
+              <a:t>/계정관리</a:t>
+            </a:r>
+            <a:br/>
+            <a:r>
+              <a:rPr lang="ko" sz="900">
+                <a:latin typeface="맑은 고딕"/>
+                <a:ea typeface="맑은 고딕"/>
+                <a:cs typeface="맑은 고딕"/>
+              </a:rPr>
+              <a:t>/FLBIZ</a:t>
+            </a:r>
+            <a:br/>
+            <a:r>
+              <a:rPr lang="ko" sz="900">
+                <a:latin typeface="맑은 고딕"/>
+                <a:ea typeface="맑은 고딕"/>
+                <a:cs typeface="맑은 고딕"/>
+              </a:rPr>
+              <a:t>이여진</a:t>
+            </a:r>
+          </a:p>
+        </p:txBody>
+      </p:sp>
+      <p:sp>
+        <p:nvSpPr>
+          <p:cNvPr id="736043886" name="Text">
+    </p:cNvPr>
+          <p:cNvSpPr>
+            <a:spLocks noGrp="1"/>
+          </p:cNvSpPr>
+          <p:nvPr/>
+        </p:nvSpPr>
+        <p:spPr>
+          <a:xfrm rot="0">
+            <a:off x="749300" y="4610100"/>
+            <a:ext cx="3035300" cy="1524000"/>
+          </a:xfrm>
+          <a:prstGeom prst="rect">
+            <a:avLst/>
+          </a:prstGeom>
+          <a:ln w="12700">
+            <a:solidFill>
+              <a:srgbClr val="000000"/>
+            </a:solidFill>
+            <a:prstDash val="solid"/>
+          </a:ln>
+        </p:spPr>
+        <p:txBody>
+          <a:bodyPr wrap="square" lIns="0" tIns="0" rIns="0" bIns="0" rtlCol="0" anchor="t"/>
+          <a:lstStyle/>
+          <a:p>
+            <a:pPr algn="l">
+              <a:lnSpc>
+                <a:spcPct val="100%"/>
+              </a:lnSpc>
+              <a:defRPr sz="900">
+                <a:solidFill>
+                  <a:srgbClr val="000000"/>
+                </a:solidFill>
+                <a:latin typeface="맑은 고딕"/>
+                <a:ea typeface="맑은 고딕"/>
+                <a:cs typeface="맑은 고딕"/>
+              </a:defRPr>
+            </a:pPr>
+            <a:br/>
+            <a:r>
+              <a:rPr lang="ko" sz="900">
+                <a:latin typeface="맑은 고딕"/>
+                <a:ea typeface="맑은 고딕"/>
+                <a:cs typeface="맑은 고딕"/>
+              </a:rPr>
+              <a:t>- [E-BIZ] e-Biz 거래처 정보화면 개선</a:t>
+            </a:r>
+            <a:br/>
+            <a:r>
+              <a:rPr lang="ko" sz="900">
+                <a:latin typeface="맑은 고딕"/>
+                <a:ea typeface="맑은 고딕"/>
+                <a:cs typeface="맑은 고딕"/>
+              </a:rPr>
+              <a:t>- [E-BIZ] 사후적립 통제기준 변경</a:t>
+            </a:r>
+            <a:br/>
+            <a:r>
+              <a:rPr lang="ko" sz="900">
+                <a:latin typeface="맑은 고딕"/>
+                <a:ea typeface="맑은 고딕"/>
+                <a:cs typeface="맑은 고딕"/>
+              </a:rPr>
+              <a:t>- [E-BIZ] 납품보류 해제요청 기능 추가</a:t>
+            </a:r>
+            <a:br/>
+          </a:p>
+        </p:txBody>
+      </p:sp>
+      <p:sp>
+        <p:nvSpPr>
+          <p:cNvPr id="1250579599" name="Text">
+    </p:cNvPr>
+          <p:cNvSpPr>
+            <a:spLocks noGrp="1"/>
+          </p:cNvSpPr>
+          <p:nvPr/>
+        </p:nvSpPr>
+        <p:spPr>
+          <a:xfrm rot="0">
+            <a:off x="4419600" y="4610100"/>
+            <a:ext cx="635000" cy="1524000"/>
+          </a:xfrm>
+          <a:prstGeom prst="rect">
+            <a:avLst/>
+          </a:prstGeom>
+          <a:ln w="12700">
+            <a:solidFill>
+              <a:srgbClr val="000000"/>
+            </a:solidFill>
+            <a:prstDash val="solid"/>
+          </a:ln>
+        </p:spPr>
+        <p:txBody>
+          <a:bodyPr wrap="square" lIns="0" tIns="0" rIns="0" bIns="0" rtlCol="0" anchor="t"/>
+          <a:lstStyle/>
+          <a:p>
+            <a:pPr algn="ctr">
+              <a:lnSpc>
+                <a:spcPct val="100%"/>
+              </a:lnSpc>
+              <a:defRPr sz="900">
+                <a:solidFill>
+                  <a:srgbClr val="000000"/>
+                </a:solidFill>
+                <a:latin typeface="맑은 고딕"/>
+                <a:ea typeface="맑은 고딕"/>
+                <a:cs typeface="맑은 고딕"/>
+              </a:defRPr>
+            </a:pPr>
+            <a:br/>
+            <a:r>
+              <a:rPr lang="ko" sz="900">
+                <a:latin typeface="맑은 고딕"/>
+                <a:ea typeface="맑은 고딕"/>
+                <a:cs typeface="맑은 고딕"/>
+              </a:rPr>
+              <a:t>12/16</a:t>
+            </a:r>
+            <a:br/>
+            <a:r>
+              <a:rPr lang="ko" sz="900">
+                <a:latin typeface="맑은 고딕"/>
+                <a:ea typeface="맑은 고딕"/>
+                <a:cs typeface="맑은 고딕"/>
+              </a:rPr>
+              <a:t>12/22</a:t>
+            </a:r>
+            <a:br/>
+            <a:r>
+              <a:rPr lang="ko" sz="900">
+                <a:latin typeface="맑은 고딕"/>
+                <a:ea typeface="맑은 고딕"/>
+                <a:cs typeface="맑은 고딕"/>
+              </a:rPr>
+              <a:t>[보류]</a:t>
+            </a:r>
+            <a:br/>
+          </a:p>
+        </p:txBody>
+      </p:sp>
+      <p:sp>
+        <p:nvSpPr>
+          <p:cNvPr id="1027853238" name="Text">
+    </p:cNvPr>
+          <p:cNvSpPr>
+            <a:spLocks noGrp="1"/>
+          </p:cNvSpPr>
+          <p:nvPr/>
+        </p:nvSpPr>
+        <p:spPr>
+          <a:xfrm rot="0">
+            <a:off x="5054600" y="4610100"/>
+            <a:ext cx="635000" cy="1524000"/>
+          </a:xfrm>
+          <a:prstGeom prst="rect">
+            <a:avLst/>
+          </a:prstGeom>
+          <a:ln w="12700">
+            <a:solidFill>
+              <a:srgbClr val="000000"/>
+            </a:solidFill>
+            <a:prstDash val="solid"/>
+          </a:ln>
+        </p:spPr>
+        <p:txBody>
+          <a:bodyPr wrap="square" lIns="0" tIns="0" rIns="0" bIns="0" rtlCol="0" anchor="t"/>
+          <a:lstStyle/>
+          <a:p>
+            <a:pPr algn="ctr">
+              <a:lnSpc>
+                <a:spcPct val="100%"/>
+              </a:lnSpc>
+              <a:defRPr sz="900">
+                <a:solidFill>
+                  <a:srgbClr val="000000"/>
+                </a:solidFill>
+                <a:latin typeface="맑은 고딕"/>
+                <a:ea typeface="맑은 고딕"/>
+                <a:cs typeface="맑은 고딕"/>
+              </a:defRPr>
+            </a:pPr>
+            <a:br/>
+            <a:r>
+              <a:rPr lang="ko" sz="900">
+                <a:latin typeface="맑은 고딕"/>
+                <a:ea typeface="맑은 고딕"/>
+                <a:cs typeface="맑은 고딕"/>
+              </a:rPr>
+              <a:t>12/02</a:t>
+            </a:r>
+            <a:br/>
+            <a:r>
+              <a:rPr lang="ko" sz="900">
+                <a:latin typeface="맑은 고딕"/>
+                <a:ea typeface="맑은 고딕"/>
+                <a:cs typeface="맑은 고딕"/>
+              </a:rPr>
+              <a:t>12/13</a:t>
+            </a:r>
+            <a:br/>
+            <a:r>
+              <a:rPr lang="ko" sz="900">
+                <a:latin typeface="맑은 고딕"/>
+                <a:ea typeface="맑은 고딕"/>
+                <a:cs typeface="맑은 고딕"/>
+              </a:rPr>
+              <a:t>[보류]</a:t>
+            </a:r>
+            <a:br/>
+          </a:p>
+        </p:txBody>
+      </p:sp>
+      <p:sp>
+        <p:nvSpPr>
+          <p:cNvPr id="1853990603" name="Text">
+    </p:cNvPr>
+          <p:cNvSpPr>
+            <a:spLocks noGrp="1"/>
+          </p:cNvSpPr>
+          <p:nvPr/>
+        </p:nvSpPr>
+        <p:spPr>
+          <a:xfrm rot="0">
+            <a:off x="3784600" y="4610100"/>
+            <a:ext cx="635000" cy="1524000"/>
+          </a:xfrm>
+          <a:prstGeom prst="rect">
+            <a:avLst/>
+          </a:prstGeom>
+          <a:ln w="12700">
+            <a:solidFill>
+              <a:srgbClr val="000000"/>
+            </a:solidFill>
+            <a:prstDash val="solid"/>
+          </a:ln>
+        </p:spPr>
+        <p:txBody>
+          <a:bodyPr wrap="square" lIns="0" tIns="0" rIns="0" bIns="0" rtlCol="0" anchor="t"/>
+          <a:lstStyle/>
+          <a:p>
+            <a:pPr algn="ctr">
+              <a:lnSpc>
+                <a:spcPct val="100%"/>
+              </a:lnSpc>
+              <a:defRPr sz="900">
+                <a:solidFill>
+                  <a:srgbClr val="000000"/>
+                </a:solidFill>
+                <a:latin typeface="맑은 고딕"/>
+                <a:ea typeface="맑은 고딕"/>
+                <a:cs typeface="맑은 고딕"/>
+              </a:defRPr>
+            </a:pPr>
+            <a:br/>
+            <a:r>
+              <a:rPr lang="ko" sz="900">
+                <a:latin typeface="맑은 고딕"/>
+                <a:ea typeface="맑은 고딕"/>
+                <a:cs typeface="맑은 고딕"/>
+              </a:rPr>
+              <a:t>12/28</a:t>
+            </a:r>
+            <a:br/>
+            <a:r>
+              <a:rPr lang="ko" sz="900">
+                <a:latin typeface="맑은 고딕"/>
+                <a:ea typeface="맑은 고딕"/>
+                <a:cs typeface="맑은 고딕"/>
+              </a:rPr>
+              <a:t>12/28</a:t>
+            </a:r>
+            <a:br/>
+            <a:r>
+              <a:rPr lang="ko" sz="900">
+                <a:latin typeface="맑은 고딕"/>
+                <a:ea typeface="맑은 고딕"/>
+                <a:cs typeface="맑은 고딕"/>
+              </a:rPr>
+              <a:t>12/28</a:t>
+            </a:r>
+            <a:br/>
+          </a:p>
+        </p:txBody>
+      </p:sp>
+      <p:sp>
+        <p:nvSpPr>
+          <p:cNvPr id="1008151590" name="Text">
     </p:cNvPr>
           <p:cNvSpPr>
             <a:spLocks noGrp="1"/>
@@ -1989,7 +2626,7 @@
       </p:sp>
       <p:pic>
         <p:nvPicPr>
-          <p:cNvPr id="58810052" name="Picture">
+          <p:cNvPr id="737727781" name="Picture">
     </p:cNvPr>
           <p:cNvPicPr>
             <a:picLocks noChangeAspect="1"/>
@@ -1997,7 +2634,7 @@
           <p:nvPr/>
         </p:nvPicPr>
         <p:blipFill>
-          <a:blip r:embed="img_0_0_23.jpg"/>
+          <a:blip r:embed="img_0_0_32.jpg"/>
           <a:srcRect/>
           <a:stretch>
             <a:fillRect l="0" t="0" r="0" b="5555"/>

--- a/src/main/webapp/WEB-INF/Files/erp_sample.pptx
+++ b/src/main/webapp/WEB-INF/Files/erp_sample.pptx
@@ -6,6 +6,8 @@
   </p:sldMasterIdLst>
   <p:sldIdLst>
     <p:sldId id="2561" r:id="rId1"/>
+    <p:sldId id="2562" r:id="rId2"/>
+    <p:sldId id="2563" r:id="rId3"/>
   </p:sldIdLst>
   <p:sldSz cx="10680700" cy="7556500" type="custom"/>
   <p:notesSz cx="6858000" cy="9144000"/>
@@ -84,7 +86,7 @@
       </p:grpSpPr>
       <p:sp>
         <p:nvSpPr>
-          <p:cNvPr id="1805343700" name="Text">
+          <p:cNvPr id="1454527535" name="Text">
     </p:cNvPr>
           <p:cNvSpPr>
             <a:spLocks noGrp="1"/>
@@ -133,7 +135,7 @@
       </p:sp>
       <p:sp>
         <p:nvSpPr>
-          <p:cNvPr id="1836018426" name="Text">
+          <p:cNvPr id="1447512966" name="Text">
     </p:cNvPr>
           <p:cNvSpPr>
             <a:spLocks noGrp="1"/>
@@ -182,7 +184,7 @@
       </p:sp>
       <p:sp>
         <p:nvSpPr>
-          <p:cNvPr id="1293060809" name="Line"/>
+          <p:cNvPr id="2142583524" name="Line"/>
           <p:cNvSpPr>
             <a:spLocks noGrp="1"/>
           </p:cNvSpPr>
@@ -216,7 +218,7 @@
       </p:sp>
       <p:sp>
         <p:nvSpPr>
-          <p:cNvPr id="581478723" name="Text">
+          <p:cNvPr id="514950434" name="Text">
     </p:cNvPr>
           <p:cNvSpPr>
             <a:spLocks noGrp="1"/>
@@ -262,7 +264,7 @@
       </p:sp>
       <p:sp>
         <p:nvSpPr>
-          <p:cNvPr id="1395487725" name="Text">
+          <p:cNvPr id="2103087807" name="Text">
     </p:cNvPr>
           <p:cNvSpPr>
             <a:spLocks noGrp="1"/>
@@ -326,7 +328,7 @@
       </p:sp>
       <p:sp>
         <p:nvSpPr>
-          <p:cNvPr id="1157884872" name="Text">
+          <p:cNvPr id="288226793" name="Text">
     </p:cNvPr>
           <p:cNvSpPr>
             <a:spLocks noGrp="1"/>
@@ -381,7 +383,7 @@
       </p:sp>
       <p:sp>
         <p:nvSpPr>
-          <p:cNvPr id="471758179" name="Text">
+          <p:cNvPr id="2096442625" name="Text">
     </p:cNvPr>
           <p:cNvSpPr>
             <a:spLocks noGrp="1"/>
@@ -436,7 +438,7 @@
       </p:sp>
       <p:sp>
         <p:nvSpPr>
-          <p:cNvPr id="2065380626" name="Text">
+          <p:cNvPr id="38356419" name="Text">
     </p:cNvPr>
           <p:cNvSpPr>
             <a:spLocks noGrp="1"/>
@@ -500,7 +502,7 @@
       </p:sp>
       <p:sp>
         <p:nvSpPr>
-          <p:cNvPr id="1125225351" name="Text">
+          <p:cNvPr id="165831343" name="Text">
     </p:cNvPr>
           <p:cNvSpPr>
             <a:spLocks noGrp="1"/>
@@ -564,7 +566,7 @@
       </p:sp>
       <p:sp>
         <p:nvSpPr>
-          <p:cNvPr id="1415429828" name="Text">
+          <p:cNvPr id="1084969287" name="Text">
     </p:cNvPr>
           <p:cNvSpPr>
             <a:spLocks noGrp="1"/>
@@ -619,7 +621,7 @@
       </p:sp>
       <p:sp>
         <p:nvSpPr>
-          <p:cNvPr id="463438435" name="Text">
+          <p:cNvPr id="358871414" name="Text">
     </p:cNvPr>
           <p:cNvSpPr>
             <a:spLocks noGrp="1"/>
@@ -674,7 +676,7 @@
       </p:sp>
       <p:sp>
         <p:nvSpPr>
-          <p:cNvPr id="827303643" name="Text">
+          <p:cNvPr id="1573706052" name="Text">
     </p:cNvPr>
           <p:cNvSpPr>
             <a:spLocks noGrp="1"/>
@@ -738,7 +740,7 @@
       </p:sp>
       <p:sp>
         <p:nvSpPr>
-          <p:cNvPr id="572895038" name="Text">
+          <p:cNvPr id="1193361224" name="Text">
     </p:cNvPr>
           <p:cNvSpPr>
             <a:spLocks noGrp="1"/>
@@ -802,7 +804,7 @@
       </p:sp>
       <p:sp>
         <p:nvSpPr>
-          <p:cNvPr id="465018400" name="Text">
+          <p:cNvPr id="1570406274" name="Text">
     </p:cNvPr>
           <p:cNvSpPr>
             <a:spLocks noGrp="1"/>
@@ -848,24 +850,52 @@
                 <a:ea typeface="맑은 고딕"/>
                 <a:cs typeface="맑은 고딕"/>
               </a:rPr>
+              <a:t>[보류]</a:t>
+            </a:r>
+            <a:br/>
+            <a:r>
+              <a:rPr lang="ko" sz="900">
+                <a:latin typeface="맑은 고딕"/>
+                <a:ea typeface="맑은 고딕"/>
+                <a:cs typeface="맑은 고딕"/>
+              </a:rPr>
+              <a:t>[보류]</a:t>
+            </a:r>
+            <a:br/>
+            <a:br/>
+            <a:r>
+              <a:rPr lang="ko" sz="900">
+                <a:latin typeface="맑은 고딕"/>
+                <a:ea typeface="맑은 고딕"/>
+                <a:cs typeface="맑은 고딕"/>
+              </a:rPr>
               <a:t>01/31</a:t>
             </a:r>
             <a:br/>
-            <a:br/>
-            <a:r>
-              <a:rPr lang="ko" sz="900">
-                <a:latin typeface="맑은 고딕"/>
-                <a:ea typeface="맑은 고딕"/>
-                <a:cs typeface="맑은 고딕"/>
-              </a:rPr>
-              <a:t>02/06</a:t>
-            </a:r>
-          </a:p>
-        </p:txBody>
-      </p:sp>
-      <p:sp>
-        <p:nvSpPr>
-          <p:cNvPr id="2086439855" name="Text">
+            <a:r>
+              <a:rPr lang="ko" sz="900">
+                <a:latin typeface="맑은 고딕"/>
+                <a:ea typeface="맑은 고딕"/>
+                <a:cs typeface="맑은 고딕"/>
+              </a:rPr>
+              <a:t>01/31</a:t>
+            </a:r>
+            <a:br/>
+            <a:br/>
+            <a:r>
+              <a:rPr lang="ko" sz="900">
+                <a:latin typeface="맑은 고딕"/>
+                <a:ea typeface="맑은 고딕"/>
+                <a:cs typeface="맑은 고딕"/>
+              </a:rPr>
+              <a:t>02/28</a:t>
+            </a:r>
+          </a:p>
+        </p:txBody>
+      </p:sp>
+      <p:sp>
+        <p:nvSpPr>
+          <p:cNvPr id="1475923206" name="Text">
     </p:cNvPr>
           <p:cNvSpPr>
             <a:spLocks noGrp="1"/>
@@ -911,24 +941,52 @@
                 <a:ea typeface="맑은 고딕"/>
                 <a:cs typeface="맑은 고딕"/>
               </a:rPr>
-              <a:t>12/16</a:t>
-            </a:r>
-            <a:br/>
-            <a:br/>
-            <a:r>
-              <a:rPr lang="ko" sz="900">
-                <a:latin typeface="맑은 고딕"/>
-                <a:ea typeface="맑은 고딕"/>
-                <a:cs typeface="맑은 고딕"/>
-              </a:rPr>
-              <a:t>01/27</a:t>
-            </a:r>
-          </a:p>
-        </p:txBody>
-      </p:sp>
-      <p:sp>
-        <p:nvSpPr>
-          <p:cNvPr id="812221313" name="Text">
+              <a:t>01/05</a:t>
+            </a:r>
+            <a:br/>
+            <a:r>
+              <a:rPr lang="ko" sz="900">
+                <a:latin typeface="맑은 고딕"/>
+                <a:ea typeface="맑은 고딕"/>
+                <a:cs typeface="맑은 고딕"/>
+              </a:rPr>
+              <a:t>01/04</a:t>
+            </a:r>
+            <a:br/>
+            <a:br/>
+            <a:r>
+              <a:rPr lang="ko" sz="900">
+                <a:latin typeface="맑은 고딕"/>
+                <a:ea typeface="맑은 고딕"/>
+                <a:cs typeface="맑은 고딕"/>
+              </a:rPr>
+              <a:t>01/10</a:t>
+            </a:r>
+            <a:br/>
+            <a:r>
+              <a:rPr lang="ko" sz="900">
+                <a:latin typeface="맑은 고딕"/>
+                <a:ea typeface="맑은 고딕"/>
+                <a:cs typeface="맑은 고딕"/>
+              </a:rPr>
+              <a:t>01/20</a:t>
+            </a:r>
+            <a:br/>
+            <a:br/>
+            <a:r>
+              <a:rPr lang="ko" sz="900">
+                <a:latin typeface="맑은 고딕"/>
+                <a:ea typeface="맑은 고딕"/>
+                <a:cs typeface="맑은 고딕"/>
+              </a:rPr>
+              <a:t>01/31</a:t>
+            </a:r>
+          </a:p>
+        </p:txBody>
+      </p:sp>
+      <p:sp>
+        <p:nvSpPr>
+          <p:cNvPr id="1824864324" name="Text">
     </p:cNvPr>
           <p:cNvSpPr>
             <a:spLocks noGrp="1"/>
@@ -974,32 +1032,68 @@
                 <a:ea typeface="맑은 고딕"/>
                 <a:cs typeface="맑은 고딕"/>
               </a:rPr>
-              <a:t>- [FI]회계 자동승인대상 e-Pro 전표 추출 프로그램 </a:t>
-            </a:r>
-            <a:br/>
-            <a:r>
-              <a:rPr lang="ko" sz="900">
-                <a:latin typeface="맑은 고딕"/>
-                <a:ea typeface="맑은 고딕"/>
-                <a:cs typeface="맑은 고딕"/>
-              </a:rPr>
-              <a:t>개발요청</a:t>
-            </a:r>
-            <a:br/>
-            <a:r>
-              <a:rPr lang="ko" sz="900">
-                <a:latin typeface="맑은 고딕"/>
-                <a:ea typeface="맑은 고딕"/>
-                <a:cs typeface="맑은 고딕"/>
-              </a:rPr>
-              <a:t>- [MM]WBS 필드 추가요청</a:t>
-            </a:r>
-          </a:p>
-        </p:txBody>
-      </p:sp>
-      <p:sp>
-        <p:nvSpPr>
-          <p:cNvPr id="1060800237" name="Text">
+              <a:t>- [FI] 원천세</a:t>
+            </a:r>
+            <a:br/>
+            <a:r>
+              <a:rPr lang="ko" sz="900">
+                <a:latin typeface="맑은 고딕"/>
+                <a:ea typeface="맑은 고딕"/>
+                <a:cs typeface="맑은 고딕"/>
+              </a:rPr>
+              <a:t>- [FI] 건설중인 자산 집계시 5250220 계정을 </a:t>
+            </a:r>
+            <a:br/>
+            <a:r>
+              <a:rPr lang="ko" sz="900">
+                <a:latin typeface="맑은 고딕"/>
+                <a:ea typeface="맑은 고딕"/>
+                <a:cs typeface="맑은 고딕"/>
+              </a:rPr>
+              <a:t>복리후생비에 추가 요청</a:t>
+            </a:r>
+            <a:br/>
+            <a:r>
+              <a:rPr lang="ko" sz="900">
+                <a:latin typeface="맑은 고딕"/>
+                <a:ea typeface="맑은 고딕"/>
+                <a:cs typeface="맑은 고딕"/>
+              </a:rPr>
+              <a:t>- [FI] 구매처/거래처 코드 관리 업무 개발</a:t>
+            </a:r>
+            <a:br/>
+            <a:r>
+              <a:rPr lang="ko" sz="900">
+                <a:latin typeface="맑은 고딕"/>
+                <a:ea typeface="맑은 고딕"/>
+                <a:cs typeface="맑은 고딕"/>
+              </a:rPr>
+              <a:t>- [FI]지급전표상 외국환거래 신고대상 여부 Self-check</a:t>
+            </a:r>
+            <a:br/>
+            <a:r>
+              <a:rPr lang="ko" sz="900">
+                <a:latin typeface="맑은 고딕"/>
+                <a:ea typeface="맑은 고딕"/>
+                <a:cs typeface="맑은 고딕"/>
+              </a:rPr>
+              <a:t>시 자동 이메일 수신자 추가</a:t>
+            </a:r>
+            <a:br/>
+            <a:r>
+              <a:rPr lang="ko" sz="900">
+                <a:latin typeface="맑은 고딕"/>
+                <a:ea typeface="맑은 고딕"/>
+                <a:cs typeface="맑은 고딕"/>
+              </a:rPr>
+              <a:t>- [FI] 검교정 실험장비 프로그램 요청</a:t>
+            </a:r>
+          </a:p>
+        </p:txBody>
+      </p:sp>
+      <p:sp>
+        <p:nvSpPr>
+          <p:cNvPr id="575705579" name="Text">
     </p:cNvPr>
           <p:cNvSpPr>
             <a:spLocks noGrp="1"/>
@@ -1045,23 +1139,41 @@
                 <a:ea typeface="맑은 고딕"/>
                 <a:cs typeface="맑은 고딕"/>
               </a:rPr>
-              <a:t>MM</a:t>
-            </a:r>
-            <a:br/>
-            <a:r>
-              <a:rPr lang="ko" sz="900">
-                <a:latin typeface="맑은 고딕"/>
-                <a:ea typeface="맑은 고딕"/>
-                <a:cs typeface="맑은 고딕"/>
-              </a:rPr>
-              <a:t>김원기</a:t>
-            </a:r>
-          </a:p>
-        </p:txBody>
-      </p:sp>
-      <p:sp>
-        <p:nvSpPr>
-          <p:cNvPr id="417028532" name="Text">
+              <a:t>FI</a:t>
+            </a:r>
+            <a:br/>
+            <a:r>
+              <a:rPr lang="ko" sz="900">
+                <a:latin typeface="맑은 고딕"/>
+                <a:ea typeface="맑은 고딕"/>
+                <a:cs typeface="맑은 고딕"/>
+              </a:rPr>
+              <a:t>/CO</a:t>
+            </a:r>
+            <a:br/>
+            <a:r>
+              <a:rPr lang="ko" sz="900">
+                <a:latin typeface="맑은 고딕"/>
+                <a:ea typeface="맑은 고딕"/>
+                <a:cs typeface="맑은 고딕"/>
+              </a:rPr>
+              <a:t>/TR</a:t>
+            </a:r>
+            <a:br/>
+            <a:r>
+              <a:rPr lang="ko" sz="900">
+                <a:latin typeface="맑은 고딕"/>
+                <a:ea typeface="맑은 고딕"/>
+                <a:cs typeface="맑은 고딕"/>
+              </a:rPr>
+              <a:t>강민경</a:t>
+            </a:r>
+          </a:p>
+        </p:txBody>
+      </p:sp>
+      <p:sp>
+        <p:nvSpPr>
+          <p:cNvPr id="741907532" name="Text">
     </p:cNvPr>
           <p:cNvSpPr>
             <a:spLocks noGrp="1"/>
@@ -1107,23 +1219,41 @@
                 <a:ea typeface="맑은 고딕"/>
                 <a:cs typeface="맑은 고딕"/>
               </a:rPr>
-              <a:t>MM</a:t>
-            </a:r>
-            <a:br/>
-            <a:r>
-              <a:rPr lang="ko" sz="900">
-                <a:latin typeface="맑은 고딕"/>
-                <a:ea typeface="맑은 고딕"/>
-                <a:cs typeface="맑은 고딕"/>
-              </a:rPr>
-              <a:t>김원기</a:t>
-            </a:r>
-          </a:p>
-        </p:txBody>
-      </p:sp>
-      <p:sp>
-        <p:nvSpPr>
-          <p:cNvPr id="4372723" name="Text">
+              <a:t>FI</a:t>
+            </a:r>
+            <a:br/>
+            <a:r>
+              <a:rPr lang="ko" sz="900">
+                <a:latin typeface="맑은 고딕"/>
+                <a:ea typeface="맑은 고딕"/>
+                <a:cs typeface="맑은 고딕"/>
+              </a:rPr>
+              <a:t>/CO</a:t>
+            </a:r>
+            <a:br/>
+            <a:r>
+              <a:rPr lang="ko" sz="900">
+                <a:latin typeface="맑은 고딕"/>
+                <a:ea typeface="맑은 고딕"/>
+                <a:cs typeface="맑은 고딕"/>
+              </a:rPr>
+              <a:t>/TR</a:t>
+            </a:r>
+            <a:br/>
+            <a:r>
+              <a:rPr lang="ko" sz="900">
+                <a:latin typeface="맑은 고딕"/>
+                <a:ea typeface="맑은 고딕"/>
+                <a:cs typeface="맑은 고딕"/>
+              </a:rPr>
+              <a:t>강민경</a:t>
+            </a:r>
+          </a:p>
+        </p:txBody>
+      </p:sp>
+      <p:sp>
+        <p:nvSpPr>
+          <p:cNvPr id="1027208240" name="Text">
     </p:cNvPr>
           <p:cNvSpPr>
             <a:spLocks noGrp="1"/>
@@ -1169,41 +1299,77 @@
                 <a:ea typeface="맑은 고딕"/>
                 <a:cs typeface="맑은 고딕"/>
               </a:rPr>
-              <a:t>- [FI]회계 자동승인대상 e-Pro 전표 추출 프로그램 </a:t>
-            </a:r>
-            <a:br/>
-            <a:r>
-              <a:rPr lang="ko" sz="900">
-                <a:latin typeface="맑은 고딕"/>
-                <a:ea typeface="맑은 고딕"/>
-                <a:cs typeface="맑은 고딕"/>
-              </a:rPr>
-              <a:t>개발요청</a:t>
-            </a:r>
-            <a:br/>
-            <a:r>
-              <a:rPr lang="ko" sz="900">
-                <a:latin typeface="맑은 고딕"/>
-                <a:ea typeface="맑은 고딕"/>
-                <a:cs typeface="맑은 고딕"/>
-              </a:rPr>
-              <a:t>- [MM]e-Pro 고도화 프로젝트 관련 ERP 수정 요청</a:t>
-            </a:r>
-            <a:br/>
-            <a:r>
-              <a:rPr lang="ko" sz="900">
-                <a:latin typeface="맑은 고딕"/>
-                <a:ea typeface="맑은 고딕"/>
-                <a:cs typeface="맑은 고딕"/>
-              </a:rPr>
-              <a:t>- [MM]WBS 필드 추가요청</a:t>
-            </a:r>
-          </a:p>
-        </p:txBody>
-      </p:sp>
-      <p:sp>
-        <p:nvSpPr>
-          <p:cNvPr id="2085308145" name="Text">
+              <a:t>- [FI] 원천세 프로그램 수정</a:t>
+            </a:r>
+            <a:br/>
+            <a:r>
+              <a:rPr lang="ko" sz="900">
+                <a:latin typeface="맑은 고딕"/>
+                <a:ea typeface="맑은 고딕"/>
+                <a:cs typeface="맑은 고딕"/>
+              </a:rPr>
+              <a:t>- [FI] 건설중인 자산 집계시 5250220 계정을 </a:t>
+            </a:r>
+            <a:br/>
+            <a:r>
+              <a:rPr lang="ko" sz="900">
+                <a:latin typeface="맑은 고딕"/>
+                <a:ea typeface="맑은 고딕"/>
+                <a:cs typeface="맑은 고딕"/>
+              </a:rPr>
+              <a:t>    복리후생비에 추가 요청</a:t>
+            </a:r>
+            <a:br/>
+            <a:r>
+              <a:rPr lang="ko" sz="900">
+                <a:latin typeface="맑은 고딕"/>
+                <a:ea typeface="맑은 고딕"/>
+                <a:cs typeface="맑은 고딕"/>
+              </a:rPr>
+              <a:t>- [FI] 구매처/거래처 코드 관리 업무 개발</a:t>
+            </a:r>
+            <a:br/>
+            <a:r>
+              <a:rPr lang="ko" sz="900">
+                <a:latin typeface="맑은 고딕"/>
+                <a:ea typeface="맑은 고딕"/>
+                <a:cs typeface="맑은 고딕"/>
+              </a:rPr>
+              <a:t>- [FI]지급전표상 외국환거래 신고대상 여부 Self-check</a:t>
+            </a:r>
+            <a:br/>
+            <a:r>
+              <a:rPr lang="ko" sz="900">
+                <a:latin typeface="맑은 고딕"/>
+                <a:ea typeface="맑은 고딕"/>
+                <a:cs typeface="맑은 고딕"/>
+              </a:rPr>
+              <a:t>시 자동 이메일 수신자 추가</a:t>
+            </a:r>
+            <a:br/>
+            <a:r>
+              <a:rPr lang="ko" sz="900">
+                <a:latin typeface="맑은 고딕"/>
+                <a:ea typeface="맑은 고딕"/>
+                <a:cs typeface="맑은 고딕"/>
+              </a:rPr>
+              <a:t>- [FI] 검교정 실험장비 프로그램 요청</a:t>
+            </a:r>
+            <a:br/>
+            <a:r>
+              <a:rPr lang="ko" sz="900">
+                <a:latin typeface="맑은 고딕"/>
+                <a:ea typeface="맑은 고딕"/>
+                <a:cs typeface="맑은 고딕"/>
+              </a:rPr>
+              <a:t>- [TR] 특관자 구매처 거래내역 조회</a:t>
+            </a:r>
+          </a:p>
+        </p:txBody>
+      </p:sp>
+      <p:sp>
+        <p:nvSpPr>
+          <p:cNvPr id="2021391563" name="Text">
     </p:cNvPr>
           <p:cNvSpPr>
             <a:spLocks noGrp="1"/>
@@ -1249,9 +1415,37 @@
                 <a:ea typeface="맑은 고딕"/>
                 <a:cs typeface="맑은 고딕"/>
               </a:rPr>
+              <a:t>[보류]</a:t>
+            </a:r>
+            <a:br/>
+            <a:r>
+              <a:rPr lang="ko" sz="900">
+                <a:latin typeface="맑은 고딕"/>
+                <a:ea typeface="맑은 고딕"/>
+                <a:cs typeface="맑은 고딕"/>
+              </a:rPr>
+              <a:t>[보류]</a:t>
+            </a:r>
+            <a:br/>
+            <a:br/>
+            <a:r>
+              <a:rPr lang="ko" sz="900">
+                <a:latin typeface="맑은 고딕"/>
+                <a:ea typeface="맑은 고딕"/>
+                <a:cs typeface="맑은 고딕"/>
+              </a:rPr>
               <a:t>01/31</a:t>
             </a:r>
             <a:br/>
+            <a:r>
+              <a:rPr lang="ko" sz="900">
+                <a:latin typeface="맑은 고딕"/>
+                <a:ea typeface="맑은 고딕"/>
+                <a:cs typeface="맑은 고딕"/>
+              </a:rPr>
+              <a:t>01/31</a:t>
+            </a:r>
+            <a:br/>
             <a:br/>
             <a:r>
               <a:rPr lang="ko" sz="900">
@@ -1268,14 +1462,14 @@
                 <a:ea typeface="맑은 고딕"/>
                 <a:cs typeface="맑은 고딕"/>
               </a:rPr>
-              <a:t>02/06</a:t>
-            </a:r>
-          </a:p>
-        </p:txBody>
-      </p:sp>
-      <p:sp>
-        <p:nvSpPr>
-          <p:cNvPr id="397257339" name="Text">
+              <a:t>01/27</a:t>
+            </a:r>
+          </a:p>
+        </p:txBody>
+      </p:sp>
+      <p:sp>
+        <p:nvSpPr>
+          <p:cNvPr id="1577252326" name="Text">
     </p:cNvPr>
           <p:cNvSpPr>
             <a:spLocks noGrp="1"/>
@@ -1321,33 +1515,61 @@
                 <a:ea typeface="맑은 고딕"/>
                 <a:cs typeface="맑은 고딕"/>
               </a:rPr>
+              <a:t>80%</a:t>
+            </a:r>
+            <a:br/>
+            <a:r>
+              <a:rPr lang="ko" sz="900">
+                <a:latin typeface="맑은 고딕"/>
+                <a:ea typeface="맑은 고딕"/>
+                <a:cs typeface="맑은 고딕"/>
+              </a:rPr>
+              <a:t>50%</a:t>
+            </a:r>
+            <a:br/>
+            <a:br/>
+            <a:r>
+              <a:rPr lang="ko" sz="900">
+                <a:latin typeface="맑은 고딕"/>
+                <a:ea typeface="맑은 고딕"/>
+                <a:cs typeface="맑은 고딕"/>
+              </a:rPr>
               <a:t>70%</a:t>
             </a:r>
             <a:br/>
-            <a:br/>
-            <a:r>
-              <a:rPr lang="ko" sz="900">
-                <a:latin typeface="맑은 고딕"/>
-                <a:ea typeface="맑은 고딕"/>
-                <a:cs typeface="맑은 고딕"/>
-              </a:rPr>
-              <a:t>01/26</a:t>
-            </a:r>
-            <a:br/>
-            <a:r>
-              <a:rPr lang="ko" sz="900">
-                <a:latin typeface="맑은 고딕"/>
-                <a:ea typeface="맑은 고딕"/>
-                <a:cs typeface="맑은 고딕"/>
-              </a:rPr>
-              <a:t>60%</a:t>
-            </a:r>
-          </a:p>
-        </p:txBody>
-      </p:sp>
-      <p:sp>
-        <p:nvSpPr>
-          <p:cNvPr id="1442404291" name="Text">
+            <a:r>
+              <a:rPr lang="ko" sz="900">
+                <a:latin typeface="맑은 고딕"/>
+                <a:ea typeface="맑은 고딕"/>
+                <a:cs typeface="맑은 고딕"/>
+              </a:rPr>
+              <a:t>80%</a:t>
+            </a:r>
+            <a:br/>
+            <a:br/>
+            <a:r>
+              <a:rPr lang="ko" sz="900">
+                <a:latin typeface="맑은 고딕"/>
+                <a:ea typeface="맑은 고딕"/>
+                <a:cs typeface="맑은 고딕"/>
+              </a:rPr>
+              <a:t>50%</a:t>
+            </a:r>
+            <a:br/>
+            <a:r>
+              <a:rPr lang="ko" sz="900">
+                <a:latin typeface="맑은 고딕"/>
+                <a:ea typeface="맑은 고딕"/>
+                <a:cs typeface="맑은 고딕"/>
+              </a:rPr>
+              <a:t>100%</a:t>
+            </a:r>
+          </a:p>
+        </p:txBody>
+      </p:sp>
+      <p:sp>
+        <p:nvSpPr>
+          <p:cNvPr id="909170838" name="Text">
     </p:cNvPr>
           <p:cNvSpPr>
             <a:spLocks noGrp="1"/>
@@ -1393,33 +1615,61 @@
                 <a:ea typeface="맑은 고딕"/>
                 <a:cs typeface="맑은 고딕"/>
               </a:rPr>
-              <a:t>12/16</a:t>
-            </a:r>
-            <a:br/>
-            <a:br/>
-            <a:r>
-              <a:rPr lang="ko" sz="900">
-                <a:latin typeface="맑은 고딕"/>
-                <a:ea typeface="맑은 고딕"/>
-                <a:cs typeface="맑은 고딕"/>
-              </a:rPr>
-              <a:t>01/11</a:t>
-            </a:r>
-            <a:br/>
-            <a:r>
-              <a:rPr lang="ko" sz="900">
-                <a:latin typeface="맑은 고딕"/>
-                <a:ea typeface="맑은 고딕"/>
-                <a:cs typeface="맑은 고딕"/>
-              </a:rPr>
-              <a:t>01/27</a:t>
-            </a:r>
-          </a:p>
-        </p:txBody>
-      </p:sp>
-      <p:sp>
-        <p:nvSpPr>
-          <p:cNvPr id="1080682671" name="Text">
+              <a:t>01/05</a:t>
+            </a:r>
+            <a:br/>
+            <a:r>
+              <a:rPr lang="ko" sz="900">
+                <a:latin typeface="맑은 고딕"/>
+                <a:ea typeface="맑은 고딕"/>
+                <a:cs typeface="맑은 고딕"/>
+              </a:rPr>
+              <a:t>01/04</a:t>
+            </a:r>
+            <a:br/>
+            <a:br/>
+            <a:r>
+              <a:rPr lang="ko" sz="900">
+                <a:latin typeface="맑은 고딕"/>
+                <a:ea typeface="맑은 고딕"/>
+                <a:cs typeface="맑은 고딕"/>
+              </a:rPr>
+              <a:t>01/10</a:t>
+            </a:r>
+            <a:br/>
+            <a:r>
+              <a:rPr lang="ko" sz="900">
+                <a:latin typeface="맑은 고딕"/>
+                <a:ea typeface="맑은 고딕"/>
+                <a:cs typeface="맑은 고딕"/>
+              </a:rPr>
+              <a:t>01/20</a:t>
+            </a:r>
+            <a:br/>
+            <a:br/>
+            <a:r>
+              <a:rPr lang="ko" sz="900">
+                <a:latin typeface="맑은 고딕"/>
+                <a:ea typeface="맑은 고딕"/>
+                <a:cs typeface="맑은 고딕"/>
+              </a:rPr>
+              <a:t>01/25</a:t>
+            </a:r>
+            <a:br/>
+            <a:r>
+              <a:rPr lang="ko" sz="900">
+                <a:latin typeface="맑은 고딕"/>
+                <a:ea typeface="맑은 고딕"/>
+                <a:cs typeface="맑은 고딕"/>
+              </a:rPr>
+              <a:t>01/26</a:t>
+            </a:r>
+          </a:p>
+        </p:txBody>
+      </p:sp>
+      <p:sp>
+        <p:nvSpPr>
+          <p:cNvPr id="1155146260" name="Text">
     </p:cNvPr>
           <p:cNvSpPr>
             <a:spLocks noGrp="1"/>
@@ -1490,7 +1740,7 @@
       </p:sp>
       <p:sp>
         <p:nvSpPr>
-          <p:cNvPr id="1714635421" name="Text">
+          <p:cNvPr id="1667236832" name="Text">
     </p:cNvPr>
           <p:cNvSpPr>
             <a:spLocks noGrp="1"/>
@@ -1561,7 +1811,7 @@
       </p:sp>
       <p:sp>
         <p:nvSpPr>
-          <p:cNvPr id="473420370" name="Text">
+          <p:cNvPr id="713324463" name="Text">
     </p:cNvPr>
           <p:cNvSpPr>
             <a:spLocks noGrp="1"/>
@@ -1632,7 +1882,7 @@
       </p:sp>
       <p:sp>
         <p:nvSpPr>
-          <p:cNvPr id="57661784" name="Text">
+          <p:cNvPr id="440466945" name="Text">
     </p:cNvPr>
           <p:cNvSpPr>
             <a:spLocks noGrp="1"/>
@@ -1694,7 +1944,7 @@
       </p:sp>
       <p:sp>
         <p:nvSpPr>
-          <p:cNvPr id="214721802" name="Text">
+          <p:cNvPr id="262120927" name="Text">
     </p:cNvPr>
           <p:cNvSpPr>
             <a:spLocks noGrp="1"/>
@@ -1756,7 +2006,7 @@
       </p:sp>
       <p:sp>
         <p:nvSpPr>
-          <p:cNvPr id="1889008036" name="Text">
+          <p:cNvPr id="1812187343" name="Text">
     </p:cNvPr>
           <p:cNvSpPr>
             <a:spLocks noGrp="1"/>
@@ -1854,7 +2104,7 @@
       </p:sp>
       <p:sp>
         <p:nvSpPr>
-          <p:cNvPr id="1385169062" name="Text">
+          <p:cNvPr id="1706292207" name="Text">
     </p:cNvPr>
           <p:cNvSpPr>
             <a:spLocks noGrp="1"/>
@@ -1936,7 +2186,7 @@
       </p:sp>
       <p:sp>
         <p:nvSpPr>
-          <p:cNvPr id="793294517" name="Text">
+          <p:cNvPr id="2023664046" name="Text">
     </p:cNvPr>
           <p:cNvSpPr>
             <a:spLocks noGrp="1"/>
@@ -2018,7 +2268,7 @@
       </p:sp>
       <p:sp>
         <p:nvSpPr>
-          <p:cNvPr id="1078157923" name="Text">
+          <p:cNvPr id="173886015" name="Text">
     </p:cNvPr>
           <p:cNvSpPr>
             <a:spLocks noGrp="1"/>
@@ -2100,7 +2350,7 @@
       </p:sp>
       <p:sp>
         <p:nvSpPr>
-          <p:cNvPr id="257358102" name="Text">
+          <p:cNvPr id="2020261387" name="Text">
     </p:cNvPr>
           <p:cNvSpPr>
             <a:spLocks noGrp="1"/>
@@ -2146,24 +2396,32 @@
                 <a:ea typeface="맑은 고딕"/>
                 <a:cs typeface="맑은 고딕"/>
               </a:rPr>
-              <a:t>02/28</a:t>
-            </a:r>
-            <a:br/>
-            <a:br/>
-            <a:r>
-              <a:rPr lang="ko" sz="900">
-                <a:latin typeface="맑은 고딕"/>
-                <a:ea typeface="맑은 고딕"/>
-                <a:cs typeface="맑은 고딕"/>
-              </a:rPr>
-              <a:t>01/30</a:t>
-            </a:r>
-          </a:p>
-        </p:txBody>
-      </p:sp>
-      <p:sp>
-        <p:nvSpPr>
-          <p:cNvPr id="1561415018" name="Text">
+              <a:t>02/03</a:t>
+            </a:r>
+            <a:br/>
+            <a:r>
+              <a:rPr lang="ko" sz="900">
+                <a:latin typeface="맑은 고딕"/>
+                <a:ea typeface="맑은 고딕"/>
+                <a:cs typeface="맑은 고딕"/>
+              </a:rPr>
+              <a:t>[보류]</a:t>
+            </a:r>
+            <a:br/>
+            <a:r>
+              <a:rPr lang="ko" sz="900">
+                <a:latin typeface="맑은 고딕"/>
+                <a:ea typeface="맑은 고딕"/>
+                <a:cs typeface="맑은 고딕"/>
+              </a:rPr>
+              <a:t>02/03</a:t>
+            </a:r>
+          </a:p>
+        </p:txBody>
+      </p:sp>
+      <p:sp>
+        <p:nvSpPr>
+          <p:cNvPr id="37492322" name="Text">
     </p:cNvPr>
           <p:cNvSpPr>
             <a:spLocks noGrp="1"/>
@@ -2209,24 +2467,32 @@
                 <a:ea typeface="맑은 고딕"/>
                 <a:cs typeface="맑은 고딕"/>
               </a:rPr>
-              <a:t>11/22</a:t>
-            </a:r>
-            <a:br/>
-            <a:br/>
-            <a:r>
-              <a:rPr lang="ko" sz="900">
-                <a:latin typeface="맑은 고딕"/>
-                <a:ea typeface="맑은 고딕"/>
-                <a:cs typeface="맑은 고딕"/>
-              </a:rPr>
-              <a:t>01/27</a:t>
-            </a:r>
-          </a:p>
-        </p:txBody>
-      </p:sp>
-      <p:sp>
-        <p:nvSpPr>
-          <p:cNvPr id="931571043" name="Text">
+              <a:t>01/30</a:t>
+            </a:r>
+            <a:br/>
+            <a:r>
+              <a:rPr lang="ko" sz="900">
+                <a:latin typeface="맑은 고딕"/>
+                <a:ea typeface="맑은 고딕"/>
+                <a:cs typeface="맑은 고딕"/>
+              </a:rPr>
+              <a:t>06/02</a:t>
+            </a:r>
+            <a:br/>
+            <a:r>
+              <a:rPr lang="ko" sz="900">
+                <a:latin typeface="맑은 고딕"/>
+                <a:ea typeface="맑은 고딕"/>
+                <a:cs typeface="맑은 고딕"/>
+              </a:rPr>
+              <a:t>08/10</a:t>
+            </a:r>
+          </a:p>
+        </p:txBody>
+      </p:sp>
+      <p:sp>
+        <p:nvSpPr>
+          <p:cNvPr id="258088018" name="Text">
     </p:cNvPr>
           <p:cNvSpPr>
             <a:spLocks noGrp="1"/>
@@ -2272,32 +2538,32 @@
                 <a:ea typeface="맑은 고딕"/>
                 <a:cs typeface="맑은 고딕"/>
               </a:rPr>
-              <a:t>- [HR] 지방사업장 중식비, 조식비, 교통비 신청서 개발 </a:t>
-            </a:r>
-            <a:br/>
-            <a:r>
-              <a:rPr lang="ko" sz="900">
-                <a:latin typeface="맑은 고딕"/>
-                <a:ea typeface="맑은 고딕"/>
-                <a:cs typeface="맑은 고딕"/>
-              </a:rPr>
-              <a:t>요청</a:t>
-            </a:r>
-            <a:br/>
-            <a:r>
-              <a:rPr lang="ko" sz="900">
-                <a:latin typeface="맑은 고딕"/>
-                <a:ea typeface="맑은 고딕"/>
-                <a:cs typeface="맑은 고딕"/>
-              </a:rPr>
-              <a:t>- [HR] 의료비 신청건 반려시 안내메일 발송</a:t>
-            </a:r>
-          </a:p>
-        </p:txBody>
-      </p:sp>
-      <p:sp>
-        <p:nvSpPr>
-          <p:cNvPr id="1812826506" name="Text">
+              <a:t>- [RPA] 이상 관리 및 재수행 </a:t>
+            </a:r>
+            <a:br/>
+            <a:r>
+              <a:rPr lang="ko" sz="900">
+                <a:latin typeface="맑은 고딕"/>
+                <a:ea typeface="맑은 고딕"/>
+                <a:cs typeface="맑은 고딕"/>
+              </a:rPr>
+              <a:t>- [RPA] 회계전표 증빙 대사 로직 일부 수정 요청 </a:t>
+            </a:r>
+            <a:br/>
+            <a:r>
+              <a:rPr lang="ko" sz="900">
+                <a:latin typeface="맑은 고딕"/>
+                <a:ea typeface="맑은 고딕"/>
+                <a:cs typeface="맑은 고딕"/>
+              </a:rPr>
+              <a:t>- [RPA] A11 117PC RPA 안정화</a:t>
+            </a:r>
+          </a:p>
+        </p:txBody>
+      </p:sp>
+      <p:sp>
+        <p:nvSpPr>
+          <p:cNvPr id="1871622963" name="Text">
     </p:cNvPr>
           <p:cNvSpPr>
             <a:spLocks noGrp="1"/>
@@ -2343,41 +2609,41 @@
                 <a:ea typeface="맑은 고딕"/>
                 <a:cs typeface="맑은 고딕"/>
               </a:rPr>
-              <a:t>HR</a:t>
-            </a:r>
-            <a:br/>
-            <a:r>
-              <a:rPr lang="ko" sz="900">
-                <a:latin typeface="맑은 고딕"/>
-                <a:ea typeface="맑은 고딕"/>
-                <a:cs typeface="맑은 고딕"/>
-              </a:rPr>
-              <a:t>/HCM</a:t>
-            </a:r>
-            <a:br/>
-            <a:r>
-              <a:rPr lang="ko" sz="900">
-                <a:latin typeface="맑은 고딕"/>
-                <a:ea typeface="맑은 고딕"/>
-                <a:cs typeface="맑은 고딕"/>
-              </a:rPr>
-              <a:t>/Fiori</a:t>
-            </a:r>
-            <a:br/>
-            <a:r>
-              <a:rPr lang="ko" sz="900">
-                <a:latin typeface="맑은 고딕"/>
-                <a:ea typeface="맑은 고딕"/>
-                <a:cs typeface="맑은 고딕"/>
-              </a:rPr>
-              <a:t>김예린</a:t>
-            </a:r>
-          </a:p>
-        </p:txBody>
-      </p:sp>
-      <p:sp>
-        <p:nvSpPr>
-          <p:cNvPr id="1420510036" name="Text">
+              <a:t>RPA</a:t>
+            </a:r>
+            <a:br/>
+            <a:r>
+              <a:rPr lang="ko" sz="900">
+                <a:latin typeface="맑은 고딕"/>
+                <a:ea typeface="맑은 고딕"/>
+                <a:cs typeface="맑은 고딕"/>
+              </a:rPr>
+              <a:t>/전자계약</a:t>
+            </a:r>
+            <a:br/>
+            <a:r>
+              <a:rPr lang="ko" sz="900">
+                <a:latin typeface="맑은 고딕"/>
+                <a:ea typeface="맑은 고딕"/>
+                <a:cs typeface="맑은 고딕"/>
+              </a:rPr>
+              <a:t>/GCMS</a:t>
+            </a:r>
+            <a:br/>
+            <a:r>
+              <a:rPr lang="ko" sz="900">
+                <a:latin typeface="맑은 고딕"/>
+                <a:ea typeface="맑은 고딕"/>
+                <a:cs typeface="맑은 고딕"/>
+              </a:rPr>
+              <a:t>박선미</a:t>
+            </a:r>
+          </a:p>
+        </p:txBody>
+      </p:sp>
+      <p:sp>
+        <p:nvSpPr>
+          <p:cNvPr id="1111081519" name="Text">
     </p:cNvPr>
           <p:cNvSpPr>
             <a:spLocks noGrp="1"/>
@@ -2423,41 +2689,41 @@
                 <a:ea typeface="맑은 고딕"/>
                 <a:cs typeface="맑은 고딕"/>
               </a:rPr>
-              <a:t>HR</a:t>
-            </a:r>
-            <a:br/>
-            <a:r>
-              <a:rPr lang="ko" sz="900">
-                <a:latin typeface="맑은 고딕"/>
-                <a:ea typeface="맑은 고딕"/>
-                <a:cs typeface="맑은 고딕"/>
-              </a:rPr>
-              <a:t>/HCM</a:t>
-            </a:r>
-            <a:br/>
-            <a:r>
-              <a:rPr lang="ko" sz="900">
-                <a:latin typeface="맑은 고딕"/>
-                <a:ea typeface="맑은 고딕"/>
-                <a:cs typeface="맑은 고딕"/>
-              </a:rPr>
-              <a:t>/Fiori</a:t>
-            </a:r>
-            <a:br/>
-            <a:r>
-              <a:rPr lang="ko" sz="900">
-                <a:latin typeface="맑은 고딕"/>
-                <a:ea typeface="맑은 고딕"/>
-                <a:cs typeface="맑은 고딕"/>
-              </a:rPr>
-              <a:t>김예린</a:t>
-            </a:r>
-          </a:p>
-        </p:txBody>
-      </p:sp>
-      <p:sp>
-        <p:nvSpPr>
-          <p:cNvPr id="50740918" name="Text">
+              <a:t>RPA</a:t>
+            </a:r>
+            <a:br/>
+            <a:r>
+              <a:rPr lang="ko" sz="900">
+                <a:latin typeface="맑은 고딕"/>
+                <a:ea typeface="맑은 고딕"/>
+                <a:cs typeface="맑은 고딕"/>
+              </a:rPr>
+              <a:t>/전자계약</a:t>
+            </a:r>
+            <a:br/>
+            <a:r>
+              <a:rPr lang="ko" sz="900">
+                <a:latin typeface="맑은 고딕"/>
+                <a:ea typeface="맑은 고딕"/>
+                <a:cs typeface="맑은 고딕"/>
+              </a:rPr>
+              <a:t>/GCMS</a:t>
+            </a:r>
+            <a:br/>
+            <a:r>
+              <a:rPr lang="ko" sz="900">
+                <a:latin typeface="맑은 고딕"/>
+                <a:ea typeface="맑은 고딕"/>
+                <a:cs typeface="맑은 고딕"/>
+              </a:rPr>
+              <a:t>박선미</a:t>
+            </a:r>
+          </a:p>
+        </p:txBody>
+      </p:sp>
+      <p:sp>
+        <p:nvSpPr>
+          <p:cNvPr id="542393100" name="Text">
     </p:cNvPr>
           <p:cNvSpPr>
             <a:spLocks noGrp="1"/>
@@ -2503,86 +2769,86 @@
                 <a:ea typeface="맑은 고딕"/>
                 <a:cs typeface="맑은 고딕"/>
               </a:rPr>
-              <a:t>- [HR] 엔지니어 특근계획서 전산화</a:t>
-            </a:r>
-            <a:br/>
-            <a:r>
-              <a:rPr lang="ko" sz="900">
-                <a:latin typeface="맑은 고딕"/>
-                <a:ea typeface="맑은 고딕"/>
-                <a:cs typeface="맑은 고딕"/>
-              </a:rPr>
-              <a:t>- [HR] 문서 수신 담당자 변경 요청</a:t>
-            </a:r>
-            <a:br/>
-            <a:r>
-              <a:rPr lang="ko" sz="900">
-                <a:latin typeface="맑은 고딕"/>
-                <a:ea typeface="맑은 고딕"/>
-                <a:cs typeface="맑은 고딕"/>
-              </a:rPr>
-              <a:t>- [HR] 변동공제 조회(사유발생자)' 조회시 급여공제액 </a:t>
-            </a:r>
-            <a:br/>
-            <a:r>
-              <a:rPr lang="ko" sz="900">
-                <a:latin typeface="맑은 고딕"/>
-                <a:ea typeface="맑은 고딕"/>
-                <a:cs typeface="맑은 고딕"/>
-              </a:rPr>
-              <a:t>합계 표시 되도록 수정</a:t>
-            </a:r>
-            <a:br/>
-            <a:r>
-              <a:rPr lang="ko" sz="900">
-                <a:latin typeface="맑은 고딕"/>
-                <a:ea typeface="맑은 고딕"/>
-                <a:cs typeface="맑은 고딕"/>
-              </a:rPr>
-              <a:t>- [HR] 경조금 신청서 관련 개발 요청의 건(경조금(과세)) </a:t>
-            </a:r>
-            <a:br/>
-            <a:r>
-              <a:rPr lang="ko" sz="900">
-                <a:latin typeface="맑은 고딕"/>
-                <a:ea typeface="맑은 고딕"/>
-                <a:cs typeface="맑은 고딕"/>
-              </a:rPr>
-              <a:t>임금유형 추가</a:t>
-            </a:r>
-            <a:br/>
-            <a:r>
-              <a:rPr lang="ko" sz="900">
-                <a:latin typeface="맑은 고딕"/>
-                <a:ea typeface="맑은 고딕"/>
-                <a:cs typeface="맑은 고딕"/>
-              </a:rPr>
-              <a:t>- [HR] 고정공제 신청시 인당 공제금액 제한 요청</a:t>
-            </a:r>
-            <a:br/>
-            <a:r>
-              <a:rPr lang="ko" sz="900">
-                <a:latin typeface="맑은 고딕"/>
-                <a:ea typeface="맑은 고딕"/>
-                <a:cs typeface="맑은 고딕"/>
-              </a:rPr>
-              <a:t>- [HR] HCM 생산직 평가 관련 WEB 수정사항</a:t>
-            </a:r>
-            <a:br/>
-            <a:r>
-              <a:rPr lang="ko" sz="900">
-                <a:latin typeface="맑은 고딕"/>
-                <a:ea typeface="맑은 고딕"/>
-                <a:cs typeface="맑은 고딕"/>
-              </a:rPr>
-              <a:t>- [HR] 의료비 신청건 반려시 안내메일 발송</a:t>
-            </a:r>
-          </a:p>
-        </p:txBody>
-      </p:sp>
-      <p:sp>
-        <p:nvSpPr>
-          <p:cNvPr id="27864584" name="Text">
+              <a:t>- [RPA] A360 Daily Report 요일 별 작업 하나로 합치기</a:t>
+            </a:r>
+            <a:br/>
+            <a:r>
+              <a:rPr lang="ko" sz="900">
+                <a:latin typeface="맑은 고딕"/>
+                <a:ea typeface="맑은 고딕"/>
+                <a:cs typeface="맑은 고딕"/>
+              </a:rPr>
+              <a:t>- [RPA] A360 Daily Report 엑셀 테스트</a:t>
+            </a:r>
+            <a:br/>
+            <a:r>
+              <a:rPr lang="ko" sz="900">
+                <a:latin typeface="맑은 고딕"/>
+                <a:ea typeface="맑은 고딕"/>
+                <a:cs typeface="맑은 고딕"/>
+              </a:rPr>
+              <a:t>- [RPA] A360 Daily Report 안정화 작업 연장 논의</a:t>
+            </a:r>
+            <a:br/>
+            <a:r>
+              <a:rPr lang="ko" sz="900">
+                <a:latin typeface="맑은 고딕"/>
+                <a:ea typeface="맑은 고딕"/>
+                <a:cs typeface="맑은 고딕"/>
+              </a:rPr>
+              <a:t>- [RPA] A11 #2-2 외화지급계좌 ERP등록 작업 변경 논의</a:t>
+            </a:r>
+            <a:br/>
+            <a:r>
+              <a:rPr lang="ko" sz="900">
+                <a:latin typeface="맑은 고딕"/>
+                <a:ea typeface="맑은 고딕"/>
+                <a:cs typeface="맑은 고딕"/>
+              </a:rPr>
+              <a:t>- [RPA] A360 Daily Report 엑셀 테스트 및 수정</a:t>
+            </a:r>
+            <a:br/>
+            <a:r>
+              <a:rPr lang="ko" sz="900">
+                <a:latin typeface="맑은 고딕"/>
+                <a:ea typeface="맑은 고딕"/>
+                <a:cs typeface="맑은 고딕"/>
+              </a:rPr>
+              <a:t>- [RPA] A11 #2-1 외화지급계좌 증빙 대사 html 첨부 수정</a:t>
+            </a:r>
+            <a:br/>
+            <a:r>
+              <a:rPr lang="ko" sz="900">
+                <a:latin typeface="맑은 고딕"/>
+                <a:ea typeface="맑은 고딕"/>
+                <a:cs typeface="맑은 고딕"/>
+              </a:rPr>
+              <a:t>- [RPA] A11 #4 외화송금 메일 미발송 원인 확인</a:t>
+            </a:r>
+            <a:br/>
+            <a:r>
+              <a:rPr lang="ko" sz="900">
+                <a:latin typeface="맑은 고딕"/>
+                <a:ea typeface="맑은 고딕"/>
+                <a:cs typeface="맑은 고딕"/>
+              </a:rPr>
+              <a:t>- [RPA] A360 Daily Report 엑셀 테스트</a:t>
+            </a:r>
+            <a:br/>
+            <a:r>
+              <a:rPr lang="ko" sz="900">
+                <a:latin typeface="맑은 고딕"/>
+                <a:ea typeface="맑은 고딕"/>
+                <a:cs typeface="맑은 고딕"/>
+              </a:rPr>
+              <a:t>- [GCMS] Join query 작성</a:t>
+            </a:r>
+          </a:p>
+        </p:txBody>
+      </p:sp>
+      <p:sp>
+        <p:nvSpPr>
+          <p:cNvPr id="1061903320" name="Text">
     </p:cNvPr>
           <p:cNvSpPr>
             <a:spLocks noGrp="1"/>
@@ -2628,7 +2894,34 @@
                 <a:ea typeface="맑은 고딕"/>
                 <a:cs typeface="맑은 고딕"/>
               </a:rPr>
-              <a:t>01/31</a:t>
+              <a:t>01/25</a:t>
+            </a:r>
+            <a:br/>
+            <a:r>
+              <a:rPr lang="ko" sz="900">
+                <a:latin typeface="맑은 고딕"/>
+                <a:ea typeface="맑은 고딕"/>
+                <a:cs typeface="맑은 고딕"/>
+              </a:rPr>
+              <a:t>01/25</a:t>
+            </a:r>
+            <a:br/>
+            <a:r>
+              <a:rPr lang="ko" sz="900">
+                <a:latin typeface="맑은 고딕"/>
+                <a:ea typeface="맑은 고딕"/>
+                <a:cs typeface="맑은 고딕"/>
+              </a:rPr>
+              <a:t>01/25</a:t>
+            </a:r>
+            <a:br/>
+            <a:r>
+              <a:rPr lang="ko" sz="900">
+                <a:latin typeface="맑은 고딕"/>
+                <a:ea typeface="맑은 고딕"/>
+                <a:cs typeface="맑은 고딕"/>
+              </a:rPr>
+              <a:t>01/25</a:t>
             </a:r>
             <a:br/>
             <a:r>
@@ -2649,26 +2942,6 @@
               <a:t>01/26</a:t>
             </a:r>
             <a:br/>
-            <a:br/>
-            <a:r>
-              <a:rPr lang="ko" sz="900">
-                <a:latin typeface="맑은 고딕"/>
-                <a:ea typeface="맑은 고딕"/>
-                <a:cs typeface="맑은 고딕"/>
-              </a:rPr>
-              <a:t>01/26</a:t>
-            </a:r>
-            <a:br/>
-            <a:br/>
-            <a:r>
-              <a:rPr lang="ko" sz="900">
-                <a:latin typeface="맑은 고딕"/>
-                <a:ea typeface="맑은 고딕"/>
-                <a:cs typeface="맑은 고딕"/>
-              </a:rPr>
-              <a:t>01/25</a:t>
-            </a:r>
-            <a:br/>
             <a:r>
               <a:rPr lang="ko" sz="900">
                 <a:latin typeface="맑은 고딕"/>
@@ -2684,14 +2957,23 @@
                 <a:ea typeface="맑은 고딕"/>
                 <a:cs typeface="맑은 고딕"/>
               </a:rPr>
-              <a:t>01/30</a:t>
-            </a:r>
-          </a:p>
-        </p:txBody>
-      </p:sp>
-      <p:sp>
-        <p:nvSpPr>
-          <p:cNvPr id="23639662" name="Text">
+              <a:t>01/27</a:t>
+            </a:r>
+            <a:br/>
+            <a:r>
+              <a:rPr lang="ko" sz="900">
+                <a:latin typeface="맑은 고딕"/>
+                <a:ea typeface="맑은 고딕"/>
+                <a:cs typeface="맑은 고딕"/>
+              </a:rPr>
+              <a:t>01/27</a:t>
+            </a:r>
+          </a:p>
+        </p:txBody>
+      </p:sp>
+      <p:sp>
+        <p:nvSpPr>
+          <p:cNvPr id="625369129" name="Text">
     </p:cNvPr>
           <p:cNvSpPr>
             <a:spLocks noGrp="1"/>
@@ -2737,70 +3019,86 @@
                 <a:ea typeface="맑은 고딕"/>
                 <a:cs typeface="맑은 고딕"/>
               </a:rPr>
-              <a:t>100%</a:t>
-            </a:r>
-            <a:br/>
-            <a:r>
-              <a:rPr lang="ko" sz="900">
-                <a:latin typeface="맑은 고딕"/>
-                <a:ea typeface="맑은 고딕"/>
-                <a:cs typeface="맑은 고딕"/>
-              </a:rPr>
-              <a:t>100%</a:t>
-            </a:r>
-            <a:br/>
-            <a:r>
-              <a:rPr lang="ko" sz="900">
-                <a:latin typeface="맑은 고딕"/>
-                <a:ea typeface="맑은 고딕"/>
-                <a:cs typeface="맑은 고딕"/>
-              </a:rPr>
-              <a:t>100%</a:t>
-            </a:r>
-            <a:br/>
-            <a:br/>
-            <a:r>
-              <a:rPr lang="ko" sz="900">
-                <a:latin typeface="맑은 고딕"/>
-                <a:ea typeface="맑은 고딕"/>
-                <a:cs typeface="맑은 고딕"/>
-              </a:rPr>
-              <a:t>100%</a:t>
-            </a:r>
-            <a:br/>
-            <a:br/>
-            <a:r>
-              <a:rPr lang="ko" sz="900">
-                <a:latin typeface="맑은 고딕"/>
-                <a:ea typeface="맑은 고딕"/>
-                <a:cs typeface="맑은 고딕"/>
-              </a:rPr>
-              <a:t>100%</a:t>
-            </a:r>
-            <a:br/>
-            <a:r>
-              <a:rPr lang="ko" sz="900">
-                <a:latin typeface="맑은 고딕"/>
-                <a:ea typeface="맑은 고딕"/>
-                <a:cs typeface="맑은 고딕"/>
-              </a:rPr>
-              <a:t>100%</a:t>
-            </a:r>
-            <a:br/>
-            <a:r>
-              <a:rPr lang="ko" sz="900">
-                <a:latin typeface="맑은 고딕"/>
-                <a:ea typeface="맑은 고딕"/>
-                <a:cs typeface="맑은 고딕"/>
-              </a:rPr>
-              <a:t>50%</a:t>
-            </a:r>
-          </a:p>
-        </p:txBody>
-      </p:sp>
-      <p:sp>
-        <p:nvSpPr>
-          <p:cNvPr id="257422580" name="Text">
+              <a:t>01/25</a:t>
+            </a:r>
+            <a:br/>
+            <a:r>
+              <a:rPr lang="ko" sz="900">
+                <a:latin typeface="맑은 고딕"/>
+                <a:ea typeface="맑은 고딕"/>
+                <a:cs typeface="맑은 고딕"/>
+              </a:rPr>
+              <a:t>01/25</a:t>
+            </a:r>
+            <a:br/>
+            <a:r>
+              <a:rPr lang="ko" sz="900">
+                <a:latin typeface="맑은 고딕"/>
+                <a:ea typeface="맑은 고딕"/>
+                <a:cs typeface="맑은 고딕"/>
+              </a:rPr>
+              <a:t>01/25</a:t>
+            </a:r>
+            <a:br/>
+            <a:r>
+              <a:rPr lang="ko" sz="900">
+                <a:latin typeface="맑은 고딕"/>
+                <a:ea typeface="맑은 고딕"/>
+                <a:cs typeface="맑은 고딕"/>
+              </a:rPr>
+              <a:t>01/25</a:t>
+            </a:r>
+            <a:br/>
+            <a:r>
+              <a:rPr lang="ko" sz="900">
+                <a:latin typeface="맑은 고딕"/>
+                <a:ea typeface="맑은 고딕"/>
+                <a:cs typeface="맑은 고딕"/>
+              </a:rPr>
+              <a:t>01/26</a:t>
+            </a:r>
+            <a:br/>
+            <a:r>
+              <a:rPr lang="ko" sz="900">
+                <a:latin typeface="맑은 고딕"/>
+                <a:ea typeface="맑은 고딕"/>
+                <a:cs typeface="맑은 고딕"/>
+              </a:rPr>
+              <a:t>01/26</a:t>
+            </a:r>
+            <a:br/>
+            <a:r>
+              <a:rPr lang="ko" sz="900">
+                <a:latin typeface="맑은 고딕"/>
+                <a:ea typeface="맑은 고딕"/>
+                <a:cs typeface="맑은 고딕"/>
+              </a:rPr>
+              <a:t>01/27</a:t>
+            </a:r>
+            <a:br/>
+            <a:r>
+              <a:rPr lang="ko" sz="900">
+                <a:latin typeface="맑은 고딕"/>
+                <a:ea typeface="맑은 고딕"/>
+                <a:cs typeface="맑은 고딕"/>
+              </a:rPr>
+              <a:t>01/27</a:t>
+            </a:r>
+            <a:br/>
+            <a:r>
+              <a:rPr lang="ko" sz="900">
+                <a:latin typeface="맑은 고딕"/>
+                <a:ea typeface="맑은 고딕"/>
+                <a:cs typeface="맑은 고딕"/>
+              </a:rPr>
+              <a:t>01/27</a:t>
+            </a:r>
+          </a:p>
+        </p:txBody>
+      </p:sp>
+      <p:sp>
+        <p:nvSpPr>
+          <p:cNvPr id="702739988" name="Text">
     </p:cNvPr>
           <p:cNvSpPr>
             <a:spLocks noGrp="1"/>
@@ -2846,7 +3144,34 @@
                 <a:ea typeface="맑은 고딕"/>
                 <a:cs typeface="맑은 고딕"/>
               </a:rPr>
-              <a:t>11/22</a:t>
+              <a:t>01/25</a:t>
+            </a:r>
+            <a:br/>
+            <a:r>
+              <a:rPr lang="ko" sz="900">
+                <a:latin typeface="맑은 고딕"/>
+                <a:ea typeface="맑은 고딕"/>
+                <a:cs typeface="맑은 고딕"/>
+              </a:rPr>
+              <a:t>01/25</a:t>
+            </a:r>
+            <a:br/>
+            <a:r>
+              <a:rPr lang="ko" sz="900">
+                <a:latin typeface="맑은 고딕"/>
+                <a:ea typeface="맑은 고딕"/>
+                <a:cs typeface="맑은 고딕"/>
+              </a:rPr>
+              <a:t>01/25</a:t>
+            </a:r>
+            <a:br/>
+            <a:r>
+              <a:rPr lang="ko" sz="900">
+                <a:latin typeface="맑은 고딕"/>
+                <a:ea typeface="맑은 고딕"/>
+                <a:cs typeface="맑은 고딕"/>
+              </a:rPr>
+              <a:t>01/25</a:t>
             </a:r>
             <a:br/>
             <a:r>
@@ -2864,35 +3189,6 @@
                 <a:ea typeface="맑은 고딕"/>
                 <a:cs typeface="맑은 고딕"/>
               </a:rPr>
-              <a:t>01/25</a:t>
-            </a:r>
-            <a:br/>
-            <a:br/>
-            <a:r>
-              <a:rPr lang="ko" sz="900">
-                <a:latin typeface="맑은 고딕"/>
-                <a:ea typeface="맑은 고딕"/>
-                <a:cs typeface="맑은 고딕"/>
-              </a:rPr>
-              <a:t>01/18</a:t>
-            </a:r>
-            <a:br/>
-            <a:br/>
-            <a:r>
-              <a:rPr lang="ko" sz="900">
-                <a:latin typeface="맑은 고딕"/>
-                <a:ea typeface="맑은 고딕"/>
-                <a:cs typeface="맑은 고딕"/>
-              </a:rPr>
-              <a:t>01/20</a:t>
-            </a:r>
-            <a:br/>
-            <a:r>
-              <a:rPr lang="ko" sz="900">
-                <a:latin typeface="맑은 고딕"/>
-                <a:ea typeface="맑은 고딕"/>
-                <a:cs typeface="맑은 고딕"/>
-              </a:rPr>
               <a:t>01/26</a:t>
             </a:r>
             <a:br/>
@@ -2904,12 +3200,30 @@
               </a:rPr>
               <a:t>01/27</a:t>
             </a:r>
-          </a:p>
-        </p:txBody>
-      </p:sp>
-      <p:sp>
-        <p:nvSpPr>
-          <p:cNvPr id="1033275430" name="Text">
+            <a:br/>
+            <a:r>
+              <a:rPr lang="ko" sz="900">
+                <a:latin typeface="맑은 고딕"/>
+                <a:ea typeface="맑은 고딕"/>
+                <a:cs typeface="맑은 고딕"/>
+              </a:rPr>
+              <a:t>01/27</a:t>
+            </a:r>
+            <a:br/>
+            <a:r>
+              <a:rPr lang="ko" sz="900">
+                <a:latin typeface="맑은 고딕"/>
+                <a:ea typeface="맑은 고딕"/>
+                <a:cs typeface="맑은 고딕"/>
+              </a:rPr>
+              <a:t>01/27</a:t>
+            </a:r>
+          </a:p>
+        </p:txBody>
+      </p:sp>
+      <p:sp>
+        <p:nvSpPr>
+          <p:cNvPr id="732728327" name="Text">
     </p:cNvPr>
           <p:cNvSpPr>
             <a:spLocks noGrp="1"/>
@@ -2955,7 +3269,5442 @@
       </p:sp>
       <p:pic>
         <p:nvPicPr>
-          <p:cNvPr id="1703483534" name="Picture">
+          <p:cNvPr id="301693657" name="Picture">
+    </p:cNvPr>
+          <p:cNvPicPr>
+            <a:picLocks noChangeAspect="1"/>
+          </p:cNvPicPr>
+          <p:nvPr/>
+        </p:nvPicPr>
+        <p:blipFill>
+          <a:blip r:embed="img_0_0_41.jpg"/>
+          <a:srcRect/>
+          <a:stretch>
+            <a:fillRect l="0" t="0" r="0" b="5555"/>
+          </a:stretch>
+        </p:blipFill>
+        <p:spPr>
+          <a:xfrm rot="0">
+            <a:off x="101600" y="6819900"/>
+            <a:ext cx="1143000" cy="457200"/>
+          </a:xfrm>
+          <a:prstGeom prst="rect">
+            <a:avLst/>
+          </a:prstGeom>
+        </p:spPr>
+      </p:pic>
+    </p:spTree>
+  </p:cSld>
+  <p:clrMapOvr>
+    <a:masterClrMapping/>
+  </p:clrMapOvr>
+</p:sld>
+</file>
+
+<file path=ppt/slides/slide2.xml><?xml version="1.0" encoding="utf-8"?>
+<p:sld xmlns:a="http://schemas.openxmlformats.org/drawingml/2006/main" xmlns:r="http://schemas.openxmlformats.org/officeDocument/2006/relationships" xmlns:p="http://schemas.openxmlformats.org/presentationml/2006/main">
+  <p:cSld>
+    <p:spTree>
+      <p:nvGrpSpPr>
+        <p:cNvPr id="1" name=""/>
+        <p:cNvGrpSpPr/>
+        <p:nvPr/>
+      </p:nvGrpSpPr>
+      <p:grpSpPr>
+        <a:xfrm>
+          <a:off x="0" y="0"/>
+          <a:ext cx="0" cy="0"/>
+          <a:chOff x="0" y="0"/>
+          <a:chExt cx="0" cy="0"/>
+        </a:xfrm>
+      </p:grpSpPr>
+      <p:sp>
+        <p:nvSpPr>
+          <p:cNvPr id="1647988017" name="Text">
+    </p:cNvPr>
+          <p:cNvSpPr>
+            <a:spLocks noGrp="1"/>
+          </p:cNvSpPr>
+          <p:nvPr/>
+        </p:nvSpPr>
+        <p:spPr>
+          <a:xfrm rot="0">
+            <a:off x="177800" y="800100"/>
+            <a:ext cx="5524500" cy="381000"/>
+          </a:xfrm>
+          <a:prstGeom prst="rect">
+            <a:avLst/>
+          </a:prstGeom>
+          <a:solidFill>
+            <a:srgbClr val="C7CDFD"/>
+          </a:solidFill>
+        </p:spPr>
+        <p:txBody>
+          <a:bodyPr wrap="square" lIns="0" tIns="0" rIns="0" bIns="0" rtlCol="0" anchor="ctr"/>
+          <a:lstStyle/>
+          <a:p>
+            <a:pPr algn="ctr">
+              <a:lnSpc>
+                <a:spcPct val="100%"/>
+              </a:lnSpc>
+              <a:defRPr sz="1400" b="1">
+                <a:solidFill>
+                  <a:srgbClr val="000000"/>
+                </a:solidFill>
+                <a:latin typeface="맑은 고딕"/>
+                <a:ea typeface="맑은 고딕"/>
+                <a:cs typeface="맑은 고딕"/>
+              </a:defRPr>
+            </a:pPr>
+            <a:r>
+              <a:rPr lang="ko" sz="1400" b="1">
+                <a:latin typeface="맑은 고딕"/>
+                <a:ea typeface="맑은 고딕"/>
+                <a:cs typeface="맑은 고딕"/>
+              </a:rPr>
+              <a:t>금주 업무 실적</a:t>
+            </a:r>
+          </a:p>
+        </p:txBody>
+      </p:sp>
+      <p:sp>
+        <p:nvSpPr>
+          <p:cNvPr id="2134116775" name="Text">
+    </p:cNvPr>
+          <p:cNvSpPr>
+            <a:spLocks noGrp="1"/>
+          </p:cNvSpPr>
+          <p:nvPr/>
+        </p:nvSpPr>
+        <p:spPr>
+          <a:xfrm rot="0">
+            <a:off x="5753100" y="800100"/>
+            <a:ext cx="4724400" cy="381000"/>
+          </a:xfrm>
+          <a:prstGeom prst="rect">
+            <a:avLst/>
+          </a:prstGeom>
+          <a:solidFill>
+            <a:srgbClr val="C7CDFD"/>
+          </a:solidFill>
+        </p:spPr>
+        <p:txBody>
+          <a:bodyPr wrap="square" lIns="0" tIns="0" rIns="0" bIns="0" rtlCol="0" anchor="ctr"/>
+          <a:lstStyle/>
+          <a:p>
+            <a:pPr algn="ctr">
+              <a:lnSpc>
+                <a:spcPct val="100%"/>
+              </a:lnSpc>
+              <a:defRPr sz="1400" b="1">
+                <a:solidFill>
+                  <a:srgbClr val="000000"/>
+                </a:solidFill>
+                <a:latin typeface="맑은 고딕"/>
+                <a:ea typeface="맑은 고딕"/>
+                <a:cs typeface="맑은 고딕"/>
+              </a:defRPr>
+            </a:pPr>
+            <a:r>
+              <a:rPr lang="ko" sz="1400" b="1">
+                <a:latin typeface="맑은 고딕"/>
+                <a:ea typeface="맑은 고딕"/>
+                <a:cs typeface="맑은 고딕"/>
+              </a:rPr>
+              <a:t>차주 업무 계획</a:t>
+            </a:r>
+          </a:p>
+        </p:txBody>
+      </p:sp>
+      <p:sp>
+        <p:nvSpPr>
+          <p:cNvPr id="436602639" name="Line"/>
+          <p:cNvSpPr>
+            <a:spLocks noGrp="1"/>
+          </p:cNvSpPr>
+          <p:nvPr/>
+        </p:nvSpPr>
+        <p:spPr>
+          <a:xfrm>
+            <a:off x="127000" y="673100"/>
+            <a:ext cx="10287000" cy="0"/>
+          </a:xfrm>
+          <a:prstGeom prst="line">
+            <a:avLst/>
+          </a:prstGeom>
+          <a:solidFill>
+            <a:srgbClr val="FFFFFF"/>
+          </a:solidFill>
+          <a:ln w="12700">
+            <a:solidFill>
+              <a:srgbClr val="000000"/>
+            </a:solidFill>
+            <a:prstDash val="solid"/>
+          </a:ln>
+        </p:spPr>
+        <p:txBody>
+          <a:bodyPr rtlCol="0" anchor="ctr"/>
+          <a:lstStyle/>
+          <a:p>
+            <a:pPr algn="ctr"/>
+          </a:p>
+        </p:txBody>
+      </p:sp>
+      <p:sp>
+        <p:nvSpPr>
+          <p:cNvPr id="1348569892" name="Text">
+    </p:cNvPr>
+          <p:cNvSpPr>
+            <a:spLocks noGrp="1"/>
+          </p:cNvSpPr>
+          <p:nvPr/>
+        </p:nvSpPr>
+        <p:spPr>
+          <a:xfrm rot="0">
+            <a:off x="177800" y="254000"/>
+            <a:ext cx="5969000" cy="381000"/>
+          </a:xfrm>
+          <a:prstGeom prst="rect">
+            <a:avLst/>
+          </a:prstGeom>
+        </p:spPr>
+        <p:txBody>
+          <a:bodyPr wrap="square" lIns="0" tIns="0" rIns="0" bIns="0" rtlCol="0" anchor="t"/>
+          <a:lstStyle/>
+          <a:p>
+            <a:pPr algn="l">
+              <a:lnSpc>
+                <a:spcPct val="100%"/>
+              </a:lnSpc>
+              <a:defRPr sz="1800" b="1">
+                <a:solidFill>
+                  <a:srgbClr val="000000"/>
+                </a:solidFill>
+                <a:latin typeface="맑은 고딕"/>
+                <a:ea typeface="맑은 고딕"/>
+                <a:cs typeface="맑은 고딕"/>
+              </a:defRPr>
+            </a:pPr>
+            <a:r>
+              <a:rPr lang="ko" sz="1800" b="1">
+                <a:latin typeface="맑은 고딕"/>
+                <a:ea typeface="맑은 고딕"/>
+                <a:cs typeface="맑은 고딕"/>
+              </a:rPr>
+              <a:t>3. 주간업무 실적 및 계획(①Baynex - ERP)</a:t>
+            </a:r>
+          </a:p>
+        </p:txBody>
+      </p:sp>
+      <p:sp>
+        <p:nvSpPr>
+          <p:cNvPr id="1619134428" name="Text">
+    </p:cNvPr>
+          <p:cNvSpPr>
+            <a:spLocks noGrp="1"/>
+          </p:cNvSpPr>
+          <p:nvPr/>
+        </p:nvSpPr>
+        <p:spPr>
+          <a:xfrm rot="0">
+            <a:off x="165100" y="1219200"/>
+            <a:ext cx="596900" cy="469900"/>
+          </a:xfrm>
+          <a:prstGeom prst="rect">
+            <a:avLst/>
+          </a:prstGeom>
+          <a:solidFill>
+            <a:srgbClr val="FFCC99"/>
+          </a:solidFill>
+          <a:ln w="12700">
+            <a:solidFill>
+              <a:srgbClr val="000000"/>
+            </a:solidFill>
+            <a:prstDash val="solid"/>
+          </a:ln>
+        </p:spPr>
+        <p:txBody>
+          <a:bodyPr wrap="square" lIns="0" tIns="0" rIns="0" bIns="0" rtlCol="0" anchor="ctr"/>
+          <a:lstStyle/>
+          <a:p>
+            <a:pPr algn="ctr">
+              <a:lnSpc>
+                <a:spcPct val="100%"/>
+              </a:lnSpc>
+              <a:defRPr sz="900" b="1">
+                <a:solidFill>
+                  <a:srgbClr val="000000"/>
+                </a:solidFill>
+                <a:latin typeface="맑은 고딕"/>
+                <a:ea typeface="맑은 고딕"/>
+                <a:cs typeface="맑은 고딕"/>
+              </a:defRPr>
+            </a:pPr>
+            <a:r>
+              <a:rPr lang="ko" sz="900" b="1">
+                <a:latin typeface="맑은 고딕"/>
+                <a:ea typeface="맑은 고딕"/>
+                <a:cs typeface="맑은 고딕"/>
+              </a:rPr>
+              <a:t>구분/</a:t>
+            </a:r>
+            <a:br/>
+            <a:r>
+              <a:rPr lang="ko" sz="900" b="1">
+                <a:latin typeface="맑은 고딕"/>
+                <a:ea typeface="맑은 고딕"/>
+                <a:cs typeface="맑은 고딕"/>
+              </a:rPr>
+              <a:t>담당자</a:t>
+            </a:r>
+          </a:p>
+        </p:txBody>
+      </p:sp>
+      <p:sp>
+        <p:nvSpPr>
+          <p:cNvPr id="1059341146" name="Text">
+    </p:cNvPr>
+          <p:cNvSpPr>
+            <a:spLocks noGrp="1"/>
+          </p:cNvSpPr>
+          <p:nvPr/>
+        </p:nvSpPr>
+        <p:spPr>
+          <a:xfrm rot="0">
+            <a:off x="749300" y="1219200"/>
+            <a:ext cx="3022600" cy="469900"/>
+          </a:xfrm>
+          <a:prstGeom prst="rect">
+            <a:avLst/>
+          </a:prstGeom>
+          <a:solidFill>
+            <a:srgbClr val="FFCC99"/>
+          </a:solidFill>
+          <a:ln w="12700">
+            <a:solidFill>
+              <a:srgbClr val="000000"/>
+            </a:solidFill>
+            <a:prstDash val="solid"/>
+          </a:ln>
+        </p:spPr>
+        <p:txBody>
+          <a:bodyPr wrap="square" lIns="0" tIns="0" rIns="0" bIns="0" rtlCol="0" anchor="ctr"/>
+          <a:lstStyle/>
+          <a:p>
+            <a:pPr algn="ctr">
+              <a:lnSpc>
+                <a:spcPct val="100%"/>
+              </a:lnSpc>
+              <a:defRPr sz="900" b="1">
+                <a:solidFill>
+                  <a:srgbClr val="000000"/>
+                </a:solidFill>
+                <a:latin typeface="맑은 고딕"/>
+                <a:ea typeface="맑은 고딕"/>
+                <a:cs typeface="맑은 고딕"/>
+              </a:defRPr>
+            </a:pPr>
+            <a:r>
+              <a:rPr lang="ko" sz="900" b="1">
+                <a:latin typeface="맑은 고딕"/>
+                <a:ea typeface="맑은 고딕"/>
+                <a:cs typeface="맑은 고딕"/>
+              </a:rPr>
+              <a:t>업무 내용</a:t>
+            </a:r>
+          </a:p>
+        </p:txBody>
+      </p:sp>
+      <p:sp>
+        <p:nvSpPr>
+          <p:cNvPr id="363861454" name="Text">
+    </p:cNvPr>
+          <p:cNvSpPr>
+            <a:spLocks noGrp="1"/>
+          </p:cNvSpPr>
+          <p:nvPr/>
+        </p:nvSpPr>
+        <p:spPr>
+          <a:xfrm rot="0">
+            <a:off x="3771900" y="1219200"/>
+            <a:ext cx="635000" cy="469900"/>
+          </a:xfrm>
+          <a:prstGeom prst="rect">
+            <a:avLst/>
+          </a:prstGeom>
+          <a:solidFill>
+            <a:srgbClr val="FFCC99"/>
+          </a:solidFill>
+          <a:ln w="12700">
+            <a:solidFill>
+              <a:srgbClr val="000000"/>
+            </a:solidFill>
+            <a:prstDash val="solid"/>
+          </a:ln>
+        </p:spPr>
+        <p:txBody>
+          <a:bodyPr wrap="square" lIns="0" tIns="0" rIns="0" bIns="0" rtlCol="0" anchor="ctr"/>
+          <a:lstStyle/>
+          <a:p>
+            <a:pPr algn="ctr">
+              <a:lnSpc>
+                <a:spcPct val="100%"/>
+              </a:lnSpc>
+              <a:defRPr sz="900" b="1">
+                <a:solidFill>
+                  <a:srgbClr val="000000"/>
+                </a:solidFill>
+                <a:latin typeface="맑은 고딕"/>
+                <a:ea typeface="맑은 고딕"/>
+                <a:cs typeface="맑은 고딕"/>
+              </a:defRPr>
+            </a:pPr>
+            <a:r>
+              <a:rPr lang="ko" sz="900" b="1">
+                <a:latin typeface="맑은 고딕"/>
+                <a:ea typeface="맑은 고딕"/>
+                <a:cs typeface="맑은 고딕"/>
+              </a:rPr>
+              <a:t>접수일</a:t>
+            </a:r>
+          </a:p>
+        </p:txBody>
+      </p:sp>
+      <p:sp>
+        <p:nvSpPr>
+          <p:cNvPr id="1230275831" name="Text">
+    </p:cNvPr>
+          <p:cNvSpPr>
+            <a:spLocks noGrp="1"/>
+          </p:cNvSpPr>
+          <p:nvPr/>
+        </p:nvSpPr>
+        <p:spPr>
+          <a:xfrm rot="0">
+            <a:off x="4406900" y="1219200"/>
+            <a:ext cx="635000" cy="469900"/>
+          </a:xfrm>
+          <a:prstGeom prst="rect">
+            <a:avLst/>
+          </a:prstGeom>
+          <a:solidFill>
+            <a:srgbClr val="FFCC99"/>
+          </a:solidFill>
+          <a:ln w="12700">
+            <a:solidFill>
+              <a:srgbClr val="000000"/>
+            </a:solidFill>
+            <a:prstDash val="solid"/>
+          </a:ln>
+        </p:spPr>
+        <p:txBody>
+          <a:bodyPr wrap="square" lIns="0" tIns="0" rIns="0" bIns="0" rtlCol="0" anchor="ctr"/>
+          <a:lstStyle/>
+          <a:p>
+            <a:pPr algn="ctr">
+              <a:lnSpc>
+                <a:spcPct val="100%"/>
+              </a:lnSpc>
+              <a:defRPr sz="900" b="1">
+                <a:solidFill>
+                  <a:srgbClr val="000000"/>
+                </a:solidFill>
+                <a:latin typeface="맑은 고딕"/>
+                <a:ea typeface="맑은 고딕"/>
+                <a:cs typeface="맑은 고딕"/>
+              </a:defRPr>
+            </a:pPr>
+            <a:r>
+              <a:rPr lang="ko" sz="900" b="1">
+                <a:latin typeface="맑은 고딕"/>
+                <a:ea typeface="맑은 고딕"/>
+                <a:cs typeface="맑은 고딕"/>
+              </a:rPr>
+              <a:t>완료</a:t>
+            </a:r>
+            <a:br/>
+            <a:r>
+              <a:rPr lang="ko" sz="900" b="1">
+                <a:latin typeface="맑은 고딕"/>
+                <a:ea typeface="맑은 고딕"/>
+                <a:cs typeface="맑은 고딕"/>
+              </a:rPr>
+              <a:t>목표일</a:t>
+            </a:r>
+          </a:p>
+        </p:txBody>
+      </p:sp>
+      <p:sp>
+        <p:nvSpPr>
+          <p:cNvPr id="966313702" name="Text">
+    </p:cNvPr>
+          <p:cNvSpPr>
+            <a:spLocks noGrp="1"/>
+          </p:cNvSpPr>
+          <p:nvPr/>
+        </p:nvSpPr>
+        <p:spPr>
+          <a:xfrm rot="0">
+            <a:off x="5753100" y="1219200"/>
+            <a:ext cx="635000" cy="469900"/>
+          </a:xfrm>
+          <a:prstGeom prst="rect">
+            <a:avLst/>
+          </a:prstGeom>
+          <a:solidFill>
+            <a:srgbClr val="FFCC99"/>
+          </a:solidFill>
+          <a:ln w="12700">
+            <a:solidFill>
+              <a:srgbClr val="000000"/>
+            </a:solidFill>
+            <a:prstDash val="solid"/>
+          </a:ln>
+        </p:spPr>
+        <p:txBody>
+          <a:bodyPr wrap="square" lIns="0" tIns="0" rIns="0" bIns="0" rtlCol="0" anchor="ctr"/>
+          <a:lstStyle/>
+          <a:p>
+            <a:pPr algn="ctr">
+              <a:lnSpc>
+                <a:spcPct val="100%"/>
+              </a:lnSpc>
+              <a:defRPr sz="900" b="1">
+                <a:solidFill>
+                  <a:srgbClr val="000000"/>
+                </a:solidFill>
+                <a:latin typeface="맑은 고딕"/>
+                <a:ea typeface="맑은 고딕"/>
+                <a:cs typeface="맑은 고딕"/>
+              </a:defRPr>
+            </a:pPr>
+            <a:r>
+              <a:rPr lang="ko" sz="900" b="1">
+                <a:latin typeface="맑은 고딕"/>
+                <a:ea typeface="맑은 고딕"/>
+                <a:cs typeface="맑은 고딕"/>
+              </a:rPr>
+              <a:t>구분/</a:t>
+            </a:r>
+            <a:br/>
+            <a:r>
+              <a:rPr lang="ko" sz="900" b="1">
+                <a:latin typeface="맑은 고딕"/>
+                <a:ea typeface="맑은 고딕"/>
+                <a:cs typeface="맑은 고딕"/>
+              </a:rPr>
+              <a:t>담당자</a:t>
+            </a:r>
+          </a:p>
+        </p:txBody>
+      </p:sp>
+      <p:sp>
+        <p:nvSpPr>
+          <p:cNvPr id="607878172" name="Text">
+    </p:cNvPr>
+          <p:cNvSpPr>
+            <a:spLocks noGrp="1"/>
+          </p:cNvSpPr>
+          <p:nvPr/>
+        </p:nvSpPr>
+        <p:spPr>
+          <a:xfrm rot="0">
+            <a:off x="6388100" y="1219200"/>
+            <a:ext cx="2844800" cy="469900"/>
+          </a:xfrm>
+          <a:prstGeom prst="rect">
+            <a:avLst/>
+          </a:prstGeom>
+          <a:solidFill>
+            <a:srgbClr val="FFCC99"/>
+          </a:solidFill>
+          <a:ln w="12700">
+            <a:solidFill>
+              <a:srgbClr val="000000"/>
+            </a:solidFill>
+            <a:prstDash val="solid"/>
+          </a:ln>
+        </p:spPr>
+        <p:txBody>
+          <a:bodyPr wrap="square" lIns="0" tIns="0" rIns="0" bIns="0" rtlCol="0" anchor="ctr"/>
+          <a:lstStyle/>
+          <a:p>
+            <a:pPr algn="ctr">
+              <a:lnSpc>
+                <a:spcPct val="100%"/>
+              </a:lnSpc>
+              <a:defRPr sz="900" b="1">
+                <a:solidFill>
+                  <a:srgbClr val="000000"/>
+                </a:solidFill>
+                <a:latin typeface="맑은 고딕"/>
+                <a:ea typeface="맑은 고딕"/>
+                <a:cs typeface="맑은 고딕"/>
+              </a:defRPr>
+            </a:pPr>
+            <a:r>
+              <a:rPr lang="ko" sz="900" b="1">
+                <a:latin typeface="맑은 고딕"/>
+                <a:ea typeface="맑은 고딕"/>
+                <a:cs typeface="맑은 고딕"/>
+              </a:rPr>
+              <a:t>업무 내용</a:t>
+            </a:r>
+          </a:p>
+        </p:txBody>
+      </p:sp>
+      <p:sp>
+        <p:nvSpPr>
+          <p:cNvPr id="833618736" name="Text">
+    </p:cNvPr>
+          <p:cNvSpPr>
+            <a:spLocks noGrp="1"/>
+          </p:cNvSpPr>
+          <p:nvPr/>
+        </p:nvSpPr>
+        <p:spPr>
+          <a:xfrm rot="0">
+            <a:off x="9232900" y="1219200"/>
+            <a:ext cx="635000" cy="469900"/>
+          </a:xfrm>
+          <a:prstGeom prst="rect">
+            <a:avLst/>
+          </a:prstGeom>
+          <a:solidFill>
+            <a:srgbClr val="FFCC99"/>
+          </a:solidFill>
+          <a:ln w="12700">
+            <a:solidFill>
+              <a:srgbClr val="000000"/>
+            </a:solidFill>
+            <a:prstDash val="solid"/>
+          </a:ln>
+        </p:spPr>
+        <p:txBody>
+          <a:bodyPr wrap="square" lIns="0" tIns="0" rIns="0" bIns="0" rtlCol="0" anchor="ctr"/>
+          <a:lstStyle/>
+          <a:p>
+            <a:pPr algn="ctr">
+              <a:lnSpc>
+                <a:spcPct val="100%"/>
+              </a:lnSpc>
+              <a:defRPr sz="900" b="1">
+                <a:solidFill>
+                  <a:srgbClr val="000000"/>
+                </a:solidFill>
+                <a:latin typeface="맑은 고딕"/>
+                <a:ea typeface="맑은 고딕"/>
+                <a:cs typeface="맑은 고딕"/>
+              </a:defRPr>
+            </a:pPr>
+            <a:r>
+              <a:rPr lang="ko" sz="900" b="1">
+                <a:latin typeface="맑은 고딕"/>
+                <a:ea typeface="맑은 고딕"/>
+                <a:cs typeface="맑은 고딕"/>
+              </a:rPr>
+              <a:t>접수일</a:t>
+            </a:r>
+          </a:p>
+        </p:txBody>
+      </p:sp>
+      <p:sp>
+        <p:nvSpPr>
+          <p:cNvPr id="1554930381" name="Text">
+    </p:cNvPr>
+          <p:cNvSpPr>
+            <a:spLocks noGrp="1"/>
+          </p:cNvSpPr>
+          <p:nvPr/>
+        </p:nvSpPr>
+        <p:spPr>
+          <a:xfrm rot="0">
+            <a:off x="5041900" y="1219200"/>
+            <a:ext cx="635000" cy="469900"/>
+          </a:xfrm>
+          <a:prstGeom prst="rect">
+            <a:avLst/>
+          </a:prstGeom>
+          <a:solidFill>
+            <a:srgbClr val="FFCC99"/>
+          </a:solidFill>
+          <a:ln w="12700">
+            <a:solidFill>
+              <a:srgbClr val="000000"/>
+            </a:solidFill>
+            <a:prstDash val="solid"/>
+          </a:ln>
+        </p:spPr>
+        <p:txBody>
+          <a:bodyPr wrap="square" lIns="0" tIns="0" rIns="0" bIns="0" rtlCol="0" anchor="ctr"/>
+          <a:lstStyle/>
+          <a:p>
+            <a:pPr algn="ctr">
+              <a:lnSpc>
+                <a:spcPct val="100%"/>
+              </a:lnSpc>
+              <a:defRPr sz="900" b="1">
+                <a:solidFill>
+                  <a:srgbClr val="000000"/>
+                </a:solidFill>
+                <a:latin typeface="맑은 고딕"/>
+                <a:ea typeface="맑은 고딕"/>
+                <a:cs typeface="맑은 고딕"/>
+              </a:defRPr>
+            </a:pPr>
+            <a:r>
+              <a:rPr lang="ko" sz="900" b="1">
+                <a:latin typeface="맑은 고딕"/>
+                <a:ea typeface="맑은 고딕"/>
+                <a:cs typeface="맑은 고딕"/>
+              </a:rPr>
+              <a:t>진행율</a:t>
+            </a:r>
+            <a:br/>
+            <a:r>
+              <a:rPr lang="ko" sz="900" b="1">
+                <a:latin typeface="맑은 고딕"/>
+                <a:ea typeface="맑은 고딕"/>
+                <a:cs typeface="맑은 고딕"/>
+              </a:rPr>
+              <a:t>완료일</a:t>
+            </a:r>
+          </a:p>
+        </p:txBody>
+      </p:sp>
+      <p:sp>
+        <p:nvSpPr>
+          <p:cNvPr id="595466312" name="Text">
+    </p:cNvPr>
+          <p:cNvSpPr>
+            <a:spLocks noGrp="1"/>
+          </p:cNvSpPr>
+          <p:nvPr/>
+        </p:nvSpPr>
+        <p:spPr>
+          <a:xfrm rot="0">
+            <a:off x="9867900" y="1219200"/>
+            <a:ext cx="635000" cy="469900"/>
+          </a:xfrm>
+          <a:prstGeom prst="rect">
+            <a:avLst/>
+          </a:prstGeom>
+          <a:solidFill>
+            <a:srgbClr val="FFCC99"/>
+          </a:solidFill>
+          <a:ln w="12700">
+            <a:solidFill>
+              <a:srgbClr val="000000"/>
+            </a:solidFill>
+            <a:prstDash val="solid"/>
+          </a:ln>
+        </p:spPr>
+        <p:txBody>
+          <a:bodyPr wrap="square" lIns="0" tIns="0" rIns="0" bIns="0" rtlCol="0" anchor="ctr"/>
+          <a:lstStyle/>
+          <a:p>
+            <a:pPr algn="ctr">
+              <a:lnSpc>
+                <a:spcPct val="100%"/>
+              </a:lnSpc>
+              <a:defRPr sz="900" b="1">
+                <a:solidFill>
+                  <a:srgbClr val="000000"/>
+                </a:solidFill>
+                <a:latin typeface="맑은 고딕"/>
+                <a:ea typeface="맑은 고딕"/>
+                <a:cs typeface="맑은 고딕"/>
+              </a:defRPr>
+            </a:pPr>
+            <a:r>
+              <a:rPr lang="ko" sz="900" b="1">
+                <a:latin typeface="맑은 고딕"/>
+                <a:ea typeface="맑은 고딕"/>
+                <a:cs typeface="맑은 고딕"/>
+              </a:rPr>
+              <a:t>완료</a:t>
+            </a:r>
+            <a:br/>
+            <a:r>
+              <a:rPr lang="ko" sz="900" b="1">
+                <a:latin typeface="맑은 고딕"/>
+                <a:ea typeface="맑은 고딕"/>
+                <a:cs typeface="맑은 고딕"/>
+              </a:rPr>
+              <a:t>목표일</a:t>
+            </a:r>
+          </a:p>
+        </p:txBody>
+      </p:sp>
+      <p:sp>
+        <p:nvSpPr>
+          <p:cNvPr id="1549421479" name="Text">
+    </p:cNvPr>
+          <p:cNvSpPr>
+            <a:spLocks noGrp="1"/>
+          </p:cNvSpPr>
+          <p:nvPr/>
+        </p:nvSpPr>
+        <p:spPr>
+          <a:xfrm rot="0">
+            <a:off x="9867900" y="1689100"/>
+            <a:ext cx="635000" cy="1524000"/>
+          </a:xfrm>
+          <a:prstGeom prst="rect">
+            <a:avLst/>
+          </a:prstGeom>
+          <a:ln w="12700">
+            <a:solidFill>
+              <a:srgbClr val="000000"/>
+            </a:solidFill>
+            <a:prstDash val="solid"/>
+          </a:ln>
+        </p:spPr>
+        <p:txBody>
+          <a:bodyPr wrap="square" lIns="0" tIns="0" rIns="0" bIns="0" rtlCol="0" anchor="t"/>
+          <a:lstStyle/>
+          <a:p>
+            <a:pPr algn="ctr">
+              <a:lnSpc>
+                <a:spcPct val="100%"/>
+              </a:lnSpc>
+              <a:defRPr sz="900">
+                <a:solidFill>
+                  <a:srgbClr val="000000"/>
+                </a:solidFill>
+                <a:latin typeface="맑은 고딕"/>
+                <a:ea typeface="맑은 고딕"/>
+                <a:cs typeface="맑은 고딕"/>
+              </a:defRPr>
+            </a:pPr>
+            <a:br/>
+            <a:r>
+              <a:rPr lang="ko" sz="900">
+                <a:latin typeface="맑은 고딕"/>
+                <a:ea typeface="맑은 고딕"/>
+                <a:cs typeface="맑은 고딕"/>
+              </a:rPr>
+              <a:t>03/31</a:t>
+            </a:r>
+            <a:br/>
+            <a:br/>
+            <a:br/>
+            <a:r>
+              <a:rPr lang="ko" sz="900">
+                <a:latin typeface="맑은 고딕"/>
+                <a:ea typeface="맑은 고딕"/>
+                <a:cs typeface="맑은 고딕"/>
+              </a:rPr>
+              <a:t>02/03</a:t>
+            </a:r>
+            <a:br/>
+            <a:br/>
+          </a:p>
+        </p:txBody>
+      </p:sp>
+      <p:sp>
+        <p:nvSpPr>
+          <p:cNvPr id="1841457823" name="Text">
+    </p:cNvPr>
+          <p:cNvSpPr>
+            <a:spLocks noGrp="1"/>
+          </p:cNvSpPr>
+          <p:nvPr/>
+        </p:nvSpPr>
+        <p:spPr>
+          <a:xfrm rot="0">
+            <a:off x="9232900" y="1689100"/>
+            <a:ext cx="635000" cy="1524000"/>
+          </a:xfrm>
+          <a:prstGeom prst="rect">
+            <a:avLst/>
+          </a:prstGeom>
+          <a:ln w="12700">
+            <a:solidFill>
+              <a:srgbClr val="000000"/>
+            </a:solidFill>
+            <a:prstDash val="solid"/>
+          </a:ln>
+        </p:spPr>
+        <p:txBody>
+          <a:bodyPr wrap="square" lIns="0" tIns="0" rIns="0" bIns="0" rtlCol="0" anchor="t"/>
+          <a:lstStyle/>
+          <a:p>
+            <a:pPr algn="ctr">
+              <a:lnSpc>
+                <a:spcPct val="100%"/>
+              </a:lnSpc>
+              <a:defRPr sz="900">
+                <a:solidFill>
+                  <a:srgbClr val="000000"/>
+                </a:solidFill>
+                <a:latin typeface="맑은 고딕"/>
+                <a:ea typeface="맑은 고딕"/>
+                <a:cs typeface="맑은 고딕"/>
+              </a:defRPr>
+            </a:pPr>
+            <a:br/>
+            <a:r>
+              <a:rPr lang="ko" sz="900">
+                <a:latin typeface="맑은 고딕"/>
+                <a:ea typeface="맑은 고딕"/>
+                <a:cs typeface="맑은 고딕"/>
+              </a:rPr>
+              <a:t>01/02</a:t>
+            </a:r>
+            <a:br/>
+            <a:br/>
+            <a:br/>
+            <a:r>
+              <a:rPr lang="ko" sz="900">
+                <a:latin typeface="맑은 고딕"/>
+                <a:ea typeface="맑은 고딕"/>
+                <a:cs typeface="맑은 고딕"/>
+              </a:rPr>
+              <a:t>01/13</a:t>
+            </a:r>
+            <a:br/>
+            <a:br/>
+          </a:p>
+        </p:txBody>
+      </p:sp>
+      <p:sp>
+        <p:nvSpPr>
+          <p:cNvPr id="1125395928" name="Text">
+    </p:cNvPr>
+          <p:cNvSpPr>
+            <a:spLocks noGrp="1"/>
+          </p:cNvSpPr>
+          <p:nvPr/>
+        </p:nvSpPr>
+        <p:spPr>
+          <a:xfrm rot="0">
+            <a:off x="6388100" y="1689100"/>
+            <a:ext cx="2844800" cy="1524000"/>
+          </a:xfrm>
+          <a:prstGeom prst="rect">
+            <a:avLst/>
+          </a:prstGeom>
+          <a:ln w="12700">
+            <a:solidFill>
+              <a:srgbClr val="000000"/>
+            </a:solidFill>
+            <a:prstDash val="solid"/>
+          </a:ln>
+        </p:spPr>
+        <p:txBody>
+          <a:bodyPr wrap="square" lIns="0" tIns="0" rIns="0" bIns="0" rtlCol="0" anchor="t"/>
+          <a:lstStyle/>
+          <a:p>
+            <a:pPr algn="l">
+              <a:lnSpc>
+                <a:spcPct val="100%"/>
+              </a:lnSpc>
+              <a:defRPr sz="900">
+                <a:solidFill>
+                  <a:srgbClr val="000000"/>
+                </a:solidFill>
+                <a:latin typeface="맑은 고딕"/>
+                <a:ea typeface="맑은 고딕"/>
+                <a:cs typeface="맑은 고딕"/>
+              </a:defRPr>
+            </a:pPr>
+            <a:br/>
+            <a:r>
+              <a:rPr lang="ko" sz="900">
+                <a:latin typeface="맑은 고딕"/>
+                <a:ea typeface="맑은 고딕"/>
+                <a:cs typeface="맑은 고딕"/>
+              </a:rPr>
+              <a:t>- [MM] CP전자결재를 통한 Vendor Print 관리 체계 개선</a:t>
+            </a:r>
+            <a:br/>
+            <a:r>
+              <a:rPr lang="ko" sz="900">
+                <a:latin typeface="맑은 고딕"/>
+                <a:ea typeface="맑은 고딕"/>
+                <a:cs typeface="맑은 고딕"/>
+              </a:rPr>
+              <a:t>* 기술검수증 전송시 ‘Vendor Print 등록’ 양식 생성</a:t>
+            </a:r>
+            <a:br/>
+            <a:r>
+              <a:rPr lang="ko" sz="900">
+                <a:latin typeface="맑은 고딕"/>
+                <a:ea typeface="맑은 고딕"/>
+                <a:cs typeface="맑은 고딕"/>
+              </a:rPr>
+              <a:t>을 위한 RTS 정보 전송</a:t>
+            </a:r>
+            <a:br/>
+            <a:r>
+              <a:rPr lang="ko" sz="900">
+                <a:latin typeface="맑은 고딕"/>
+                <a:ea typeface="맑은 고딕"/>
+                <a:cs typeface="맑은 고딕"/>
+              </a:rPr>
+              <a:t>- [MM] ZMMR1550(MRO자재 운영실적분석 리포트) </a:t>
+            </a:r>
+            <a:br/>
+            <a:r>
+              <a:rPr lang="ko" sz="900">
+                <a:latin typeface="맑은 고딕"/>
+                <a:ea typeface="맑은 고딕"/>
+                <a:cs typeface="맑은 고딕"/>
+              </a:rPr>
+              <a:t>기능 추가</a:t>
+            </a:r>
+            <a:br/>
+            <a:r>
+              <a:rPr lang="ko" sz="900">
+                <a:latin typeface="맑은 고딕"/>
+                <a:ea typeface="맑은 고딕"/>
+                <a:cs typeface="맑은 고딕"/>
+              </a:rPr>
+              <a:t>* Due Out, 잉여재고 계산 로직 추가 </a:t>
+            </a:r>
+          </a:p>
+        </p:txBody>
+      </p:sp>
+      <p:sp>
+        <p:nvSpPr>
+          <p:cNvPr id="284938666" name="Text">
+    </p:cNvPr>
+          <p:cNvSpPr>
+            <a:spLocks noGrp="1"/>
+          </p:cNvSpPr>
+          <p:nvPr/>
+        </p:nvSpPr>
+        <p:spPr>
+          <a:xfrm rot="0">
+            <a:off x="5753100" y="1689100"/>
+            <a:ext cx="635000" cy="1524000"/>
+          </a:xfrm>
+          <a:prstGeom prst="rect">
+            <a:avLst/>
+          </a:prstGeom>
+          <a:ln w="12700">
+            <a:solidFill>
+              <a:srgbClr val="000000"/>
+            </a:solidFill>
+            <a:prstDash val="solid"/>
+          </a:ln>
+        </p:spPr>
+        <p:txBody>
+          <a:bodyPr wrap="square" lIns="0" tIns="0" rIns="0" bIns="0" rtlCol="0" anchor="t"/>
+          <a:lstStyle/>
+          <a:p>
+            <a:pPr algn="ctr">
+              <a:lnSpc>
+                <a:spcPct val="100%"/>
+              </a:lnSpc>
+              <a:defRPr sz="900">
+                <a:solidFill>
+                  <a:srgbClr val="000000"/>
+                </a:solidFill>
+                <a:latin typeface="맑은 고딕"/>
+                <a:ea typeface="맑은 고딕"/>
+                <a:cs typeface="맑은 고딕"/>
+              </a:defRPr>
+            </a:pPr>
+            <a:br/>
+            <a:r>
+              <a:rPr lang="ko" sz="900">
+                <a:latin typeface="맑은 고딕"/>
+                <a:ea typeface="맑은 고딕"/>
+                <a:cs typeface="맑은 고딕"/>
+              </a:rPr>
+              <a:t>MM</a:t>
+            </a:r>
+            <a:br/>
+            <a:r>
+              <a:rPr lang="ko" sz="900">
+                <a:latin typeface="맑은 고딕"/>
+                <a:ea typeface="맑은 고딕"/>
+                <a:cs typeface="맑은 고딕"/>
+              </a:rPr>
+              <a:t>/공장</a:t>
+            </a:r>
+            <a:br/>
+            <a:r>
+              <a:rPr lang="ko" sz="900">
+                <a:latin typeface="맑은 고딕"/>
+                <a:ea typeface="맑은 고딕"/>
+                <a:cs typeface="맑은 고딕"/>
+              </a:rPr>
+              <a:t>오승룡</a:t>
+            </a:r>
+          </a:p>
+        </p:txBody>
+      </p:sp>
+      <p:sp>
+        <p:nvSpPr>
+          <p:cNvPr id="510834529" name="Text">
+    </p:cNvPr>
+          <p:cNvSpPr>
+            <a:spLocks noGrp="1"/>
+          </p:cNvSpPr>
+          <p:nvPr/>
+        </p:nvSpPr>
+        <p:spPr>
+          <a:xfrm rot="0">
+            <a:off x="165100" y="1689100"/>
+            <a:ext cx="596900" cy="1524000"/>
+          </a:xfrm>
+          <a:prstGeom prst="rect">
+            <a:avLst/>
+          </a:prstGeom>
+          <a:ln w="12700">
+            <a:solidFill>
+              <a:srgbClr val="000000"/>
+            </a:solidFill>
+            <a:prstDash val="solid"/>
+          </a:ln>
+        </p:spPr>
+        <p:txBody>
+          <a:bodyPr wrap="square" lIns="0" tIns="0" rIns="0" bIns="0" rtlCol="0" anchor="t"/>
+          <a:lstStyle/>
+          <a:p>
+            <a:pPr algn="ctr">
+              <a:lnSpc>
+                <a:spcPct val="100%"/>
+              </a:lnSpc>
+              <a:defRPr sz="900">
+                <a:solidFill>
+                  <a:srgbClr val="000000"/>
+                </a:solidFill>
+                <a:latin typeface="맑은 고딕"/>
+                <a:ea typeface="맑은 고딕"/>
+                <a:cs typeface="맑은 고딕"/>
+              </a:defRPr>
+            </a:pPr>
+            <a:br/>
+            <a:r>
+              <a:rPr lang="ko" sz="900">
+                <a:latin typeface="맑은 고딕"/>
+                <a:ea typeface="맑은 고딕"/>
+                <a:cs typeface="맑은 고딕"/>
+              </a:rPr>
+              <a:t>MM</a:t>
+            </a:r>
+            <a:br/>
+            <a:r>
+              <a:rPr lang="ko" sz="900">
+                <a:latin typeface="맑은 고딕"/>
+                <a:ea typeface="맑은 고딕"/>
+                <a:cs typeface="맑은 고딕"/>
+              </a:rPr>
+              <a:t>/공장</a:t>
+            </a:r>
+            <a:br/>
+            <a:r>
+              <a:rPr lang="ko" sz="900">
+                <a:latin typeface="맑은 고딕"/>
+                <a:ea typeface="맑은 고딕"/>
+                <a:cs typeface="맑은 고딕"/>
+              </a:rPr>
+              <a:t>오승룡</a:t>
+            </a:r>
+          </a:p>
+        </p:txBody>
+      </p:sp>
+      <p:sp>
+        <p:nvSpPr>
+          <p:cNvPr id="1620750498" name="Text">
+    </p:cNvPr>
+          <p:cNvSpPr>
+            <a:spLocks noGrp="1"/>
+          </p:cNvSpPr>
+          <p:nvPr/>
+        </p:nvSpPr>
+        <p:spPr>
+          <a:xfrm rot="0">
+            <a:off x="762000" y="1689100"/>
+            <a:ext cx="3009900" cy="1524000"/>
+          </a:xfrm>
+          <a:prstGeom prst="rect">
+            <a:avLst/>
+          </a:prstGeom>
+          <a:ln w="12700">
+            <a:solidFill>
+              <a:srgbClr val="000000"/>
+            </a:solidFill>
+            <a:prstDash val="solid"/>
+          </a:ln>
+        </p:spPr>
+        <p:txBody>
+          <a:bodyPr wrap="square" lIns="0" tIns="0" rIns="0" bIns="0" rtlCol="0" anchor="t"/>
+          <a:lstStyle/>
+          <a:p>
+            <a:pPr algn="l">
+              <a:lnSpc>
+                <a:spcPct val="100%"/>
+              </a:lnSpc>
+              <a:defRPr sz="900">
+                <a:solidFill>
+                  <a:srgbClr val="000000"/>
+                </a:solidFill>
+                <a:latin typeface="맑은 고딕"/>
+                <a:ea typeface="맑은 고딕"/>
+                <a:cs typeface="맑은 고딕"/>
+              </a:defRPr>
+            </a:pPr>
+            <a:br/>
+            <a:r>
+              <a:rPr lang="ko" sz="900">
+                <a:latin typeface="맑은 고딕"/>
+                <a:ea typeface="맑은 고딕"/>
+                <a:cs typeface="맑은 고딕"/>
+              </a:rPr>
+              <a:t>- [MM] CP전자결재를 통한 Vendor Print 관리 체계 개선</a:t>
+            </a:r>
+            <a:br/>
+            <a:r>
+              <a:rPr lang="ko" sz="900">
+                <a:latin typeface="맑은 고딕"/>
+                <a:ea typeface="맑은 고딕"/>
+                <a:cs typeface="맑은 고딕"/>
+              </a:rPr>
+              <a:t>* 기술검수증 전송시 ‘Vendor Print 등록’ 양식 생</a:t>
+            </a:r>
+            <a:br/>
+            <a:r>
+              <a:rPr lang="ko" sz="900">
+                <a:latin typeface="맑은 고딕"/>
+                <a:ea typeface="맑은 고딕"/>
+                <a:cs typeface="맑은 고딕"/>
+              </a:rPr>
+              <a:t>성을 위한 RTS 정보 전송</a:t>
+            </a:r>
+          </a:p>
+        </p:txBody>
+      </p:sp>
+      <p:sp>
+        <p:nvSpPr>
+          <p:cNvPr id="42085252" name="Text">
+    </p:cNvPr>
+          <p:cNvSpPr>
+            <a:spLocks noGrp="1"/>
+          </p:cNvSpPr>
+          <p:nvPr/>
+        </p:nvSpPr>
+        <p:spPr>
+          <a:xfrm rot="0">
+            <a:off x="4406900" y="1689100"/>
+            <a:ext cx="635000" cy="1524000"/>
+          </a:xfrm>
+          <a:prstGeom prst="rect">
+            <a:avLst/>
+          </a:prstGeom>
+          <a:ln w="12700">
+            <a:solidFill>
+              <a:srgbClr val="000000"/>
+            </a:solidFill>
+            <a:prstDash val="solid"/>
+          </a:ln>
+        </p:spPr>
+        <p:txBody>
+          <a:bodyPr wrap="square" lIns="0" tIns="0" rIns="0" bIns="0" rtlCol="0" anchor="t"/>
+          <a:lstStyle/>
+          <a:p>
+            <a:pPr algn="ctr">
+              <a:lnSpc>
+                <a:spcPct val="100%"/>
+              </a:lnSpc>
+              <a:defRPr sz="900">
+                <a:solidFill>
+                  <a:srgbClr val="000000"/>
+                </a:solidFill>
+                <a:latin typeface="맑은 고딕"/>
+                <a:ea typeface="맑은 고딕"/>
+                <a:cs typeface="맑은 고딕"/>
+              </a:defRPr>
+            </a:pPr>
+            <a:br/>
+            <a:r>
+              <a:rPr lang="ko" sz="900">
+                <a:latin typeface="맑은 고딕"/>
+                <a:ea typeface="맑은 고딕"/>
+                <a:cs typeface="맑은 고딕"/>
+              </a:rPr>
+              <a:t>03/31</a:t>
+            </a:r>
+            <a:br/>
+            <a:br/>
+          </a:p>
+        </p:txBody>
+      </p:sp>
+      <p:sp>
+        <p:nvSpPr>
+          <p:cNvPr id="1287314687" name="Text">
+    </p:cNvPr>
+          <p:cNvSpPr>
+            <a:spLocks noGrp="1"/>
+          </p:cNvSpPr>
+          <p:nvPr/>
+        </p:nvSpPr>
+        <p:spPr>
+          <a:xfrm rot="0">
+            <a:off x="5041900" y="1689100"/>
+            <a:ext cx="635000" cy="1524000"/>
+          </a:xfrm>
+          <a:prstGeom prst="rect">
+            <a:avLst/>
+          </a:prstGeom>
+          <a:ln w="12700">
+            <a:solidFill>
+              <a:srgbClr val="000000"/>
+            </a:solidFill>
+            <a:prstDash val="solid"/>
+          </a:ln>
+        </p:spPr>
+        <p:txBody>
+          <a:bodyPr wrap="square" lIns="0" tIns="0" rIns="0" bIns="0" rtlCol="0" anchor="t"/>
+          <a:lstStyle/>
+          <a:p>
+            <a:pPr algn="ctr">
+              <a:lnSpc>
+                <a:spcPct val="100%"/>
+              </a:lnSpc>
+              <a:defRPr sz="900">
+                <a:solidFill>
+                  <a:srgbClr val="000000"/>
+                </a:solidFill>
+                <a:latin typeface="맑은 고딕"/>
+                <a:ea typeface="맑은 고딕"/>
+                <a:cs typeface="맑은 고딕"/>
+              </a:defRPr>
+            </a:pPr>
+            <a:br/>
+            <a:r>
+              <a:rPr lang="ko" sz="900">
+                <a:latin typeface="맑은 고딕"/>
+                <a:ea typeface="맑은 고딕"/>
+                <a:cs typeface="맑은 고딕"/>
+              </a:rPr>
+              <a:t>60%</a:t>
+            </a:r>
+            <a:br/>
+            <a:br/>
+          </a:p>
+        </p:txBody>
+      </p:sp>
+      <p:sp>
+        <p:nvSpPr>
+          <p:cNvPr id="1207477174" name="Text">
+    </p:cNvPr>
+          <p:cNvSpPr>
+            <a:spLocks noGrp="1"/>
+          </p:cNvSpPr>
+          <p:nvPr/>
+        </p:nvSpPr>
+        <p:spPr>
+          <a:xfrm rot="0">
+            <a:off x="3771900" y="1689100"/>
+            <a:ext cx="635000" cy="1524000"/>
+          </a:xfrm>
+          <a:prstGeom prst="rect">
+            <a:avLst/>
+          </a:prstGeom>
+          <a:ln w="12700">
+            <a:solidFill>
+              <a:srgbClr val="000000"/>
+            </a:solidFill>
+            <a:prstDash val="solid"/>
+          </a:ln>
+        </p:spPr>
+        <p:txBody>
+          <a:bodyPr wrap="square" lIns="0" tIns="0" rIns="0" bIns="0" rtlCol="0" anchor="t"/>
+          <a:lstStyle/>
+          <a:p>
+            <a:pPr algn="ctr">
+              <a:lnSpc>
+                <a:spcPct val="100%"/>
+              </a:lnSpc>
+              <a:defRPr sz="900">
+                <a:solidFill>
+                  <a:srgbClr val="000000"/>
+                </a:solidFill>
+                <a:latin typeface="맑은 고딕"/>
+                <a:ea typeface="맑은 고딕"/>
+                <a:cs typeface="맑은 고딕"/>
+              </a:defRPr>
+            </a:pPr>
+            <a:br/>
+            <a:r>
+              <a:rPr lang="ko" sz="900">
+                <a:latin typeface="맑은 고딕"/>
+                <a:ea typeface="맑은 고딕"/>
+                <a:cs typeface="맑은 고딕"/>
+              </a:rPr>
+              <a:t>01/02</a:t>
+            </a:r>
+            <a:br/>
+            <a:br/>
+          </a:p>
+        </p:txBody>
+      </p:sp>
+      <p:sp>
+        <p:nvSpPr>
+          <p:cNvPr id="1917977675" name="Text">
+    </p:cNvPr>
+          <p:cNvSpPr>
+            <a:spLocks noGrp="1"/>
+          </p:cNvSpPr>
+          <p:nvPr/>
+        </p:nvSpPr>
+        <p:spPr>
+          <a:xfrm rot="0">
+            <a:off x="9867900" y="3251200"/>
+            <a:ext cx="635000" cy="2425700"/>
+          </a:xfrm>
+          <a:prstGeom prst="rect">
+            <a:avLst/>
+          </a:prstGeom>
+          <a:ln w="12700">
+            <a:solidFill>
+              <a:srgbClr val="000000"/>
+            </a:solidFill>
+            <a:prstDash val="solid"/>
+          </a:ln>
+        </p:spPr>
+        <p:txBody>
+          <a:bodyPr wrap="square" lIns="0" tIns="0" rIns="0" bIns="0" rtlCol="0" anchor="t"/>
+          <a:lstStyle/>
+          <a:p>
+            <a:pPr algn="ctr">
+              <a:lnSpc>
+                <a:spcPct val="100%"/>
+              </a:lnSpc>
+              <a:defRPr sz="900">
+                <a:solidFill>
+                  <a:srgbClr val="000000"/>
+                </a:solidFill>
+                <a:latin typeface="맑은 고딕"/>
+                <a:ea typeface="맑은 고딕"/>
+                <a:cs typeface="맑은 고딕"/>
+              </a:defRPr>
+            </a:pPr>
+            <a:br/>
+            <a:r>
+              <a:rPr lang="ko" sz="900">
+                <a:latin typeface="맑은 고딕"/>
+                <a:ea typeface="맑은 고딕"/>
+                <a:cs typeface="맑은 고딕"/>
+              </a:rPr>
+              <a:t>01/31</a:t>
+            </a:r>
+            <a:br/>
+            <a:br/>
+            <a:r>
+              <a:rPr lang="ko" sz="900">
+                <a:latin typeface="맑은 고딕"/>
+                <a:ea typeface="맑은 고딕"/>
+                <a:cs typeface="맑은 고딕"/>
+              </a:rPr>
+              <a:t>01/31</a:t>
+            </a:r>
+            <a:br/>
+            <a:br/>
+            <a:r>
+              <a:rPr lang="ko" sz="900">
+                <a:latin typeface="맑은 고딕"/>
+                <a:ea typeface="맑은 고딕"/>
+                <a:cs typeface="맑은 고딕"/>
+              </a:rPr>
+              <a:t>01/31</a:t>
+            </a:r>
+            <a:br/>
+            <a:r>
+              <a:rPr lang="ko" sz="900">
+                <a:latin typeface="맑은 고딕"/>
+                <a:ea typeface="맑은 고딕"/>
+                <a:cs typeface="맑은 고딕"/>
+              </a:rPr>
+              <a:t>01/31</a:t>
+            </a:r>
+            <a:br/>
+            <a:r>
+              <a:rPr lang="ko" sz="900">
+                <a:latin typeface="맑은 고딕"/>
+                <a:ea typeface="맑은 고딕"/>
+                <a:cs typeface="맑은 고딕"/>
+              </a:rPr>
+              <a:t>01/31</a:t>
+            </a:r>
+            <a:br/>
+            <a:r>
+              <a:rPr lang="ko" sz="900">
+                <a:latin typeface="맑은 고딕"/>
+                <a:ea typeface="맑은 고딕"/>
+                <a:cs typeface="맑은 고딕"/>
+              </a:rPr>
+              <a:t>01/31</a:t>
+            </a:r>
+            <a:br/>
+            <a:r>
+              <a:rPr lang="ko" sz="900">
+                <a:latin typeface="맑은 고딕"/>
+                <a:ea typeface="맑은 고딕"/>
+                <a:cs typeface="맑은 고딕"/>
+              </a:rPr>
+              <a:t>01/31</a:t>
+            </a:r>
+            <a:br/>
+            <a:br/>
+            <a:r>
+              <a:rPr lang="ko" sz="900">
+                <a:latin typeface="맑은 고딕"/>
+                <a:ea typeface="맑은 고딕"/>
+                <a:cs typeface="맑은 고딕"/>
+              </a:rPr>
+              <a:t>01/31</a:t>
+            </a:r>
+            <a:br/>
+            <a:br/>
+            <a:r>
+              <a:rPr lang="ko" sz="900">
+                <a:latin typeface="맑은 고딕"/>
+                <a:ea typeface="맑은 고딕"/>
+                <a:cs typeface="맑은 고딕"/>
+              </a:rPr>
+              <a:t>01/31</a:t>
+            </a:r>
+            <a:br/>
+            <a:r>
+              <a:rPr lang="ko" sz="900">
+                <a:latin typeface="맑은 고딕"/>
+                <a:ea typeface="맑은 고딕"/>
+                <a:cs typeface="맑은 고딕"/>
+              </a:rPr>
+              <a:t>01/31</a:t>
+            </a:r>
+            <a:br/>
+          </a:p>
+        </p:txBody>
+      </p:sp>
+      <p:sp>
+        <p:nvSpPr>
+          <p:cNvPr id="1637867406" name="Text">
+    </p:cNvPr>
+          <p:cNvSpPr>
+            <a:spLocks noGrp="1"/>
+          </p:cNvSpPr>
+          <p:nvPr/>
+        </p:nvSpPr>
+        <p:spPr>
+          <a:xfrm rot="0">
+            <a:off x="9232900" y="3251200"/>
+            <a:ext cx="635000" cy="2425700"/>
+          </a:xfrm>
+          <a:prstGeom prst="rect">
+            <a:avLst/>
+          </a:prstGeom>
+          <a:ln w="12700">
+            <a:solidFill>
+              <a:srgbClr val="000000"/>
+            </a:solidFill>
+            <a:prstDash val="solid"/>
+          </a:ln>
+        </p:spPr>
+        <p:txBody>
+          <a:bodyPr wrap="square" lIns="0" tIns="0" rIns="0" bIns="0" rtlCol="0" anchor="t"/>
+          <a:lstStyle/>
+          <a:p>
+            <a:pPr algn="ctr">
+              <a:lnSpc>
+                <a:spcPct val="100%"/>
+              </a:lnSpc>
+              <a:defRPr sz="900">
+                <a:solidFill>
+                  <a:srgbClr val="000000"/>
+                </a:solidFill>
+                <a:latin typeface="맑은 고딕"/>
+                <a:ea typeface="맑은 고딕"/>
+                <a:cs typeface="맑은 고딕"/>
+              </a:defRPr>
+            </a:pPr>
+            <a:br/>
+            <a:r>
+              <a:rPr lang="ko" sz="900">
+                <a:latin typeface="맑은 고딕"/>
+                <a:ea typeface="맑은 고딕"/>
+                <a:cs typeface="맑은 고딕"/>
+              </a:rPr>
+              <a:t>11/16</a:t>
+            </a:r>
+            <a:br/>
+            <a:br/>
+            <a:r>
+              <a:rPr lang="ko" sz="900">
+                <a:latin typeface="맑은 고딕"/>
+                <a:ea typeface="맑은 고딕"/>
+                <a:cs typeface="맑은 고딕"/>
+              </a:rPr>
+              <a:t>11/16</a:t>
+            </a:r>
+            <a:br/>
+            <a:br/>
+            <a:r>
+              <a:rPr lang="ko" sz="900">
+                <a:latin typeface="맑은 고딕"/>
+                <a:ea typeface="맑은 고딕"/>
+                <a:cs typeface="맑은 고딕"/>
+              </a:rPr>
+              <a:t>12/14</a:t>
+            </a:r>
+            <a:br/>
+            <a:r>
+              <a:rPr lang="ko" sz="900">
+                <a:latin typeface="맑은 고딕"/>
+                <a:ea typeface="맑은 고딕"/>
+                <a:cs typeface="맑은 고딕"/>
+              </a:rPr>
+              <a:t>01/11</a:t>
+            </a:r>
+            <a:br/>
+            <a:r>
+              <a:rPr lang="ko" sz="900">
+                <a:latin typeface="맑은 고딕"/>
+                <a:ea typeface="맑은 고딕"/>
+                <a:cs typeface="맑은 고딕"/>
+              </a:rPr>
+              <a:t>01/19</a:t>
+            </a:r>
+            <a:br/>
+            <a:r>
+              <a:rPr lang="ko" sz="900">
+                <a:latin typeface="맑은 고딕"/>
+                <a:ea typeface="맑은 고딕"/>
+                <a:cs typeface="맑은 고딕"/>
+              </a:rPr>
+              <a:t>01/19</a:t>
+            </a:r>
+            <a:br/>
+            <a:r>
+              <a:rPr lang="ko" sz="900">
+                <a:latin typeface="맑은 고딕"/>
+                <a:ea typeface="맑은 고딕"/>
+                <a:cs typeface="맑은 고딕"/>
+              </a:rPr>
+              <a:t>01/19</a:t>
+            </a:r>
+            <a:br/>
+            <a:br/>
+            <a:r>
+              <a:rPr lang="ko" sz="900">
+                <a:latin typeface="맑은 고딕"/>
+                <a:ea typeface="맑은 고딕"/>
+                <a:cs typeface="맑은 고딕"/>
+              </a:rPr>
+              <a:t>01/19</a:t>
+            </a:r>
+            <a:br/>
+            <a:br/>
+            <a:r>
+              <a:rPr lang="ko" sz="900">
+                <a:latin typeface="맑은 고딕"/>
+                <a:ea typeface="맑은 고딕"/>
+                <a:cs typeface="맑은 고딕"/>
+              </a:rPr>
+              <a:t>07/20</a:t>
+            </a:r>
+            <a:br/>
+            <a:r>
+              <a:rPr lang="ko" sz="900">
+                <a:latin typeface="맑은 고딕"/>
+                <a:ea typeface="맑은 고딕"/>
+                <a:cs typeface="맑은 고딕"/>
+              </a:rPr>
+              <a:t>09/02</a:t>
+            </a:r>
+            <a:br/>
+          </a:p>
+        </p:txBody>
+      </p:sp>
+      <p:sp>
+        <p:nvSpPr>
+          <p:cNvPr id="2069408358" name="Text">
+    </p:cNvPr>
+          <p:cNvSpPr>
+            <a:spLocks noGrp="1"/>
+          </p:cNvSpPr>
+          <p:nvPr/>
+        </p:nvSpPr>
+        <p:spPr>
+          <a:xfrm rot="0">
+            <a:off x="6388100" y="3251200"/>
+            <a:ext cx="2844800" cy="2425700"/>
+          </a:xfrm>
+          <a:prstGeom prst="rect">
+            <a:avLst/>
+          </a:prstGeom>
+          <a:ln w="12700">
+            <a:solidFill>
+              <a:srgbClr val="000000"/>
+            </a:solidFill>
+            <a:prstDash val="solid"/>
+          </a:ln>
+        </p:spPr>
+        <p:txBody>
+          <a:bodyPr wrap="square" lIns="0" tIns="0" rIns="0" bIns="0" rtlCol="0" anchor="t"/>
+          <a:lstStyle/>
+          <a:p>
+            <a:pPr algn="l">
+              <a:lnSpc>
+                <a:spcPct val="100%"/>
+              </a:lnSpc>
+              <a:defRPr sz="900">
+                <a:solidFill>
+                  <a:srgbClr val="000000"/>
+                </a:solidFill>
+                <a:latin typeface="맑은 고딕"/>
+                <a:ea typeface="맑은 고딕"/>
+                <a:cs typeface="맑은 고딕"/>
+              </a:defRPr>
+            </a:pPr>
+            <a:br/>
+            <a:r>
+              <a:rPr lang="ko" sz="900">
+                <a:latin typeface="맑은 고딕"/>
+                <a:ea typeface="맑은 고딕"/>
+                <a:cs typeface="맑은 고딕"/>
+              </a:rPr>
+              <a:t>- [SD] PRM 퇴직임직원 인근S/S 가격조사 ERP 및 </a:t>
+            </a:r>
+            <a:br/>
+            <a:r>
+              <a:rPr lang="ko" sz="900">
+                <a:latin typeface="맑은 고딕"/>
+                <a:ea typeface="맑은 고딕"/>
+                <a:cs typeface="맑은 고딕"/>
+              </a:rPr>
+              <a:t>CP 연동요청</a:t>
+            </a:r>
+            <a:br/>
+            <a:r>
+              <a:rPr lang="ko" sz="900">
+                <a:latin typeface="맑은 고딕"/>
+                <a:ea typeface="맑은 고딕"/>
+                <a:cs typeface="맑은 고딕"/>
+              </a:rPr>
+              <a:t>- [SD] CRM 시스템 삼성유류대금카드 매입액 및 수수</a:t>
+            </a:r>
+            <a:br/>
+            <a:r>
+              <a:rPr lang="ko" sz="900">
+                <a:latin typeface="맑은 고딕"/>
+                <a:ea typeface="맑은 고딕"/>
+                <a:cs typeface="맑은 고딕"/>
+              </a:rPr>
+              <a:t>료 I/F 요청</a:t>
+            </a:r>
+            <a:br/>
+            <a:r>
+              <a:rPr lang="ko" sz="900">
+                <a:latin typeface="맑은 고딕"/>
+                <a:ea typeface="맑은 고딕"/>
+                <a:cs typeface="맑은 고딕"/>
+              </a:rPr>
+              <a:t>- [SD] SAP 가격입력 승인 알람 기능 생성 요청 등</a:t>
+            </a:r>
+            <a:br/>
+            <a:r>
+              <a:rPr lang="ko" sz="900">
+                <a:latin typeface="맑은 고딕"/>
+                <a:ea typeface="맑은 고딕"/>
+                <a:cs typeface="맑은 고딕"/>
+              </a:rPr>
+              <a:t>- [SD] 기준가격승인(ZSDR9301) 개선 요청 </a:t>
+            </a:r>
+            <a:br/>
+            <a:r>
+              <a:rPr lang="ko" sz="900">
+                <a:latin typeface="맑은 고딕"/>
+                <a:ea typeface="맑은 고딕"/>
+                <a:cs typeface="맑은 고딕"/>
+              </a:rPr>
+              <a:t>- [SD] 2022년도 위험물 반입/반출 현황 요청 </a:t>
+            </a:r>
+            <a:br/>
+            <a:r>
+              <a:rPr lang="ko" sz="900">
+                <a:latin typeface="맑은 고딕"/>
+                <a:ea typeface="맑은 고딕"/>
+                <a:cs typeface="맑은 고딕"/>
+              </a:rPr>
+              <a:t>- [SD] 주문처리내역 인도조건 필터 추가 </a:t>
+            </a:r>
+            <a:br/>
+            <a:r>
+              <a:rPr lang="ko" sz="900">
+                <a:latin typeface="맑은 고딕"/>
+                <a:ea typeface="맑은 고딕"/>
+                <a:cs typeface="맑은 고딕"/>
+              </a:rPr>
+              <a:t>- [TD] [LOPAS] ZTDR5130 송유관저유소 수송비 정산 </a:t>
+            </a:r>
+            <a:br/>
+            <a:r>
+              <a:rPr lang="ko" sz="900">
+                <a:latin typeface="맑은 고딕"/>
+                <a:ea typeface="맑은 고딕"/>
+                <a:cs typeface="맑은 고딕"/>
+              </a:rPr>
+              <a:t>프로그램 수정</a:t>
+            </a:r>
+            <a:br/>
+            <a:r>
+              <a:rPr lang="ko" sz="900">
+                <a:latin typeface="맑은 고딕"/>
+                <a:ea typeface="맑은 고딕"/>
+                <a:cs typeface="맑은 고딕"/>
+              </a:rPr>
+              <a:t>- [TD] 감천저유소 등유 식별제 ZTDR6060 재고조회 및 </a:t>
+            </a:r>
+            <a:br/>
+            <a:r>
+              <a:rPr lang="ko" sz="900">
+                <a:latin typeface="맑은 고딕"/>
+                <a:ea typeface="맑은 고딕"/>
+                <a:cs typeface="맑은 고딕"/>
+              </a:rPr>
+              <a:t>출고/입력 기능 요청</a:t>
+            </a:r>
+            <a:br/>
+            <a:r>
+              <a:rPr lang="ko" sz="900">
+                <a:latin typeface="맑은 고딕"/>
+                <a:ea typeface="맑은 고딕"/>
+                <a:cs typeface="맑은 고딕"/>
+              </a:rPr>
+              <a:t>- [SD] ERP 매출원장(ZSDR5370) 보완</a:t>
+            </a:r>
+            <a:br/>
+            <a:r>
+              <a:rPr lang="ko" sz="900">
+                <a:latin typeface="맑은 고딕"/>
+                <a:ea typeface="맑은 고딕"/>
+                <a:cs typeface="맑은 고딕"/>
+              </a:rPr>
+              <a:t>- [SD] 구매자금 거래처 등록 및 연장 관련 시스템 </a:t>
+            </a:r>
+            <a:br/>
+            <a:r>
+              <a:rPr lang="ko" sz="900">
+                <a:latin typeface="맑은 고딕"/>
+                <a:ea typeface="맑은 고딕"/>
+                <a:cs typeface="맑은 고딕"/>
+              </a:rPr>
+              <a:t>(ERP) 요청 </a:t>
+            </a:r>
+          </a:p>
+        </p:txBody>
+      </p:sp>
+      <p:sp>
+        <p:nvSpPr>
+          <p:cNvPr id="2042577832" name="Text">
+    </p:cNvPr>
+          <p:cNvSpPr>
+            <a:spLocks noGrp="1"/>
+          </p:cNvSpPr>
+          <p:nvPr/>
+        </p:nvSpPr>
+        <p:spPr>
+          <a:xfrm rot="0">
+            <a:off x="5753100" y="3251200"/>
+            <a:ext cx="635000" cy="2425700"/>
+          </a:xfrm>
+          <a:prstGeom prst="rect">
+            <a:avLst/>
+          </a:prstGeom>
+          <a:ln w="12700">
+            <a:solidFill>
+              <a:srgbClr val="000000"/>
+            </a:solidFill>
+            <a:prstDash val="solid"/>
+          </a:ln>
+        </p:spPr>
+        <p:txBody>
+          <a:bodyPr wrap="square" lIns="0" tIns="0" rIns="0" bIns="0" rtlCol="0" anchor="t"/>
+          <a:lstStyle/>
+          <a:p>
+            <a:pPr algn="ctr">
+              <a:lnSpc>
+                <a:spcPct val="100%"/>
+              </a:lnSpc>
+              <a:defRPr sz="900">
+                <a:solidFill>
+                  <a:srgbClr val="000000"/>
+                </a:solidFill>
+                <a:latin typeface="맑은 고딕"/>
+                <a:ea typeface="맑은 고딕"/>
+                <a:cs typeface="맑은 고딕"/>
+              </a:defRPr>
+            </a:pPr>
+            <a:br/>
+            <a:r>
+              <a:rPr lang="ko" sz="900">
+                <a:latin typeface="맑은 고딕"/>
+                <a:ea typeface="맑은 고딕"/>
+                <a:cs typeface="맑은 고딕"/>
+              </a:rPr>
+              <a:t>SD</a:t>
+            </a:r>
+            <a:br/>
+            <a:r>
+              <a:rPr lang="ko" sz="900">
+                <a:latin typeface="맑은 고딕"/>
+                <a:ea typeface="맑은 고딕"/>
+                <a:cs typeface="맑은 고딕"/>
+              </a:rPr>
+              <a:t>/TD</a:t>
+            </a:r>
+            <a:br/>
+            <a:r>
+              <a:rPr lang="ko" sz="900">
+                <a:latin typeface="맑은 고딕"/>
+                <a:ea typeface="맑은 고딕"/>
+                <a:cs typeface="맑은 고딕"/>
+              </a:rPr>
+              <a:t>박태준</a:t>
+            </a:r>
+          </a:p>
+        </p:txBody>
+      </p:sp>
+      <p:sp>
+        <p:nvSpPr>
+          <p:cNvPr id="455962760" name="Text">
+    </p:cNvPr>
+          <p:cNvSpPr>
+            <a:spLocks noGrp="1"/>
+          </p:cNvSpPr>
+          <p:nvPr/>
+        </p:nvSpPr>
+        <p:spPr>
+          <a:xfrm rot="0">
+            <a:off x="165100" y="3251200"/>
+            <a:ext cx="596900" cy="2425700"/>
+          </a:xfrm>
+          <a:prstGeom prst="rect">
+            <a:avLst/>
+          </a:prstGeom>
+          <a:ln w="12700">
+            <a:solidFill>
+              <a:srgbClr val="000000"/>
+            </a:solidFill>
+            <a:prstDash val="solid"/>
+          </a:ln>
+        </p:spPr>
+        <p:txBody>
+          <a:bodyPr wrap="square" lIns="0" tIns="0" rIns="0" bIns="0" rtlCol="0" anchor="t"/>
+          <a:lstStyle/>
+          <a:p>
+            <a:pPr algn="ctr">
+              <a:lnSpc>
+                <a:spcPct val="100%"/>
+              </a:lnSpc>
+              <a:defRPr sz="900">
+                <a:solidFill>
+                  <a:srgbClr val="000000"/>
+                </a:solidFill>
+                <a:latin typeface="맑은 고딕"/>
+                <a:ea typeface="맑은 고딕"/>
+                <a:cs typeface="맑은 고딕"/>
+              </a:defRPr>
+            </a:pPr>
+            <a:br/>
+            <a:r>
+              <a:rPr lang="ko" sz="900">
+                <a:latin typeface="맑은 고딕"/>
+                <a:ea typeface="맑은 고딕"/>
+                <a:cs typeface="맑은 고딕"/>
+              </a:rPr>
+              <a:t>SD</a:t>
+            </a:r>
+            <a:br/>
+            <a:r>
+              <a:rPr lang="ko" sz="900">
+                <a:latin typeface="맑은 고딕"/>
+                <a:ea typeface="맑은 고딕"/>
+                <a:cs typeface="맑은 고딕"/>
+              </a:rPr>
+              <a:t>/TD</a:t>
+            </a:r>
+            <a:br/>
+            <a:r>
+              <a:rPr lang="ko" sz="900">
+                <a:latin typeface="맑은 고딕"/>
+                <a:ea typeface="맑은 고딕"/>
+                <a:cs typeface="맑은 고딕"/>
+              </a:rPr>
+              <a:t>박태준</a:t>
+            </a:r>
+          </a:p>
+        </p:txBody>
+      </p:sp>
+      <p:sp>
+        <p:nvSpPr>
+          <p:cNvPr id="80854988" name="Text">
+    </p:cNvPr>
+          <p:cNvSpPr>
+            <a:spLocks noGrp="1"/>
+          </p:cNvSpPr>
+          <p:nvPr/>
+        </p:nvSpPr>
+        <p:spPr>
+          <a:xfrm rot="0">
+            <a:off x="762000" y="3251200"/>
+            <a:ext cx="3009900" cy="2425700"/>
+          </a:xfrm>
+          <a:prstGeom prst="rect">
+            <a:avLst/>
+          </a:prstGeom>
+          <a:ln w="12700">
+            <a:solidFill>
+              <a:srgbClr val="000000"/>
+            </a:solidFill>
+            <a:prstDash val="solid"/>
+          </a:ln>
+        </p:spPr>
+        <p:txBody>
+          <a:bodyPr wrap="square" lIns="0" tIns="0" rIns="0" bIns="0" rtlCol="0" anchor="t"/>
+          <a:lstStyle/>
+          <a:p>
+            <a:pPr algn="l">
+              <a:lnSpc>
+                <a:spcPct val="100%"/>
+              </a:lnSpc>
+              <a:defRPr sz="900">
+                <a:solidFill>
+                  <a:srgbClr val="000000"/>
+                </a:solidFill>
+                <a:latin typeface="맑은 고딕"/>
+                <a:ea typeface="맑은 고딕"/>
+                <a:cs typeface="맑은 고딕"/>
+              </a:defRPr>
+            </a:pPr>
+            <a:br/>
+            <a:r>
+              <a:rPr lang="ko" sz="900">
+                <a:latin typeface="맑은 고딕"/>
+                <a:ea typeface="맑은 고딕"/>
+                <a:cs typeface="맑은 고딕"/>
+              </a:rPr>
+              <a:t>- [SD] PRM 퇴직임직원 인근S/S 가격조사 ERP 및 </a:t>
+            </a:r>
+            <a:br/>
+            <a:r>
+              <a:rPr lang="ko" sz="900">
+                <a:latin typeface="맑은 고딕"/>
+                <a:ea typeface="맑은 고딕"/>
+                <a:cs typeface="맑은 고딕"/>
+              </a:rPr>
+              <a:t>CP 연동요청</a:t>
+            </a:r>
+            <a:br/>
+            <a:r>
+              <a:rPr lang="ko" sz="900">
+                <a:latin typeface="맑은 고딕"/>
+                <a:ea typeface="맑은 고딕"/>
+                <a:cs typeface="맑은 고딕"/>
+              </a:rPr>
+              <a:t>- [SD] 2022년도 위험물 반입/반출 현황 요청 </a:t>
+            </a:r>
+            <a:br/>
+            <a:r>
+              <a:rPr lang="ko" sz="900">
+                <a:latin typeface="맑은 고딕"/>
+                <a:ea typeface="맑은 고딕"/>
+                <a:cs typeface="맑은 고딕"/>
+              </a:rPr>
+              <a:t>- [SD] 주문처리내역 인도조건 필터 추가 </a:t>
+            </a:r>
+            <a:br/>
+            <a:r>
+              <a:rPr lang="ko" sz="900">
+                <a:latin typeface="맑은 고딕"/>
+                <a:ea typeface="맑은 고딕"/>
+                <a:cs typeface="맑은 고딕"/>
+              </a:rPr>
+              <a:t>- [TD] [LOPAS] ZTDR5130 송유관저유소 수송비 정산 </a:t>
+            </a:r>
+            <a:br/>
+            <a:r>
+              <a:rPr lang="ko" sz="900">
+                <a:latin typeface="맑은 고딕"/>
+                <a:ea typeface="맑은 고딕"/>
+                <a:cs typeface="맑은 고딕"/>
+              </a:rPr>
+              <a:t>프로그램 수정</a:t>
+            </a:r>
+          </a:p>
+        </p:txBody>
+      </p:sp>
+      <p:sp>
+        <p:nvSpPr>
+          <p:cNvPr id="988036778" name="Text">
+    </p:cNvPr>
+          <p:cNvSpPr>
+            <a:spLocks noGrp="1"/>
+          </p:cNvSpPr>
+          <p:nvPr/>
+        </p:nvSpPr>
+        <p:spPr>
+          <a:xfrm rot="0">
+            <a:off x="4406900" y="3251200"/>
+            <a:ext cx="635000" cy="2425700"/>
+          </a:xfrm>
+          <a:prstGeom prst="rect">
+            <a:avLst/>
+          </a:prstGeom>
+          <a:ln w="12700">
+            <a:solidFill>
+              <a:srgbClr val="000000"/>
+            </a:solidFill>
+            <a:prstDash val="solid"/>
+          </a:ln>
+        </p:spPr>
+        <p:txBody>
+          <a:bodyPr wrap="square" lIns="0" tIns="0" rIns="0" bIns="0" rtlCol="0" anchor="t"/>
+          <a:lstStyle/>
+          <a:p>
+            <a:pPr algn="ctr">
+              <a:lnSpc>
+                <a:spcPct val="100%"/>
+              </a:lnSpc>
+              <a:defRPr sz="900">
+                <a:solidFill>
+                  <a:srgbClr val="000000"/>
+                </a:solidFill>
+                <a:latin typeface="맑은 고딕"/>
+                <a:ea typeface="맑은 고딕"/>
+                <a:cs typeface="맑은 고딕"/>
+              </a:defRPr>
+            </a:pPr>
+            <a:br/>
+            <a:r>
+              <a:rPr lang="ko" sz="900">
+                <a:latin typeface="맑은 고딕"/>
+                <a:ea typeface="맑은 고딕"/>
+                <a:cs typeface="맑은 고딕"/>
+              </a:rPr>
+              <a:t>01/31</a:t>
+            </a:r>
+            <a:br/>
+            <a:br/>
+            <a:r>
+              <a:rPr lang="ko" sz="900">
+                <a:latin typeface="맑은 고딕"/>
+                <a:ea typeface="맑은 고딕"/>
+                <a:cs typeface="맑은 고딕"/>
+              </a:rPr>
+              <a:t>01/31</a:t>
+            </a:r>
+            <a:br/>
+            <a:r>
+              <a:rPr lang="ko" sz="900">
+                <a:latin typeface="맑은 고딕"/>
+                <a:ea typeface="맑은 고딕"/>
+                <a:cs typeface="맑은 고딕"/>
+              </a:rPr>
+              <a:t>01/31</a:t>
+            </a:r>
+            <a:br/>
+            <a:r>
+              <a:rPr lang="ko" sz="900">
+                <a:latin typeface="맑은 고딕"/>
+                <a:ea typeface="맑은 고딕"/>
+                <a:cs typeface="맑은 고딕"/>
+              </a:rPr>
+              <a:t>01/31</a:t>
+            </a:r>
+            <a:br/>
+          </a:p>
+        </p:txBody>
+      </p:sp>
+      <p:sp>
+        <p:nvSpPr>
+          <p:cNvPr id="960858205" name="Text">
+    </p:cNvPr>
+          <p:cNvSpPr>
+            <a:spLocks noGrp="1"/>
+          </p:cNvSpPr>
+          <p:nvPr/>
+        </p:nvSpPr>
+        <p:spPr>
+          <a:xfrm rot="0">
+            <a:off x="5041900" y="3251200"/>
+            <a:ext cx="635000" cy="2425700"/>
+          </a:xfrm>
+          <a:prstGeom prst="rect">
+            <a:avLst/>
+          </a:prstGeom>
+          <a:ln w="12700">
+            <a:solidFill>
+              <a:srgbClr val="000000"/>
+            </a:solidFill>
+            <a:prstDash val="solid"/>
+          </a:ln>
+        </p:spPr>
+        <p:txBody>
+          <a:bodyPr wrap="square" lIns="0" tIns="0" rIns="0" bIns="0" rtlCol="0" anchor="t"/>
+          <a:lstStyle/>
+          <a:p>
+            <a:pPr algn="ctr">
+              <a:lnSpc>
+                <a:spcPct val="100%"/>
+              </a:lnSpc>
+              <a:defRPr sz="900">
+                <a:solidFill>
+                  <a:srgbClr val="000000"/>
+                </a:solidFill>
+                <a:latin typeface="맑은 고딕"/>
+                <a:ea typeface="맑은 고딕"/>
+                <a:cs typeface="맑은 고딕"/>
+              </a:defRPr>
+            </a:pPr>
+            <a:br/>
+            <a:r>
+              <a:rPr lang="ko" sz="900">
+                <a:latin typeface="맑은 고딕"/>
+                <a:ea typeface="맑은 고딕"/>
+                <a:cs typeface="맑은 고딕"/>
+              </a:rPr>
+              <a:t>60%</a:t>
+            </a:r>
+            <a:br/>
+            <a:br/>
+            <a:r>
+              <a:rPr lang="ko" sz="900">
+                <a:latin typeface="맑은 고딕"/>
+                <a:ea typeface="맑은 고딕"/>
+                <a:cs typeface="맑은 고딕"/>
+              </a:rPr>
+              <a:t>80%</a:t>
+            </a:r>
+            <a:br/>
+            <a:r>
+              <a:rPr lang="ko" sz="900">
+                <a:latin typeface="맑은 고딕"/>
+                <a:ea typeface="맑은 고딕"/>
+                <a:cs typeface="맑은 고딕"/>
+              </a:rPr>
+              <a:t>80%</a:t>
+            </a:r>
+            <a:br/>
+            <a:r>
+              <a:rPr lang="ko" sz="900">
+                <a:latin typeface="맑은 고딕"/>
+                <a:ea typeface="맑은 고딕"/>
+                <a:cs typeface="맑은 고딕"/>
+              </a:rPr>
+              <a:t>80%</a:t>
+            </a:r>
+            <a:br/>
+          </a:p>
+        </p:txBody>
+      </p:sp>
+      <p:sp>
+        <p:nvSpPr>
+          <p:cNvPr id="1234962125" name="Text">
+    </p:cNvPr>
+          <p:cNvSpPr>
+            <a:spLocks noGrp="1"/>
+          </p:cNvSpPr>
+          <p:nvPr/>
+        </p:nvSpPr>
+        <p:spPr>
+          <a:xfrm rot="0">
+            <a:off x="3771900" y="3251200"/>
+            <a:ext cx="635000" cy="2425700"/>
+          </a:xfrm>
+          <a:prstGeom prst="rect">
+            <a:avLst/>
+          </a:prstGeom>
+          <a:ln w="12700">
+            <a:solidFill>
+              <a:srgbClr val="000000"/>
+            </a:solidFill>
+            <a:prstDash val="solid"/>
+          </a:ln>
+        </p:spPr>
+        <p:txBody>
+          <a:bodyPr wrap="square" lIns="0" tIns="0" rIns="0" bIns="0" rtlCol="0" anchor="t"/>
+          <a:lstStyle/>
+          <a:p>
+            <a:pPr algn="ctr">
+              <a:lnSpc>
+                <a:spcPct val="100%"/>
+              </a:lnSpc>
+              <a:defRPr sz="900">
+                <a:solidFill>
+                  <a:srgbClr val="000000"/>
+                </a:solidFill>
+                <a:latin typeface="맑은 고딕"/>
+                <a:ea typeface="맑은 고딕"/>
+                <a:cs typeface="맑은 고딕"/>
+              </a:defRPr>
+            </a:pPr>
+            <a:br/>
+            <a:r>
+              <a:rPr lang="ko" sz="900">
+                <a:latin typeface="맑은 고딕"/>
+                <a:ea typeface="맑은 고딕"/>
+                <a:cs typeface="맑은 고딕"/>
+              </a:rPr>
+              <a:t>11/16</a:t>
+            </a:r>
+            <a:br/>
+            <a:br/>
+            <a:r>
+              <a:rPr lang="ko" sz="900">
+                <a:latin typeface="맑은 고딕"/>
+                <a:ea typeface="맑은 고딕"/>
+                <a:cs typeface="맑은 고딕"/>
+              </a:rPr>
+              <a:t>01/19</a:t>
+            </a:r>
+            <a:br/>
+            <a:r>
+              <a:rPr lang="ko" sz="900">
+                <a:latin typeface="맑은 고딕"/>
+                <a:ea typeface="맑은 고딕"/>
+                <a:cs typeface="맑은 고딕"/>
+              </a:rPr>
+              <a:t>01/19</a:t>
+            </a:r>
+            <a:br/>
+            <a:r>
+              <a:rPr lang="ko" sz="900">
+                <a:latin typeface="맑은 고딕"/>
+                <a:ea typeface="맑은 고딕"/>
+                <a:cs typeface="맑은 고딕"/>
+              </a:rPr>
+              <a:t>01/19</a:t>
+            </a:r>
+            <a:br/>
+          </a:p>
+        </p:txBody>
+      </p:sp>
+      <p:sp>
+        <p:nvSpPr>
+          <p:cNvPr id="1085992941" name="Text">
+    </p:cNvPr>
+          <p:cNvSpPr>
+            <a:spLocks noGrp="1"/>
+          </p:cNvSpPr>
+          <p:nvPr/>
+        </p:nvSpPr>
+        <p:spPr>
+          <a:xfrm rot="0">
+            <a:off x="4851400" y="6819900"/>
+            <a:ext cx="1270000" cy="381000"/>
+          </a:xfrm>
+          <a:prstGeom prst="rect">
+            <a:avLst/>
+          </a:prstGeom>
+        </p:spPr>
+        <p:txBody>
+          <a:bodyPr wrap="square" lIns="0" tIns="0" rIns="0" bIns="0" rtlCol="0" anchor="b"/>
+          <a:lstStyle/>
+          <a:p>
+            <a:pPr algn="ctr">
+              <a:lnSpc>
+                <a:spcPct val="100%"/>
+              </a:lnSpc>
+              <a:defRPr sz="1000" b="1">
+                <a:solidFill>
+                  <a:srgbClr val="000000"/>
+                </a:solidFill>
+                <a:latin typeface="SansSerif"/>
+                <a:ea typeface="SansSerif"/>
+                <a:cs typeface="SansSerif"/>
+              </a:defRPr>
+            </a:pPr>
+            <a:r>
+              <a:rPr lang="ko" sz="1000" b="1">
+                <a:latin typeface="SansSerif"/>
+                <a:ea typeface="SansSerif"/>
+                <a:cs typeface="SansSerif"/>
+              </a:rPr>
+              <a:t>8</a:t>
+            </a:r>
+          </a:p>
+        </p:txBody>
+      </p:sp>
+      <p:pic>
+        <p:nvPicPr>
+          <p:cNvPr id="1529907262" name="Picture">
+    </p:cNvPr>
+          <p:cNvPicPr>
+            <a:picLocks noChangeAspect="1"/>
+          </p:cNvPicPr>
+          <p:nvPr/>
+        </p:nvPicPr>
+        <p:blipFill>
+          <a:blip r:embed="img_0_0_41.jpg"/>
+          <a:srcRect/>
+          <a:stretch>
+            <a:fillRect l="0" t="0" r="0" b="5555"/>
+          </a:stretch>
+        </p:blipFill>
+        <p:spPr>
+          <a:xfrm rot="0">
+            <a:off x="101600" y="6819900"/>
+            <a:ext cx="1143000" cy="457200"/>
+          </a:xfrm>
+          <a:prstGeom prst="rect">
+            <a:avLst/>
+          </a:prstGeom>
+        </p:spPr>
+      </p:pic>
+    </p:spTree>
+  </p:cSld>
+  <p:clrMapOvr>
+    <a:masterClrMapping/>
+  </p:clrMapOvr>
+</p:sld>
+</file>
+
+<file path=ppt/slides/slide3.xml><?xml version="1.0" encoding="utf-8"?>
+<p:sld xmlns:a="http://schemas.openxmlformats.org/drawingml/2006/main" xmlns:r="http://schemas.openxmlformats.org/officeDocument/2006/relationships" xmlns:p="http://schemas.openxmlformats.org/presentationml/2006/main">
+  <p:cSld>
+    <p:spTree>
+      <p:nvGrpSpPr>
+        <p:cNvPr id="1" name=""/>
+        <p:cNvGrpSpPr/>
+        <p:nvPr/>
+      </p:nvGrpSpPr>
+      <p:grpSpPr>
+        <a:xfrm>
+          <a:off x="0" y="0"/>
+          <a:ext cx="0" cy="0"/>
+          <a:chOff x="0" y="0"/>
+          <a:chExt cx="0" cy="0"/>
+        </a:xfrm>
+      </p:grpSpPr>
+      <p:sp>
+        <p:nvSpPr>
+          <p:cNvPr id="1319298149" name="Text">
+    </p:cNvPr>
+          <p:cNvSpPr>
+            <a:spLocks noGrp="1"/>
+          </p:cNvSpPr>
+          <p:nvPr/>
+        </p:nvSpPr>
+        <p:spPr>
+          <a:xfrm rot="0">
+            <a:off x="177800" y="800100"/>
+            <a:ext cx="5524500" cy="381000"/>
+          </a:xfrm>
+          <a:prstGeom prst="rect">
+            <a:avLst/>
+          </a:prstGeom>
+          <a:solidFill>
+            <a:srgbClr val="C7CDFD"/>
+          </a:solidFill>
+        </p:spPr>
+        <p:txBody>
+          <a:bodyPr wrap="square" lIns="0" tIns="0" rIns="0" bIns="0" rtlCol="0" anchor="ctr"/>
+          <a:lstStyle/>
+          <a:p>
+            <a:pPr algn="ctr">
+              <a:lnSpc>
+                <a:spcPct val="100%"/>
+              </a:lnSpc>
+              <a:defRPr sz="1400" b="1">
+                <a:solidFill>
+                  <a:srgbClr val="000000"/>
+                </a:solidFill>
+                <a:latin typeface="맑은 고딕"/>
+                <a:ea typeface="맑은 고딕"/>
+                <a:cs typeface="맑은 고딕"/>
+              </a:defRPr>
+            </a:pPr>
+            <a:r>
+              <a:rPr lang="ko" sz="1400" b="1">
+                <a:latin typeface="맑은 고딕"/>
+                <a:ea typeface="맑은 고딕"/>
+                <a:cs typeface="맑은 고딕"/>
+              </a:rPr>
+              <a:t>금주 업무 실적</a:t>
+            </a:r>
+          </a:p>
+        </p:txBody>
+      </p:sp>
+      <p:sp>
+        <p:nvSpPr>
+          <p:cNvPr id="1730230546" name="Text">
+    </p:cNvPr>
+          <p:cNvSpPr>
+            <a:spLocks noGrp="1"/>
+          </p:cNvSpPr>
+          <p:nvPr/>
+        </p:nvSpPr>
+        <p:spPr>
+          <a:xfrm rot="0">
+            <a:off x="5753100" y="800100"/>
+            <a:ext cx="4724400" cy="381000"/>
+          </a:xfrm>
+          <a:prstGeom prst="rect">
+            <a:avLst/>
+          </a:prstGeom>
+          <a:solidFill>
+            <a:srgbClr val="C7CDFD"/>
+          </a:solidFill>
+        </p:spPr>
+        <p:txBody>
+          <a:bodyPr wrap="square" lIns="0" tIns="0" rIns="0" bIns="0" rtlCol="0" anchor="ctr"/>
+          <a:lstStyle/>
+          <a:p>
+            <a:pPr algn="ctr">
+              <a:lnSpc>
+                <a:spcPct val="100%"/>
+              </a:lnSpc>
+              <a:defRPr sz="1400" b="1">
+                <a:solidFill>
+                  <a:srgbClr val="000000"/>
+                </a:solidFill>
+                <a:latin typeface="맑은 고딕"/>
+                <a:ea typeface="맑은 고딕"/>
+                <a:cs typeface="맑은 고딕"/>
+              </a:defRPr>
+            </a:pPr>
+            <a:r>
+              <a:rPr lang="ko" sz="1400" b="1">
+                <a:latin typeface="맑은 고딕"/>
+                <a:ea typeface="맑은 고딕"/>
+                <a:cs typeface="맑은 고딕"/>
+              </a:rPr>
+              <a:t>차주 업무 계획</a:t>
+            </a:r>
+          </a:p>
+        </p:txBody>
+      </p:sp>
+      <p:sp>
+        <p:nvSpPr>
+          <p:cNvPr id="1894999964" name="Line"/>
+          <p:cNvSpPr>
+            <a:spLocks noGrp="1"/>
+          </p:cNvSpPr>
+          <p:nvPr/>
+        </p:nvSpPr>
+        <p:spPr>
+          <a:xfrm>
+            <a:off x="127000" y="673100"/>
+            <a:ext cx="10287000" cy="0"/>
+          </a:xfrm>
+          <a:prstGeom prst="line">
+            <a:avLst/>
+          </a:prstGeom>
+          <a:solidFill>
+            <a:srgbClr val="FFFFFF"/>
+          </a:solidFill>
+          <a:ln w="12700">
+            <a:solidFill>
+              <a:srgbClr val="000000"/>
+            </a:solidFill>
+            <a:prstDash val="solid"/>
+          </a:ln>
+        </p:spPr>
+        <p:txBody>
+          <a:bodyPr rtlCol="0" anchor="ctr"/>
+          <a:lstStyle/>
+          <a:p>
+            <a:pPr algn="ctr"/>
+          </a:p>
+        </p:txBody>
+      </p:sp>
+      <p:sp>
+        <p:nvSpPr>
+          <p:cNvPr id="794652868" name="Text">
+    </p:cNvPr>
+          <p:cNvSpPr>
+            <a:spLocks noGrp="1"/>
+          </p:cNvSpPr>
+          <p:nvPr/>
+        </p:nvSpPr>
+        <p:spPr>
+          <a:xfrm rot="0">
+            <a:off x="177800" y="254000"/>
+            <a:ext cx="5969000" cy="381000"/>
+          </a:xfrm>
+          <a:prstGeom prst="rect">
+            <a:avLst/>
+          </a:prstGeom>
+        </p:spPr>
+        <p:txBody>
+          <a:bodyPr wrap="square" lIns="0" tIns="0" rIns="0" bIns="0" rtlCol="0" anchor="t"/>
+          <a:lstStyle/>
+          <a:p>
+            <a:pPr algn="l">
+              <a:lnSpc>
+                <a:spcPct val="100%"/>
+              </a:lnSpc>
+              <a:defRPr sz="1800" b="1">
+                <a:solidFill>
+                  <a:srgbClr val="000000"/>
+                </a:solidFill>
+                <a:latin typeface="맑은 고딕"/>
+                <a:ea typeface="맑은 고딕"/>
+                <a:cs typeface="맑은 고딕"/>
+              </a:defRPr>
+            </a:pPr>
+            <a:r>
+              <a:rPr lang="ko" sz="1800" b="1">
+                <a:latin typeface="맑은 고딕"/>
+                <a:ea typeface="맑은 고딕"/>
+                <a:cs typeface="맑은 고딕"/>
+              </a:rPr>
+              <a:t>3. 주간업무 실적 및 계획(①Baynex - ERP)</a:t>
+            </a:r>
+          </a:p>
+        </p:txBody>
+      </p:sp>
+      <p:sp>
+        <p:nvSpPr>
+          <p:cNvPr id="1980053638" name="Text">
+    </p:cNvPr>
+          <p:cNvSpPr>
+            <a:spLocks noGrp="1"/>
+          </p:cNvSpPr>
+          <p:nvPr/>
+        </p:nvSpPr>
+        <p:spPr>
+          <a:xfrm rot="0">
+            <a:off x="165100" y="1219200"/>
+            <a:ext cx="596900" cy="469900"/>
+          </a:xfrm>
+          <a:prstGeom prst="rect">
+            <a:avLst/>
+          </a:prstGeom>
+          <a:solidFill>
+            <a:srgbClr val="FFCC99"/>
+          </a:solidFill>
+          <a:ln w="12700">
+            <a:solidFill>
+              <a:srgbClr val="000000"/>
+            </a:solidFill>
+            <a:prstDash val="solid"/>
+          </a:ln>
+        </p:spPr>
+        <p:txBody>
+          <a:bodyPr wrap="square" lIns="0" tIns="0" rIns="0" bIns="0" rtlCol="0" anchor="ctr"/>
+          <a:lstStyle/>
+          <a:p>
+            <a:pPr algn="ctr">
+              <a:lnSpc>
+                <a:spcPct val="100%"/>
+              </a:lnSpc>
+              <a:defRPr sz="900" b="1">
+                <a:solidFill>
+                  <a:srgbClr val="000000"/>
+                </a:solidFill>
+                <a:latin typeface="맑은 고딕"/>
+                <a:ea typeface="맑은 고딕"/>
+                <a:cs typeface="맑은 고딕"/>
+              </a:defRPr>
+            </a:pPr>
+            <a:r>
+              <a:rPr lang="ko" sz="900" b="1">
+                <a:latin typeface="맑은 고딕"/>
+                <a:ea typeface="맑은 고딕"/>
+                <a:cs typeface="맑은 고딕"/>
+              </a:rPr>
+              <a:t>구분/</a:t>
+            </a:r>
+            <a:br/>
+            <a:r>
+              <a:rPr lang="ko" sz="900" b="1">
+                <a:latin typeface="맑은 고딕"/>
+                <a:ea typeface="맑은 고딕"/>
+                <a:cs typeface="맑은 고딕"/>
+              </a:rPr>
+              <a:t>담당자</a:t>
+            </a:r>
+          </a:p>
+        </p:txBody>
+      </p:sp>
+      <p:sp>
+        <p:nvSpPr>
+          <p:cNvPr id="402810621" name="Text">
+    </p:cNvPr>
+          <p:cNvSpPr>
+            <a:spLocks noGrp="1"/>
+          </p:cNvSpPr>
+          <p:nvPr/>
+        </p:nvSpPr>
+        <p:spPr>
+          <a:xfrm rot="0">
+            <a:off x="749300" y="1219200"/>
+            <a:ext cx="3022600" cy="469900"/>
+          </a:xfrm>
+          <a:prstGeom prst="rect">
+            <a:avLst/>
+          </a:prstGeom>
+          <a:solidFill>
+            <a:srgbClr val="FFCC99"/>
+          </a:solidFill>
+          <a:ln w="12700">
+            <a:solidFill>
+              <a:srgbClr val="000000"/>
+            </a:solidFill>
+            <a:prstDash val="solid"/>
+          </a:ln>
+        </p:spPr>
+        <p:txBody>
+          <a:bodyPr wrap="square" lIns="0" tIns="0" rIns="0" bIns="0" rtlCol="0" anchor="ctr"/>
+          <a:lstStyle/>
+          <a:p>
+            <a:pPr algn="ctr">
+              <a:lnSpc>
+                <a:spcPct val="100%"/>
+              </a:lnSpc>
+              <a:defRPr sz="900" b="1">
+                <a:solidFill>
+                  <a:srgbClr val="000000"/>
+                </a:solidFill>
+                <a:latin typeface="맑은 고딕"/>
+                <a:ea typeface="맑은 고딕"/>
+                <a:cs typeface="맑은 고딕"/>
+              </a:defRPr>
+            </a:pPr>
+            <a:r>
+              <a:rPr lang="ko" sz="900" b="1">
+                <a:latin typeface="맑은 고딕"/>
+                <a:ea typeface="맑은 고딕"/>
+                <a:cs typeface="맑은 고딕"/>
+              </a:rPr>
+              <a:t>업무 내용</a:t>
+            </a:r>
+          </a:p>
+        </p:txBody>
+      </p:sp>
+      <p:sp>
+        <p:nvSpPr>
+          <p:cNvPr id="1940270566" name="Text">
+    </p:cNvPr>
+          <p:cNvSpPr>
+            <a:spLocks noGrp="1"/>
+          </p:cNvSpPr>
+          <p:nvPr/>
+        </p:nvSpPr>
+        <p:spPr>
+          <a:xfrm rot="0">
+            <a:off x="3771900" y="1219200"/>
+            <a:ext cx="635000" cy="469900"/>
+          </a:xfrm>
+          <a:prstGeom prst="rect">
+            <a:avLst/>
+          </a:prstGeom>
+          <a:solidFill>
+            <a:srgbClr val="FFCC99"/>
+          </a:solidFill>
+          <a:ln w="12700">
+            <a:solidFill>
+              <a:srgbClr val="000000"/>
+            </a:solidFill>
+            <a:prstDash val="solid"/>
+          </a:ln>
+        </p:spPr>
+        <p:txBody>
+          <a:bodyPr wrap="square" lIns="0" tIns="0" rIns="0" bIns="0" rtlCol="0" anchor="ctr"/>
+          <a:lstStyle/>
+          <a:p>
+            <a:pPr algn="ctr">
+              <a:lnSpc>
+                <a:spcPct val="100%"/>
+              </a:lnSpc>
+              <a:defRPr sz="900" b="1">
+                <a:solidFill>
+                  <a:srgbClr val="000000"/>
+                </a:solidFill>
+                <a:latin typeface="맑은 고딕"/>
+                <a:ea typeface="맑은 고딕"/>
+                <a:cs typeface="맑은 고딕"/>
+              </a:defRPr>
+            </a:pPr>
+            <a:r>
+              <a:rPr lang="ko" sz="900" b="1">
+                <a:latin typeface="맑은 고딕"/>
+                <a:ea typeface="맑은 고딕"/>
+                <a:cs typeface="맑은 고딕"/>
+              </a:rPr>
+              <a:t>접수일</a:t>
+            </a:r>
+          </a:p>
+        </p:txBody>
+      </p:sp>
+      <p:sp>
+        <p:nvSpPr>
+          <p:cNvPr id="934914054" name="Text">
+    </p:cNvPr>
+          <p:cNvSpPr>
+            <a:spLocks noGrp="1"/>
+          </p:cNvSpPr>
+          <p:nvPr/>
+        </p:nvSpPr>
+        <p:spPr>
+          <a:xfrm rot="0">
+            <a:off x="4406900" y="1219200"/>
+            <a:ext cx="635000" cy="469900"/>
+          </a:xfrm>
+          <a:prstGeom prst="rect">
+            <a:avLst/>
+          </a:prstGeom>
+          <a:solidFill>
+            <a:srgbClr val="FFCC99"/>
+          </a:solidFill>
+          <a:ln w="12700">
+            <a:solidFill>
+              <a:srgbClr val="000000"/>
+            </a:solidFill>
+            <a:prstDash val="solid"/>
+          </a:ln>
+        </p:spPr>
+        <p:txBody>
+          <a:bodyPr wrap="square" lIns="0" tIns="0" rIns="0" bIns="0" rtlCol="0" anchor="ctr"/>
+          <a:lstStyle/>
+          <a:p>
+            <a:pPr algn="ctr">
+              <a:lnSpc>
+                <a:spcPct val="100%"/>
+              </a:lnSpc>
+              <a:defRPr sz="900" b="1">
+                <a:solidFill>
+                  <a:srgbClr val="000000"/>
+                </a:solidFill>
+                <a:latin typeface="맑은 고딕"/>
+                <a:ea typeface="맑은 고딕"/>
+                <a:cs typeface="맑은 고딕"/>
+              </a:defRPr>
+            </a:pPr>
+            <a:r>
+              <a:rPr lang="ko" sz="900" b="1">
+                <a:latin typeface="맑은 고딕"/>
+                <a:ea typeface="맑은 고딕"/>
+                <a:cs typeface="맑은 고딕"/>
+              </a:rPr>
+              <a:t>완료</a:t>
+            </a:r>
+            <a:br/>
+            <a:r>
+              <a:rPr lang="ko" sz="900" b="1">
+                <a:latin typeface="맑은 고딕"/>
+                <a:ea typeface="맑은 고딕"/>
+                <a:cs typeface="맑은 고딕"/>
+              </a:rPr>
+              <a:t>목표일</a:t>
+            </a:r>
+          </a:p>
+        </p:txBody>
+      </p:sp>
+      <p:sp>
+        <p:nvSpPr>
+          <p:cNvPr id="1755805567" name="Text">
+    </p:cNvPr>
+          <p:cNvSpPr>
+            <a:spLocks noGrp="1"/>
+          </p:cNvSpPr>
+          <p:nvPr/>
+        </p:nvSpPr>
+        <p:spPr>
+          <a:xfrm rot="0">
+            <a:off x="5753100" y="1219200"/>
+            <a:ext cx="635000" cy="469900"/>
+          </a:xfrm>
+          <a:prstGeom prst="rect">
+            <a:avLst/>
+          </a:prstGeom>
+          <a:solidFill>
+            <a:srgbClr val="FFCC99"/>
+          </a:solidFill>
+          <a:ln w="12700">
+            <a:solidFill>
+              <a:srgbClr val="000000"/>
+            </a:solidFill>
+            <a:prstDash val="solid"/>
+          </a:ln>
+        </p:spPr>
+        <p:txBody>
+          <a:bodyPr wrap="square" lIns="0" tIns="0" rIns="0" bIns="0" rtlCol="0" anchor="ctr"/>
+          <a:lstStyle/>
+          <a:p>
+            <a:pPr algn="ctr">
+              <a:lnSpc>
+                <a:spcPct val="100%"/>
+              </a:lnSpc>
+              <a:defRPr sz="900" b="1">
+                <a:solidFill>
+                  <a:srgbClr val="000000"/>
+                </a:solidFill>
+                <a:latin typeface="맑은 고딕"/>
+                <a:ea typeface="맑은 고딕"/>
+                <a:cs typeface="맑은 고딕"/>
+              </a:defRPr>
+            </a:pPr>
+            <a:r>
+              <a:rPr lang="ko" sz="900" b="1">
+                <a:latin typeface="맑은 고딕"/>
+                <a:ea typeface="맑은 고딕"/>
+                <a:cs typeface="맑은 고딕"/>
+              </a:rPr>
+              <a:t>구분/</a:t>
+            </a:r>
+            <a:br/>
+            <a:r>
+              <a:rPr lang="ko" sz="900" b="1">
+                <a:latin typeface="맑은 고딕"/>
+                <a:ea typeface="맑은 고딕"/>
+                <a:cs typeface="맑은 고딕"/>
+              </a:rPr>
+              <a:t>담당자</a:t>
+            </a:r>
+          </a:p>
+        </p:txBody>
+      </p:sp>
+      <p:sp>
+        <p:nvSpPr>
+          <p:cNvPr id="1671020824" name="Text">
+    </p:cNvPr>
+          <p:cNvSpPr>
+            <a:spLocks noGrp="1"/>
+          </p:cNvSpPr>
+          <p:nvPr/>
+        </p:nvSpPr>
+        <p:spPr>
+          <a:xfrm rot="0">
+            <a:off x="6388100" y="1219200"/>
+            <a:ext cx="2844800" cy="469900"/>
+          </a:xfrm>
+          <a:prstGeom prst="rect">
+            <a:avLst/>
+          </a:prstGeom>
+          <a:solidFill>
+            <a:srgbClr val="FFCC99"/>
+          </a:solidFill>
+          <a:ln w="12700">
+            <a:solidFill>
+              <a:srgbClr val="000000"/>
+            </a:solidFill>
+            <a:prstDash val="solid"/>
+          </a:ln>
+        </p:spPr>
+        <p:txBody>
+          <a:bodyPr wrap="square" lIns="0" tIns="0" rIns="0" bIns="0" rtlCol="0" anchor="ctr"/>
+          <a:lstStyle/>
+          <a:p>
+            <a:pPr algn="ctr">
+              <a:lnSpc>
+                <a:spcPct val="100%"/>
+              </a:lnSpc>
+              <a:defRPr sz="900" b="1">
+                <a:solidFill>
+                  <a:srgbClr val="000000"/>
+                </a:solidFill>
+                <a:latin typeface="맑은 고딕"/>
+                <a:ea typeface="맑은 고딕"/>
+                <a:cs typeface="맑은 고딕"/>
+              </a:defRPr>
+            </a:pPr>
+            <a:r>
+              <a:rPr lang="ko" sz="900" b="1">
+                <a:latin typeface="맑은 고딕"/>
+                <a:ea typeface="맑은 고딕"/>
+                <a:cs typeface="맑은 고딕"/>
+              </a:rPr>
+              <a:t>업무 내용</a:t>
+            </a:r>
+          </a:p>
+        </p:txBody>
+      </p:sp>
+      <p:sp>
+        <p:nvSpPr>
+          <p:cNvPr id="554834320" name="Text">
+    </p:cNvPr>
+          <p:cNvSpPr>
+            <a:spLocks noGrp="1"/>
+          </p:cNvSpPr>
+          <p:nvPr/>
+        </p:nvSpPr>
+        <p:spPr>
+          <a:xfrm rot="0">
+            <a:off x="9232900" y="1219200"/>
+            <a:ext cx="635000" cy="469900"/>
+          </a:xfrm>
+          <a:prstGeom prst="rect">
+            <a:avLst/>
+          </a:prstGeom>
+          <a:solidFill>
+            <a:srgbClr val="FFCC99"/>
+          </a:solidFill>
+          <a:ln w="12700">
+            <a:solidFill>
+              <a:srgbClr val="000000"/>
+            </a:solidFill>
+            <a:prstDash val="solid"/>
+          </a:ln>
+        </p:spPr>
+        <p:txBody>
+          <a:bodyPr wrap="square" lIns="0" tIns="0" rIns="0" bIns="0" rtlCol="0" anchor="ctr"/>
+          <a:lstStyle/>
+          <a:p>
+            <a:pPr algn="ctr">
+              <a:lnSpc>
+                <a:spcPct val="100%"/>
+              </a:lnSpc>
+              <a:defRPr sz="900" b="1">
+                <a:solidFill>
+                  <a:srgbClr val="000000"/>
+                </a:solidFill>
+                <a:latin typeface="맑은 고딕"/>
+                <a:ea typeface="맑은 고딕"/>
+                <a:cs typeface="맑은 고딕"/>
+              </a:defRPr>
+            </a:pPr>
+            <a:r>
+              <a:rPr lang="ko" sz="900" b="1">
+                <a:latin typeface="맑은 고딕"/>
+                <a:ea typeface="맑은 고딕"/>
+                <a:cs typeface="맑은 고딕"/>
+              </a:rPr>
+              <a:t>접수일</a:t>
+            </a:r>
+          </a:p>
+        </p:txBody>
+      </p:sp>
+      <p:sp>
+        <p:nvSpPr>
+          <p:cNvPr id="1536261164" name="Text">
+    </p:cNvPr>
+          <p:cNvSpPr>
+            <a:spLocks noGrp="1"/>
+          </p:cNvSpPr>
+          <p:nvPr/>
+        </p:nvSpPr>
+        <p:spPr>
+          <a:xfrm rot="0">
+            <a:off x="5041900" y="1219200"/>
+            <a:ext cx="635000" cy="469900"/>
+          </a:xfrm>
+          <a:prstGeom prst="rect">
+            <a:avLst/>
+          </a:prstGeom>
+          <a:solidFill>
+            <a:srgbClr val="FFCC99"/>
+          </a:solidFill>
+          <a:ln w="12700">
+            <a:solidFill>
+              <a:srgbClr val="000000"/>
+            </a:solidFill>
+            <a:prstDash val="solid"/>
+          </a:ln>
+        </p:spPr>
+        <p:txBody>
+          <a:bodyPr wrap="square" lIns="0" tIns="0" rIns="0" bIns="0" rtlCol="0" anchor="ctr"/>
+          <a:lstStyle/>
+          <a:p>
+            <a:pPr algn="ctr">
+              <a:lnSpc>
+                <a:spcPct val="100%"/>
+              </a:lnSpc>
+              <a:defRPr sz="900" b="1">
+                <a:solidFill>
+                  <a:srgbClr val="000000"/>
+                </a:solidFill>
+                <a:latin typeface="맑은 고딕"/>
+                <a:ea typeface="맑은 고딕"/>
+                <a:cs typeface="맑은 고딕"/>
+              </a:defRPr>
+            </a:pPr>
+            <a:r>
+              <a:rPr lang="ko" sz="900" b="1">
+                <a:latin typeface="맑은 고딕"/>
+                <a:ea typeface="맑은 고딕"/>
+                <a:cs typeface="맑은 고딕"/>
+              </a:rPr>
+              <a:t>진행율</a:t>
+            </a:r>
+            <a:br/>
+            <a:r>
+              <a:rPr lang="ko" sz="900" b="1">
+                <a:latin typeface="맑은 고딕"/>
+                <a:ea typeface="맑은 고딕"/>
+                <a:cs typeface="맑은 고딕"/>
+              </a:rPr>
+              <a:t>완료일</a:t>
+            </a:r>
+          </a:p>
+        </p:txBody>
+      </p:sp>
+      <p:sp>
+        <p:nvSpPr>
+          <p:cNvPr id="148825262" name="Text">
+    </p:cNvPr>
+          <p:cNvSpPr>
+            <a:spLocks noGrp="1"/>
+          </p:cNvSpPr>
+          <p:nvPr/>
+        </p:nvSpPr>
+        <p:spPr>
+          <a:xfrm rot="0">
+            <a:off x="9867900" y="1219200"/>
+            <a:ext cx="635000" cy="469900"/>
+          </a:xfrm>
+          <a:prstGeom prst="rect">
+            <a:avLst/>
+          </a:prstGeom>
+          <a:solidFill>
+            <a:srgbClr val="FFCC99"/>
+          </a:solidFill>
+          <a:ln w="12700">
+            <a:solidFill>
+              <a:srgbClr val="000000"/>
+            </a:solidFill>
+            <a:prstDash val="solid"/>
+          </a:ln>
+        </p:spPr>
+        <p:txBody>
+          <a:bodyPr wrap="square" lIns="0" tIns="0" rIns="0" bIns="0" rtlCol="0" anchor="ctr"/>
+          <a:lstStyle/>
+          <a:p>
+            <a:pPr algn="ctr">
+              <a:lnSpc>
+                <a:spcPct val="100%"/>
+              </a:lnSpc>
+              <a:defRPr sz="900" b="1">
+                <a:solidFill>
+                  <a:srgbClr val="000000"/>
+                </a:solidFill>
+                <a:latin typeface="맑은 고딕"/>
+                <a:ea typeface="맑은 고딕"/>
+                <a:cs typeface="맑은 고딕"/>
+              </a:defRPr>
+            </a:pPr>
+            <a:r>
+              <a:rPr lang="ko" sz="900" b="1">
+                <a:latin typeface="맑은 고딕"/>
+                <a:ea typeface="맑은 고딕"/>
+                <a:cs typeface="맑은 고딕"/>
+              </a:rPr>
+              <a:t>완료</a:t>
+            </a:r>
+            <a:br/>
+            <a:r>
+              <a:rPr lang="ko" sz="900" b="1">
+                <a:latin typeface="맑은 고딕"/>
+                <a:ea typeface="맑은 고딕"/>
+                <a:cs typeface="맑은 고딕"/>
+              </a:rPr>
+              <a:t>목표일</a:t>
+            </a:r>
+          </a:p>
+        </p:txBody>
+      </p:sp>
+      <p:sp>
+        <p:nvSpPr>
+          <p:cNvPr id="635598252" name="Text">
+    </p:cNvPr>
+          <p:cNvSpPr>
+            <a:spLocks noGrp="1"/>
+          </p:cNvSpPr>
+          <p:nvPr/>
+        </p:nvSpPr>
+        <p:spPr>
+          <a:xfrm rot="0">
+            <a:off x="9867900" y="1689100"/>
+            <a:ext cx="635000" cy="1524000"/>
+          </a:xfrm>
+          <a:prstGeom prst="rect">
+            <a:avLst/>
+          </a:prstGeom>
+          <a:ln w="12700">
+            <a:solidFill>
+              <a:srgbClr val="000000"/>
+            </a:solidFill>
+            <a:prstDash val="solid"/>
+          </a:ln>
+        </p:spPr>
+        <p:txBody>
+          <a:bodyPr wrap="square" lIns="0" tIns="0" rIns="0" bIns="0" rtlCol="0" anchor="t"/>
+          <a:lstStyle/>
+          <a:p>
+            <a:pPr algn="ctr">
+              <a:lnSpc>
+                <a:spcPct val="100%"/>
+              </a:lnSpc>
+              <a:defRPr sz="900">
+                <a:solidFill>
+                  <a:srgbClr val="000000"/>
+                </a:solidFill>
+                <a:latin typeface="맑은 고딕"/>
+                <a:ea typeface="맑은 고딕"/>
+                <a:cs typeface="맑은 고딕"/>
+              </a:defRPr>
+            </a:pPr>
+            <a:br/>
+            <a:r>
+              <a:rPr lang="ko" sz="900">
+                <a:latin typeface="맑은 고딕"/>
+                <a:ea typeface="맑은 고딕"/>
+                <a:cs typeface="맑은 고딕"/>
+              </a:rPr>
+              <a:t>01/31</a:t>
+            </a:r>
+            <a:br/>
+            <a:br/>
+            <a:r>
+              <a:rPr lang="ko" sz="900">
+                <a:latin typeface="맑은 고딕"/>
+                <a:ea typeface="맑은 고딕"/>
+                <a:cs typeface="맑은 고딕"/>
+              </a:rPr>
+              <a:t>02/06</a:t>
+            </a:r>
+          </a:p>
+        </p:txBody>
+      </p:sp>
+      <p:sp>
+        <p:nvSpPr>
+          <p:cNvPr id="344794649" name="Text">
+    </p:cNvPr>
+          <p:cNvSpPr>
+            <a:spLocks noGrp="1"/>
+          </p:cNvSpPr>
+          <p:nvPr/>
+        </p:nvSpPr>
+        <p:spPr>
+          <a:xfrm rot="0">
+            <a:off x="9232900" y="1689100"/>
+            <a:ext cx="635000" cy="1524000"/>
+          </a:xfrm>
+          <a:prstGeom prst="rect">
+            <a:avLst/>
+          </a:prstGeom>
+          <a:ln w="12700">
+            <a:solidFill>
+              <a:srgbClr val="000000"/>
+            </a:solidFill>
+            <a:prstDash val="solid"/>
+          </a:ln>
+        </p:spPr>
+        <p:txBody>
+          <a:bodyPr wrap="square" lIns="0" tIns="0" rIns="0" bIns="0" rtlCol="0" anchor="t"/>
+          <a:lstStyle/>
+          <a:p>
+            <a:pPr algn="ctr">
+              <a:lnSpc>
+                <a:spcPct val="100%"/>
+              </a:lnSpc>
+              <a:defRPr sz="900">
+                <a:solidFill>
+                  <a:srgbClr val="000000"/>
+                </a:solidFill>
+                <a:latin typeface="맑은 고딕"/>
+                <a:ea typeface="맑은 고딕"/>
+                <a:cs typeface="맑은 고딕"/>
+              </a:defRPr>
+            </a:pPr>
+            <a:br/>
+            <a:r>
+              <a:rPr lang="ko" sz="900">
+                <a:latin typeface="맑은 고딕"/>
+                <a:ea typeface="맑은 고딕"/>
+                <a:cs typeface="맑은 고딕"/>
+              </a:rPr>
+              <a:t>12/16</a:t>
+            </a:r>
+            <a:br/>
+            <a:br/>
+            <a:r>
+              <a:rPr lang="ko" sz="900">
+                <a:latin typeface="맑은 고딕"/>
+                <a:ea typeface="맑은 고딕"/>
+                <a:cs typeface="맑은 고딕"/>
+              </a:rPr>
+              <a:t>01/27</a:t>
+            </a:r>
+          </a:p>
+        </p:txBody>
+      </p:sp>
+      <p:sp>
+        <p:nvSpPr>
+          <p:cNvPr id="1143818424" name="Text">
+    </p:cNvPr>
+          <p:cNvSpPr>
+            <a:spLocks noGrp="1"/>
+          </p:cNvSpPr>
+          <p:nvPr/>
+        </p:nvSpPr>
+        <p:spPr>
+          <a:xfrm rot="0">
+            <a:off x="6388100" y="1689100"/>
+            <a:ext cx="2844800" cy="1524000"/>
+          </a:xfrm>
+          <a:prstGeom prst="rect">
+            <a:avLst/>
+          </a:prstGeom>
+          <a:ln w="12700">
+            <a:solidFill>
+              <a:srgbClr val="000000"/>
+            </a:solidFill>
+            <a:prstDash val="solid"/>
+          </a:ln>
+        </p:spPr>
+        <p:txBody>
+          <a:bodyPr wrap="square" lIns="0" tIns="0" rIns="0" bIns="0" rtlCol="0" anchor="t"/>
+          <a:lstStyle/>
+          <a:p>
+            <a:pPr algn="l">
+              <a:lnSpc>
+                <a:spcPct val="100%"/>
+              </a:lnSpc>
+              <a:defRPr sz="900">
+                <a:solidFill>
+                  <a:srgbClr val="000000"/>
+                </a:solidFill>
+                <a:latin typeface="맑은 고딕"/>
+                <a:ea typeface="맑은 고딕"/>
+                <a:cs typeface="맑은 고딕"/>
+              </a:defRPr>
+            </a:pPr>
+            <a:br/>
+            <a:r>
+              <a:rPr lang="ko" sz="900">
+                <a:latin typeface="맑은 고딕"/>
+                <a:ea typeface="맑은 고딕"/>
+                <a:cs typeface="맑은 고딕"/>
+              </a:rPr>
+              <a:t>- [FI]회계 자동승인대상 e-Pro 전표 추출 프로그램 </a:t>
+            </a:r>
+            <a:br/>
+            <a:r>
+              <a:rPr lang="ko" sz="900">
+                <a:latin typeface="맑은 고딕"/>
+                <a:ea typeface="맑은 고딕"/>
+                <a:cs typeface="맑은 고딕"/>
+              </a:rPr>
+              <a:t>개발요청</a:t>
+            </a:r>
+            <a:br/>
+            <a:r>
+              <a:rPr lang="ko" sz="900">
+                <a:latin typeface="맑은 고딕"/>
+                <a:ea typeface="맑은 고딕"/>
+                <a:cs typeface="맑은 고딕"/>
+              </a:rPr>
+              <a:t>- [MM]WBS 필드 추가요청</a:t>
+            </a:r>
+          </a:p>
+        </p:txBody>
+      </p:sp>
+      <p:sp>
+        <p:nvSpPr>
+          <p:cNvPr id="992558855" name="Text">
+    </p:cNvPr>
+          <p:cNvSpPr>
+            <a:spLocks noGrp="1"/>
+          </p:cNvSpPr>
+          <p:nvPr/>
+        </p:nvSpPr>
+        <p:spPr>
+          <a:xfrm rot="0">
+            <a:off x="5753100" y="1689100"/>
+            <a:ext cx="635000" cy="1524000"/>
+          </a:xfrm>
+          <a:prstGeom prst="rect">
+            <a:avLst/>
+          </a:prstGeom>
+          <a:ln w="12700">
+            <a:solidFill>
+              <a:srgbClr val="000000"/>
+            </a:solidFill>
+            <a:prstDash val="solid"/>
+          </a:ln>
+        </p:spPr>
+        <p:txBody>
+          <a:bodyPr wrap="square" lIns="0" tIns="0" rIns="0" bIns="0" rtlCol="0" anchor="t"/>
+          <a:lstStyle/>
+          <a:p>
+            <a:pPr algn="ctr">
+              <a:lnSpc>
+                <a:spcPct val="100%"/>
+              </a:lnSpc>
+              <a:defRPr sz="900">
+                <a:solidFill>
+                  <a:srgbClr val="000000"/>
+                </a:solidFill>
+                <a:latin typeface="맑은 고딕"/>
+                <a:ea typeface="맑은 고딕"/>
+                <a:cs typeface="맑은 고딕"/>
+              </a:defRPr>
+            </a:pPr>
+            <a:br/>
+            <a:r>
+              <a:rPr lang="ko" sz="900">
+                <a:latin typeface="맑은 고딕"/>
+                <a:ea typeface="맑은 고딕"/>
+                <a:cs typeface="맑은 고딕"/>
+              </a:rPr>
+              <a:t>MM</a:t>
+            </a:r>
+            <a:br/>
+            <a:r>
+              <a:rPr lang="ko" sz="900">
+                <a:latin typeface="맑은 고딕"/>
+                <a:ea typeface="맑은 고딕"/>
+                <a:cs typeface="맑은 고딕"/>
+              </a:rPr>
+              <a:t>김원기</a:t>
+            </a:r>
+          </a:p>
+        </p:txBody>
+      </p:sp>
+      <p:sp>
+        <p:nvSpPr>
+          <p:cNvPr id="231760603" name="Text">
+    </p:cNvPr>
+          <p:cNvSpPr>
+            <a:spLocks noGrp="1"/>
+          </p:cNvSpPr>
+          <p:nvPr/>
+        </p:nvSpPr>
+        <p:spPr>
+          <a:xfrm rot="0">
+            <a:off x="165100" y="1689100"/>
+            <a:ext cx="596900" cy="1524000"/>
+          </a:xfrm>
+          <a:prstGeom prst="rect">
+            <a:avLst/>
+          </a:prstGeom>
+          <a:ln w="12700">
+            <a:solidFill>
+              <a:srgbClr val="000000"/>
+            </a:solidFill>
+            <a:prstDash val="solid"/>
+          </a:ln>
+        </p:spPr>
+        <p:txBody>
+          <a:bodyPr wrap="square" lIns="0" tIns="0" rIns="0" bIns="0" rtlCol="0" anchor="t"/>
+          <a:lstStyle/>
+          <a:p>
+            <a:pPr algn="ctr">
+              <a:lnSpc>
+                <a:spcPct val="100%"/>
+              </a:lnSpc>
+              <a:defRPr sz="900">
+                <a:solidFill>
+                  <a:srgbClr val="000000"/>
+                </a:solidFill>
+                <a:latin typeface="맑은 고딕"/>
+                <a:ea typeface="맑은 고딕"/>
+                <a:cs typeface="맑은 고딕"/>
+              </a:defRPr>
+            </a:pPr>
+            <a:br/>
+            <a:r>
+              <a:rPr lang="ko" sz="900">
+                <a:latin typeface="맑은 고딕"/>
+                <a:ea typeface="맑은 고딕"/>
+                <a:cs typeface="맑은 고딕"/>
+              </a:rPr>
+              <a:t>MM</a:t>
+            </a:r>
+            <a:br/>
+            <a:r>
+              <a:rPr lang="ko" sz="900">
+                <a:latin typeface="맑은 고딕"/>
+                <a:ea typeface="맑은 고딕"/>
+                <a:cs typeface="맑은 고딕"/>
+              </a:rPr>
+              <a:t>김원기</a:t>
+            </a:r>
+          </a:p>
+        </p:txBody>
+      </p:sp>
+      <p:sp>
+        <p:nvSpPr>
+          <p:cNvPr id="1880105110" name="Text">
+    </p:cNvPr>
+          <p:cNvSpPr>
+            <a:spLocks noGrp="1"/>
+          </p:cNvSpPr>
+          <p:nvPr/>
+        </p:nvSpPr>
+        <p:spPr>
+          <a:xfrm rot="0">
+            <a:off x="762000" y="1689100"/>
+            <a:ext cx="3009900" cy="1524000"/>
+          </a:xfrm>
+          <a:prstGeom prst="rect">
+            <a:avLst/>
+          </a:prstGeom>
+          <a:ln w="12700">
+            <a:solidFill>
+              <a:srgbClr val="000000"/>
+            </a:solidFill>
+            <a:prstDash val="solid"/>
+          </a:ln>
+        </p:spPr>
+        <p:txBody>
+          <a:bodyPr wrap="square" lIns="0" tIns="0" rIns="0" bIns="0" rtlCol="0" anchor="t"/>
+          <a:lstStyle/>
+          <a:p>
+            <a:pPr algn="l">
+              <a:lnSpc>
+                <a:spcPct val="100%"/>
+              </a:lnSpc>
+              <a:defRPr sz="900">
+                <a:solidFill>
+                  <a:srgbClr val="000000"/>
+                </a:solidFill>
+                <a:latin typeface="맑은 고딕"/>
+                <a:ea typeface="맑은 고딕"/>
+                <a:cs typeface="맑은 고딕"/>
+              </a:defRPr>
+            </a:pPr>
+            <a:br/>
+            <a:r>
+              <a:rPr lang="ko" sz="900">
+                <a:latin typeface="맑은 고딕"/>
+                <a:ea typeface="맑은 고딕"/>
+                <a:cs typeface="맑은 고딕"/>
+              </a:rPr>
+              <a:t>- [FI]회계 자동승인대상 e-Pro 전표 추출 프로그램 </a:t>
+            </a:r>
+            <a:br/>
+            <a:r>
+              <a:rPr lang="ko" sz="900">
+                <a:latin typeface="맑은 고딕"/>
+                <a:ea typeface="맑은 고딕"/>
+                <a:cs typeface="맑은 고딕"/>
+              </a:rPr>
+              <a:t>개발요청</a:t>
+            </a:r>
+            <a:br/>
+            <a:r>
+              <a:rPr lang="ko" sz="900">
+                <a:latin typeface="맑은 고딕"/>
+                <a:ea typeface="맑은 고딕"/>
+                <a:cs typeface="맑은 고딕"/>
+              </a:rPr>
+              <a:t>- [MM]e-Pro 고도화 프로젝트 관련 ERP 수정 요청</a:t>
+            </a:r>
+            <a:br/>
+            <a:r>
+              <a:rPr lang="ko" sz="900">
+                <a:latin typeface="맑은 고딕"/>
+                <a:ea typeface="맑은 고딕"/>
+                <a:cs typeface="맑은 고딕"/>
+              </a:rPr>
+              <a:t>- [MM]WBS 필드 추가요청</a:t>
+            </a:r>
+          </a:p>
+        </p:txBody>
+      </p:sp>
+      <p:sp>
+        <p:nvSpPr>
+          <p:cNvPr id="1591140004" name="Text">
+    </p:cNvPr>
+          <p:cNvSpPr>
+            <a:spLocks noGrp="1"/>
+          </p:cNvSpPr>
+          <p:nvPr/>
+        </p:nvSpPr>
+        <p:spPr>
+          <a:xfrm rot="0">
+            <a:off x="4406900" y="1689100"/>
+            <a:ext cx="635000" cy="1524000"/>
+          </a:xfrm>
+          <a:prstGeom prst="rect">
+            <a:avLst/>
+          </a:prstGeom>
+          <a:ln w="12700">
+            <a:solidFill>
+              <a:srgbClr val="000000"/>
+            </a:solidFill>
+            <a:prstDash val="solid"/>
+          </a:ln>
+        </p:spPr>
+        <p:txBody>
+          <a:bodyPr wrap="square" lIns="0" tIns="0" rIns="0" bIns="0" rtlCol="0" anchor="t"/>
+          <a:lstStyle/>
+          <a:p>
+            <a:pPr algn="ctr">
+              <a:lnSpc>
+                <a:spcPct val="100%"/>
+              </a:lnSpc>
+              <a:defRPr sz="900">
+                <a:solidFill>
+                  <a:srgbClr val="000000"/>
+                </a:solidFill>
+                <a:latin typeface="맑은 고딕"/>
+                <a:ea typeface="맑은 고딕"/>
+                <a:cs typeface="맑은 고딕"/>
+              </a:defRPr>
+            </a:pPr>
+            <a:br/>
+            <a:r>
+              <a:rPr lang="ko" sz="900">
+                <a:latin typeface="맑은 고딕"/>
+                <a:ea typeface="맑은 고딕"/>
+                <a:cs typeface="맑은 고딕"/>
+              </a:rPr>
+              <a:t>01/31</a:t>
+            </a:r>
+            <a:br/>
+            <a:br/>
+            <a:r>
+              <a:rPr lang="ko" sz="900">
+                <a:latin typeface="맑은 고딕"/>
+                <a:ea typeface="맑은 고딕"/>
+                <a:cs typeface="맑은 고딕"/>
+              </a:rPr>
+              <a:t>02/28</a:t>
+            </a:r>
+            <a:br/>
+            <a:r>
+              <a:rPr lang="ko" sz="900">
+                <a:latin typeface="맑은 고딕"/>
+                <a:ea typeface="맑은 고딕"/>
+                <a:cs typeface="맑은 고딕"/>
+              </a:rPr>
+              <a:t>02/06</a:t>
+            </a:r>
+          </a:p>
+        </p:txBody>
+      </p:sp>
+      <p:sp>
+        <p:nvSpPr>
+          <p:cNvPr id="745866110" name="Text">
+    </p:cNvPr>
+          <p:cNvSpPr>
+            <a:spLocks noGrp="1"/>
+          </p:cNvSpPr>
+          <p:nvPr/>
+        </p:nvSpPr>
+        <p:spPr>
+          <a:xfrm rot="0">
+            <a:off x="5041900" y="1689100"/>
+            <a:ext cx="635000" cy="1524000"/>
+          </a:xfrm>
+          <a:prstGeom prst="rect">
+            <a:avLst/>
+          </a:prstGeom>
+          <a:ln w="12700">
+            <a:solidFill>
+              <a:srgbClr val="000000"/>
+            </a:solidFill>
+            <a:prstDash val="solid"/>
+          </a:ln>
+        </p:spPr>
+        <p:txBody>
+          <a:bodyPr wrap="square" lIns="0" tIns="0" rIns="0" bIns="0" rtlCol="0" anchor="t"/>
+          <a:lstStyle/>
+          <a:p>
+            <a:pPr algn="ctr">
+              <a:lnSpc>
+                <a:spcPct val="100%"/>
+              </a:lnSpc>
+              <a:defRPr sz="900">
+                <a:solidFill>
+                  <a:srgbClr val="000000"/>
+                </a:solidFill>
+                <a:latin typeface="맑은 고딕"/>
+                <a:ea typeface="맑은 고딕"/>
+                <a:cs typeface="맑은 고딕"/>
+              </a:defRPr>
+            </a:pPr>
+            <a:br/>
+            <a:r>
+              <a:rPr lang="ko" sz="900">
+                <a:latin typeface="맑은 고딕"/>
+                <a:ea typeface="맑은 고딕"/>
+                <a:cs typeface="맑은 고딕"/>
+              </a:rPr>
+              <a:t>70%</a:t>
+            </a:r>
+            <a:br/>
+            <a:br/>
+            <a:r>
+              <a:rPr lang="ko" sz="900">
+                <a:latin typeface="맑은 고딕"/>
+                <a:ea typeface="맑은 고딕"/>
+                <a:cs typeface="맑은 고딕"/>
+              </a:rPr>
+              <a:t>01/26</a:t>
+            </a:r>
+            <a:br/>
+            <a:r>
+              <a:rPr lang="ko" sz="900">
+                <a:latin typeface="맑은 고딕"/>
+                <a:ea typeface="맑은 고딕"/>
+                <a:cs typeface="맑은 고딕"/>
+              </a:rPr>
+              <a:t>60%</a:t>
+            </a:r>
+          </a:p>
+        </p:txBody>
+      </p:sp>
+      <p:sp>
+        <p:nvSpPr>
+          <p:cNvPr id="582843025" name="Text">
+    </p:cNvPr>
+          <p:cNvSpPr>
+            <a:spLocks noGrp="1"/>
+          </p:cNvSpPr>
+          <p:nvPr/>
+        </p:nvSpPr>
+        <p:spPr>
+          <a:xfrm rot="0">
+            <a:off x="3771900" y="1689100"/>
+            <a:ext cx="635000" cy="1524000"/>
+          </a:xfrm>
+          <a:prstGeom prst="rect">
+            <a:avLst/>
+          </a:prstGeom>
+          <a:ln w="12700">
+            <a:solidFill>
+              <a:srgbClr val="000000"/>
+            </a:solidFill>
+            <a:prstDash val="solid"/>
+          </a:ln>
+        </p:spPr>
+        <p:txBody>
+          <a:bodyPr wrap="square" lIns="0" tIns="0" rIns="0" bIns="0" rtlCol="0" anchor="t"/>
+          <a:lstStyle/>
+          <a:p>
+            <a:pPr algn="ctr">
+              <a:lnSpc>
+                <a:spcPct val="100%"/>
+              </a:lnSpc>
+              <a:defRPr sz="900">
+                <a:solidFill>
+                  <a:srgbClr val="000000"/>
+                </a:solidFill>
+                <a:latin typeface="맑은 고딕"/>
+                <a:ea typeface="맑은 고딕"/>
+                <a:cs typeface="맑은 고딕"/>
+              </a:defRPr>
+            </a:pPr>
+            <a:br/>
+            <a:r>
+              <a:rPr lang="ko" sz="900">
+                <a:latin typeface="맑은 고딕"/>
+                <a:ea typeface="맑은 고딕"/>
+                <a:cs typeface="맑은 고딕"/>
+              </a:rPr>
+              <a:t>12/16</a:t>
+            </a:r>
+            <a:br/>
+            <a:br/>
+            <a:r>
+              <a:rPr lang="ko" sz="900">
+                <a:latin typeface="맑은 고딕"/>
+                <a:ea typeface="맑은 고딕"/>
+                <a:cs typeface="맑은 고딕"/>
+              </a:rPr>
+              <a:t>01/11</a:t>
+            </a:r>
+            <a:br/>
+            <a:r>
+              <a:rPr lang="ko" sz="900">
+                <a:latin typeface="맑은 고딕"/>
+                <a:ea typeface="맑은 고딕"/>
+                <a:cs typeface="맑은 고딕"/>
+              </a:rPr>
+              <a:t>01/27</a:t>
+            </a:r>
+          </a:p>
+        </p:txBody>
+      </p:sp>
+      <p:sp>
+        <p:nvSpPr>
+          <p:cNvPr id="1406728896" name="Text">
+    </p:cNvPr>
+          <p:cNvSpPr>
+            <a:spLocks noGrp="1"/>
+          </p:cNvSpPr>
+          <p:nvPr/>
+        </p:nvSpPr>
+        <p:spPr>
+          <a:xfrm rot="0">
+            <a:off x="9867900" y="3251200"/>
+            <a:ext cx="635000" cy="1524000"/>
+          </a:xfrm>
+          <a:prstGeom prst="rect">
+            <a:avLst/>
+          </a:prstGeom>
+          <a:ln w="12700">
+            <a:solidFill>
+              <a:srgbClr val="000000"/>
+            </a:solidFill>
+            <a:prstDash val="solid"/>
+          </a:ln>
+        </p:spPr>
+        <p:txBody>
+          <a:bodyPr wrap="square" lIns="0" tIns="0" rIns="0" bIns="0" rtlCol="0" anchor="t"/>
+          <a:lstStyle/>
+          <a:p>
+            <a:pPr algn="ctr">
+              <a:lnSpc>
+                <a:spcPct val="100%"/>
+              </a:lnSpc>
+              <a:defRPr sz="900">
+                <a:solidFill>
+                  <a:srgbClr val="000000"/>
+                </a:solidFill>
+                <a:latin typeface="맑은 고딕"/>
+                <a:ea typeface="맑은 고딕"/>
+                <a:cs typeface="맑은 고딕"/>
+              </a:defRPr>
+            </a:pPr>
+            <a:br/>
+            <a:r>
+              <a:rPr lang="ko" sz="900">
+                <a:latin typeface="맑은 고딕"/>
+                <a:ea typeface="맑은 고딕"/>
+                <a:cs typeface="맑은 고딕"/>
+              </a:rPr>
+              <a:t>02/28</a:t>
+            </a:r>
+            <a:br/>
+            <a:br/>
+            <a:r>
+              <a:rPr lang="ko" sz="900">
+                <a:latin typeface="맑은 고딕"/>
+                <a:ea typeface="맑은 고딕"/>
+                <a:cs typeface="맑은 고딕"/>
+              </a:rPr>
+              <a:t>01/30</a:t>
+            </a:r>
+          </a:p>
+        </p:txBody>
+      </p:sp>
+      <p:sp>
+        <p:nvSpPr>
+          <p:cNvPr id="991112673" name="Text">
+    </p:cNvPr>
+          <p:cNvSpPr>
+            <a:spLocks noGrp="1"/>
+          </p:cNvSpPr>
+          <p:nvPr/>
+        </p:nvSpPr>
+        <p:spPr>
+          <a:xfrm rot="0">
+            <a:off x="9232900" y="3251200"/>
+            <a:ext cx="635000" cy="1524000"/>
+          </a:xfrm>
+          <a:prstGeom prst="rect">
+            <a:avLst/>
+          </a:prstGeom>
+          <a:ln w="12700">
+            <a:solidFill>
+              <a:srgbClr val="000000"/>
+            </a:solidFill>
+            <a:prstDash val="solid"/>
+          </a:ln>
+        </p:spPr>
+        <p:txBody>
+          <a:bodyPr wrap="square" lIns="0" tIns="0" rIns="0" bIns="0" rtlCol="0" anchor="t"/>
+          <a:lstStyle/>
+          <a:p>
+            <a:pPr algn="ctr">
+              <a:lnSpc>
+                <a:spcPct val="100%"/>
+              </a:lnSpc>
+              <a:defRPr sz="900">
+                <a:solidFill>
+                  <a:srgbClr val="000000"/>
+                </a:solidFill>
+                <a:latin typeface="맑은 고딕"/>
+                <a:ea typeface="맑은 고딕"/>
+                <a:cs typeface="맑은 고딕"/>
+              </a:defRPr>
+            </a:pPr>
+            <a:br/>
+            <a:r>
+              <a:rPr lang="ko" sz="900">
+                <a:latin typeface="맑은 고딕"/>
+                <a:ea typeface="맑은 고딕"/>
+                <a:cs typeface="맑은 고딕"/>
+              </a:rPr>
+              <a:t>11/22</a:t>
+            </a:r>
+            <a:br/>
+            <a:br/>
+            <a:r>
+              <a:rPr lang="ko" sz="900">
+                <a:latin typeface="맑은 고딕"/>
+                <a:ea typeface="맑은 고딕"/>
+                <a:cs typeface="맑은 고딕"/>
+              </a:rPr>
+              <a:t>01/27</a:t>
+            </a:r>
+          </a:p>
+        </p:txBody>
+      </p:sp>
+      <p:sp>
+        <p:nvSpPr>
+          <p:cNvPr id="1073325838" name="Text">
+    </p:cNvPr>
+          <p:cNvSpPr>
+            <a:spLocks noGrp="1"/>
+          </p:cNvSpPr>
+          <p:nvPr/>
+        </p:nvSpPr>
+        <p:spPr>
+          <a:xfrm rot="0">
+            <a:off x="6388100" y="3251200"/>
+            <a:ext cx="2844800" cy="1524000"/>
+          </a:xfrm>
+          <a:prstGeom prst="rect">
+            <a:avLst/>
+          </a:prstGeom>
+          <a:ln w="12700">
+            <a:solidFill>
+              <a:srgbClr val="000000"/>
+            </a:solidFill>
+            <a:prstDash val="solid"/>
+          </a:ln>
+        </p:spPr>
+        <p:txBody>
+          <a:bodyPr wrap="square" lIns="0" tIns="0" rIns="0" bIns="0" rtlCol="0" anchor="t"/>
+          <a:lstStyle/>
+          <a:p>
+            <a:pPr algn="l">
+              <a:lnSpc>
+                <a:spcPct val="100%"/>
+              </a:lnSpc>
+              <a:defRPr sz="900">
+                <a:solidFill>
+                  <a:srgbClr val="000000"/>
+                </a:solidFill>
+                <a:latin typeface="맑은 고딕"/>
+                <a:ea typeface="맑은 고딕"/>
+                <a:cs typeface="맑은 고딕"/>
+              </a:defRPr>
+            </a:pPr>
+            <a:br/>
+            <a:r>
+              <a:rPr lang="ko" sz="900">
+                <a:latin typeface="맑은 고딕"/>
+                <a:ea typeface="맑은 고딕"/>
+                <a:cs typeface="맑은 고딕"/>
+              </a:rPr>
+              <a:t>- [HR] 지방사업장 중식비, 조식비, 교통비 신청서 개발 </a:t>
+            </a:r>
+            <a:br/>
+            <a:r>
+              <a:rPr lang="ko" sz="900">
+                <a:latin typeface="맑은 고딕"/>
+                <a:ea typeface="맑은 고딕"/>
+                <a:cs typeface="맑은 고딕"/>
+              </a:rPr>
+              <a:t>요청</a:t>
+            </a:r>
+            <a:br/>
+            <a:r>
+              <a:rPr lang="ko" sz="900">
+                <a:latin typeface="맑은 고딕"/>
+                <a:ea typeface="맑은 고딕"/>
+                <a:cs typeface="맑은 고딕"/>
+              </a:rPr>
+              <a:t>- [HR] 의료비 신청건 반려시 안내메일 발송</a:t>
+            </a:r>
+          </a:p>
+        </p:txBody>
+      </p:sp>
+      <p:sp>
+        <p:nvSpPr>
+          <p:cNvPr id="1985559442" name="Text">
+    </p:cNvPr>
+          <p:cNvSpPr>
+            <a:spLocks noGrp="1"/>
+          </p:cNvSpPr>
+          <p:nvPr/>
+        </p:nvSpPr>
+        <p:spPr>
+          <a:xfrm rot="0">
+            <a:off x="5753100" y="3251200"/>
+            <a:ext cx="635000" cy="1524000"/>
+          </a:xfrm>
+          <a:prstGeom prst="rect">
+            <a:avLst/>
+          </a:prstGeom>
+          <a:ln w="12700">
+            <a:solidFill>
+              <a:srgbClr val="000000"/>
+            </a:solidFill>
+            <a:prstDash val="solid"/>
+          </a:ln>
+        </p:spPr>
+        <p:txBody>
+          <a:bodyPr wrap="square" lIns="0" tIns="0" rIns="0" bIns="0" rtlCol="0" anchor="t"/>
+          <a:lstStyle/>
+          <a:p>
+            <a:pPr algn="ctr">
+              <a:lnSpc>
+                <a:spcPct val="100%"/>
+              </a:lnSpc>
+              <a:defRPr sz="900">
+                <a:solidFill>
+                  <a:srgbClr val="000000"/>
+                </a:solidFill>
+                <a:latin typeface="맑은 고딕"/>
+                <a:ea typeface="맑은 고딕"/>
+                <a:cs typeface="맑은 고딕"/>
+              </a:defRPr>
+            </a:pPr>
+            <a:br/>
+            <a:r>
+              <a:rPr lang="ko" sz="900">
+                <a:latin typeface="맑은 고딕"/>
+                <a:ea typeface="맑은 고딕"/>
+                <a:cs typeface="맑은 고딕"/>
+              </a:rPr>
+              <a:t>HR</a:t>
+            </a:r>
+            <a:br/>
+            <a:r>
+              <a:rPr lang="ko" sz="900">
+                <a:latin typeface="맑은 고딕"/>
+                <a:ea typeface="맑은 고딕"/>
+                <a:cs typeface="맑은 고딕"/>
+              </a:rPr>
+              <a:t>/HCM</a:t>
+            </a:r>
+            <a:br/>
+            <a:r>
+              <a:rPr lang="ko" sz="900">
+                <a:latin typeface="맑은 고딕"/>
+                <a:ea typeface="맑은 고딕"/>
+                <a:cs typeface="맑은 고딕"/>
+              </a:rPr>
+              <a:t>/Fiori</a:t>
+            </a:r>
+            <a:br/>
+            <a:r>
+              <a:rPr lang="ko" sz="900">
+                <a:latin typeface="맑은 고딕"/>
+                <a:ea typeface="맑은 고딕"/>
+                <a:cs typeface="맑은 고딕"/>
+              </a:rPr>
+              <a:t>김예린</a:t>
+            </a:r>
+          </a:p>
+        </p:txBody>
+      </p:sp>
+      <p:sp>
+        <p:nvSpPr>
+          <p:cNvPr id="1657000291" name="Text">
+    </p:cNvPr>
+          <p:cNvSpPr>
+            <a:spLocks noGrp="1"/>
+          </p:cNvSpPr>
+          <p:nvPr/>
+        </p:nvSpPr>
+        <p:spPr>
+          <a:xfrm rot="0">
+            <a:off x="165100" y="3251200"/>
+            <a:ext cx="596900" cy="1524000"/>
+          </a:xfrm>
+          <a:prstGeom prst="rect">
+            <a:avLst/>
+          </a:prstGeom>
+          <a:ln w="12700">
+            <a:solidFill>
+              <a:srgbClr val="000000"/>
+            </a:solidFill>
+            <a:prstDash val="solid"/>
+          </a:ln>
+        </p:spPr>
+        <p:txBody>
+          <a:bodyPr wrap="square" lIns="0" tIns="0" rIns="0" bIns="0" rtlCol="0" anchor="t"/>
+          <a:lstStyle/>
+          <a:p>
+            <a:pPr algn="ctr">
+              <a:lnSpc>
+                <a:spcPct val="100%"/>
+              </a:lnSpc>
+              <a:defRPr sz="900">
+                <a:solidFill>
+                  <a:srgbClr val="000000"/>
+                </a:solidFill>
+                <a:latin typeface="맑은 고딕"/>
+                <a:ea typeface="맑은 고딕"/>
+                <a:cs typeface="맑은 고딕"/>
+              </a:defRPr>
+            </a:pPr>
+            <a:br/>
+            <a:r>
+              <a:rPr lang="ko" sz="900">
+                <a:latin typeface="맑은 고딕"/>
+                <a:ea typeface="맑은 고딕"/>
+                <a:cs typeface="맑은 고딕"/>
+              </a:rPr>
+              <a:t>HR</a:t>
+            </a:r>
+            <a:br/>
+            <a:r>
+              <a:rPr lang="ko" sz="900">
+                <a:latin typeface="맑은 고딕"/>
+                <a:ea typeface="맑은 고딕"/>
+                <a:cs typeface="맑은 고딕"/>
+              </a:rPr>
+              <a:t>/HCM</a:t>
+            </a:r>
+            <a:br/>
+            <a:r>
+              <a:rPr lang="ko" sz="900">
+                <a:latin typeface="맑은 고딕"/>
+                <a:ea typeface="맑은 고딕"/>
+                <a:cs typeface="맑은 고딕"/>
+              </a:rPr>
+              <a:t>/Fiori</a:t>
+            </a:r>
+            <a:br/>
+            <a:r>
+              <a:rPr lang="ko" sz="900">
+                <a:latin typeface="맑은 고딕"/>
+                <a:ea typeface="맑은 고딕"/>
+                <a:cs typeface="맑은 고딕"/>
+              </a:rPr>
+              <a:t>김예린</a:t>
+            </a:r>
+          </a:p>
+        </p:txBody>
+      </p:sp>
+      <p:sp>
+        <p:nvSpPr>
+          <p:cNvPr id="1084065023" name="Text">
+    </p:cNvPr>
+          <p:cNvSpPr>
+            <a:spLocks noGrp="1"/>
+          </p:cNvSpPr>
+          <p:nvPr/>
+        </p:nvSpPr>
+        <p:spPr>
+          <a:xfrm rot="0">
+            <a:off x="762000" y="3251200"/>
+            <a:ext cx="3009900" cy="1524000"/>
+          </a:xfrm>
+          <a:prstGeom prst="rect">
+            <a:avLst/>
+          </a:prstGeom>
+          <a:ln w="12700">
+            <a:solidFill>
+              <a:srgbClr val="000000"/>
+            </a:solidFill>
+            <a:prstDash val="solid"/>
+          </a:ln>
+        </p:spPr>
+        <p:txBody>
+          <a:bodyPr wrap="square" lIns="0" tIns="0" rIns="0" bIns="0" rtlCol="0" anchor="t"/>
+          <a:lstStyle/>
+          <a:p>
+            <a:pPr algn="l">
+              <a:lnSpc>
+                <a:spcPct val="100%"/>
+              </a:lnSpc>
+              <a:defRPr sz="900">
+                <a:solidFill>
+                  <a:srgbClr val="000000"/>
+                </a:solidFill>
+                <a:latin typeface="맑은 고딕"/>
+                <a:ea typeface="맑은 고딕"/>
+                <a:cs typeface="맑은 고딕"/>
+              </a:defRPr>
+            </a:pPr>
+            <a:br/>
+            <a:r>
+              <a:rPr lang="ko" sz="900">
+                <a:latin typeface="맑은 고딕"/>
+                <a:ea typeface="맑은 고딕"/>
+                <a:cs typeface="맑은 고딕"/>
+              </a:rPr>
+              <a:t>- [HR] 엔지니어 특근계획서 전산화</a:t>
+            </a:r>
+            <a:br/>
+            <a:r>
+              <a:rPr lang="ko" sz="900">
+                <a:latin typeface="맑은 고딕"/>
+                <a:ea typeface="맑은 고딕"/>
+                <a:cs typeface="맑은 고딕"/>
+              </a:rPr>
+              <a:t>- [HR] 문서 수신 담당자 변경 요청</a:t>
+            </a:r>
+            <a:br/>
+            <a:r>
+              <a:rPr lang="ko" sz="900">
+                <a:latin typeface="맑은 고딕"/>
+                <a:ea typeface="맑은 고딕"/>
+                <a:cs typeface="맑은 고딕"/>
+              </a:rPr>
+              <a:t>- [HR] 변동공제 조회(사유발생자)' 조회시 급여공제액 </a:t>
+            </a:r>
+            <a:br/>
+            <a:r>
+              <a:rPr lang="ko" sz="900">
+                <a:latin typeface="맑은 고딕"/>
+                <a:ea typeface="맑은 고딕"/>
+                <a:cs typeface="맑은 고딕"/>
+              </a:rPr>
+              <a:t>합계 표시 되도록 수정</a:t>
+            </a:r>
+            <a:br/>
+            <a:r>
+              <a:rPr lang="ko" sz="900">
+                <a:latin typeface="맑은 고딕"/>
+                <a:ea typeface="맑은 고딕"/>
+                <a:cs typeface="맑은 고딕"/>
+              </a:rPr>
+              <a:t>- [HR] 경조금 신청서 관련 개발 요청의 건(경조금(과세)) </a:t>
+            </a:r>
+            <a:br/>
+            <a:r>
+              <a:rPr lang="ko" sz="900">
+                <a:latin typeface="맑은 고딕"/>
+                <a:ea typeface="맑은 고딕"/>
+                <a:cs typeface="맑은 고딕"/>
+              </a:rPr>
+              <a:t>임금유형 추가</a:t>
+            </a:r>
+            <a:br/>
+            <a:r>
+              <a:rPr lang="ko" sz="900">
+                <a:latin typeface="맑은 고딕"/>
+                <a:ea typeface="맑은 고딕"/>
+                <a:cs typeface="맑은 고딕"/>
+              </a:rPr>
+              <a:t>- [HR] 고정공제 신청시 인당 공제금액 제한 요청</a:t>
+            </a:r>
+            <a:br/>
+            <a:r>
+              <a:rPr lang="ko" sz="900">
+                <a:latin typeface="맑은 고딕"/>
+                <a:ea typeface="맑은 고딕"/>
+                <a:cs typeface="맑은 고딕"/>
+              </a:rPr>
+              <a:t>- [HR] HCM 생산직 평가 관련 WEB 수정사항</a:t>
+            </a:r>
+            <a:br/>
+            <a:r>
+              <a:rPr lang="ko" sz="900">
+                <a:latin typeface="맑은 고딕"/>
+                <a:ea typeface="맑은 고딕"/>
+                <a:cs typeface="맑은 고딕"/>
+              </a:rPr>
+              <a:t>- [HR] 의료비 신청건 반려시 안내메일 발송</a:t>
+            </a:r>
+          </a:p>
+        </p:txBody>
+      </p:sp>
+      <p:sp>
+        <p:nvSpPr>
+          <p:cNvPr id="850303541" name="Text">
+    </p:cNvPr>
+          <p:cNvSpPr>
+            <a:spLocks noGrp="1"/>
+          </p:cNvSpPr>
+          <p:nvPr/>
+        </p:nvSpPr>
+        <p:spPr>
+          <a:xfrm rot="0">
+            <a:off x="4406900" y="3251200"/>
+            <a:ext cx="635000" cy="1524000"/>
+          </a:xfrm>
+          <a:prstGeom prst="rect">
+            <a:avLst/>
+          </a:prstGeom>
+          <a:ln w="12700">
+            <a:solidFill>
+              <a:srgbClr val="000000"/>
+            </a:solidFill>
+            <a:prstDash val="solid"/>
+          </a:ln>
+        </p:spPr>
+        <p:txBody>
+          <a:bodyPr wrap="square" lIns="0" tIns="0" rIns="0" bIns="0" rtlCol="0" anchor="t"/>
+          <a:lstStyle/>
+          <a:p>
+            <a:pPr algn="ctr">
+              <a:lnSpc>
+                <a:spcPct val="100%"/>
+              </a:lnSpc>
+              <a:defRPr sz="900">
+                <a:solidFill>
+                  <a:srgbClr val="000000"/>
+                </a:solidFill>
+                <a:latin typeface="맑은 고딕"/>
+                <a:ea typeface="맑은 고딕"/>
+                <a:cs typeface="맑은 고딕"/>
+              </a:defRPr>
+            </a:pPr>
+            <a:br/>
+            <a:r>
+              <a:rPr lang="ko" sz="900">
+                <a:latin typeface="맑은 고딕"/>
+                <a:ea typeface="맑은 고딕"/>
+                <a:cs typeface="맑은 고딕"/>
+              </a:rPr>
+              <a:t>01/31</a:t>
+            </a:r>
+            <a:br/>
+            <a:r>
+              <a:rPr lang="ko" sz="900">
+                <a:latin typeface="맑은 고딕"/>
+                <a:ea typeface="맑은 고딕"/>
+                <a:cs typeface="맑은 고딕"/>
+              </a:rPr>
+              <a:t>01/26</a:t>
+            </a:r>
+            <a:br/>
+            <a:r>
+              <a:rPr lang="ko" sz="900">
+                <a:latin typeface="맑은 고딕"/>
+                <a:ea typeface="맑은 고딕"/>
+                <a:cs typeface="맑은 고딕"/>
+              </a:rPr>
+              <a:t>01/26</a:t>
+            </a:r>
+            <a:br/>
+            <a:br/>
+            <a:r>
+              <a:rPr lang="ko" sz="900">
+                <a:latin typeface="맑은 고딕"/>
+                <a:ea typeface="맑은 고딕"/>
+                <a:cs typeface="맑은 고딕"/>
+              </a:rPr>
+              <a:t>01/26</a:t>
+            </a:r>
+            <a:br/>
+            <a:br/>
+            <a:r>
+              <a:rPr lang="ko" sz="900">
+                <a:latin typeface="맑은 고딕"/>
+                <a:ea typeface="맑은 고딕"/>
+                <a:cs typeface="맑은 고딕"/>
+              </a:rPr>
+              <a:t>01/25</a:t>
+            </a:r>
+            <a:br/>
+            <a:r>
+              <a:rPr lang="ko" sz="900">
+                <a:latin typeface="맑은 고딕"/>
+                <a:ea typeface="맑은 고딕"/>
+                <a:cs typeface="맑은 고딕"/>
+              </a:rPr>
+              <a:t>01/27</a:t>
+            </a:r>
+            <a:br/>
+            <a:r>
+              <a:rPr lang="ko" sz="900">
+                <a:latin typeface="맑은 고딕"/>
+                <a:ea typeface="맑은 고딕"/>
+                <a:cs typeface="맑은 고딕"/>
+              </a:rPr>
+              <a:t>01/30</a:t>
+            </a:r>
+          </a:p>
+        </p:txBody>
+      </p:sp>
+      <p:sp>
+        <p:nvSpPr>
+          <p:cNvPr id="219456089" name="Text">
+    </p:cNvPr>
+          <p:cNvSpPr>
+            <a:spLocks noGrp="1"/>
+          </p:cNvSpPr>
+          <p:nvPr/>
+        </p:nvSpPr>
+        <p:spPr>
+          <a:xfrm rot="0">
+            <a:off x="5041900" y="3251200"/>
+            <a:ext cx="635000" cy="1524000"/>
+          </a:xfrm>
+          <a:prstGeom prst="rect">
+            <a:avLst/>
+          </a:prstGeom>
+          <a:ln w="12700">
+            <a:solidFill>
+              <a:srgbClr val="000000"/>
+            </a:solidFill>
+            <a:prstDash val="solid"/>
+          </a:ln>
+        </p:spPr>
+        <p:txBody>
+          <a:bodyPr wrap="square" lIns="0" tIns="0" rIns="0" bIns="0" rtlCol="0" anchor="t"/>
+          <a:lstStyle/>
+          <a:p>
+            <a:pPr algn="ctr">
+              <a:lnSpc>
+                <a:spcPct val="100%"/>
+              </a:lnSpc>
+              <a:defRPr sz="900">
+                <a:solidFill>
+                  <a:srgbClr val="000000"/>
+                </a:solidFill>
+                <a:latin typeface="맑은 고딕"/>
+                <a:ea typeface="맑은 고딕"/>
+                <a:cs typeface="맑은 고딕"/>
+              </a:defRPr>
+            </a:pPr>
+            <a:br/>
+            <a:r>
+              <a:rPr lang="ko" sz="900">
+                <a:latin typeface="맑은 고딕"/>
+                <a:ea typeface="맑은 고딕"/>
+                <a:cs typeface="맑은 고딕"/>
+              </a:rPr>
+              <a:t>100%</a:t>
+            </a:r>
+            <a:br/>
+            <a:r>
+              <a:rPr lang="ko" sz="900">
+                <a:latin typeface="맑은 고딕"/>
+                <a:ea typeface="맑은 고딕"/>
+                <a:cs typeface="맑은 고딕"/>
+              </a:rPr>
+              <a:t>100%</a:t>
+            </a:r>
+            <a:br/>
+            <a:r>
+              <a:rPr lang="ko" sz="900">
+                <a:latin typeface="맑은 고딕"/>
+                <a:ea typeface="맑은 고딕"/>
+                <a:cs typeface="맑은 고딕"/>
+              </a:rPr>
+              <a:t>100%</a:t>
+            </a:r>
+            <a:br/>
+            <a:br/>
+            <a:r>
+              <a:rPr lang="ko" sz="900">
+                <a:latin typeface="맑은 고딕"/>
+                <a:ea typeface="맑은 고딕"/>
+                <a:cs typeface="맑은 고딕"/>
+              </a:rPr>
+              <a:t>100%</a:t>
+            </a:r>
+            <a:br/>
+            <a:br/>
+            <a:r>
+              <a:rPr lang="ko" sz="900">
+                <a:latin typeface="맑은 고딕"/>
+                <a:ea typeface="맑은 고딕"/>
+                <a:cs typeface="맑은 고딕"/>
+              </a:rPr>
+              <a:t>100%</a:t>
+            </a:r>
+            <a:br/>
+            <a:r>
+              <a:rPr lang="ko" sz="900">
+                <a:latin typeface="맑은 고딕"/>
+                <a:ea typeface="맑은 고딕"/>
+                <a:cs typeface="맑은 고딕"/>
+              </a:rPr>
+              <a:t>100%</a:t>
+            </a:r>
+            <a:br/>
+            <a:r>
+              <a:rPr lang="ko" sz="900">
+                <a:latin typeface="맑은 고딕"/>
+                <a:ea typeface="맑은 고딕"/>
+                <a:cs typeface="맑은 고딕"/>
+              </a:rPr>
+              <a:t>50%</a:t>
+            </a:r>
+          </a:p>
+        </p:txBody>
+      </p:sp>
+      <p:sp>
+        <p:nvSpPr>
+          <p:cNvPr id="1897935441" name="Text">
+    </p:cNvPr>
+          <p:cNvSpPr>
+            <a:spLocks noGrp="1"/>
+          </p:cNvSpPr>
+          <p:nvPr/>
+        </p:nvSpPr>
+        <p:spPr>
+          <a:xfrm rot="0">
+            <a:off x="3771900" y="3251200"/>
+            <a:ext cx="635000" cy="1524000"/>
+          </a:xfrm>
+          <a:prstGeom prst="rect">
+            <a:avLst/>
+          </a:prstGeom>
+          <a:ln w="12700">
+            <a:solidFill>
+              <a:srgbClr val="000000"/>
+            </a:solidFill>
+            <a:prstDash val="solid"/>
+          </a:ln>
+        </p:spPr>
+        <p:txBody>
+          <a:bodyPr wrap="square" lIns="0" tIns="0" rIns="0" bIns="0" rtlCol="0" anchor="t"/>
+          <a:lstStyle/>
+          <a:p>
+            <a:pPr algn="ctr">
+              <a:lnSpc>
+                <a:spcPct val="100%"/>
+              </a:lnSpc>
+              <a:defRPr sz="900">
+                <a:solidFill>
+                  <a:srgbClr val="000000"/>
+                </a:solidFill>
+                <a:latin typeface="맑은 고딕"/>
+                <a:ea typeface="맑은 고딕"/>
+                <a:cs typeface="맑은 고딕"/>
+              </a:defRPr>
+            </a:pPr>
+            <a:br/>
+            <a:r>
+              <a:rPr lang="ko" sz="900">
+                <a:latin typeface="맑은 고딕"/>
+                <a:ea typeface="맑은 고딕"/>
+                <a:cs typeface="맑은 고딕"/>
+              </a:rPr>
+              <a:t>11/22</a:t>
+            </a:r>
+            <a:br/>
+            <a:r>
+              <a:rPr lang="ko" sz="900">
+                <a:latin typeface="맑은 고딕"/>
+                <a:ea typeface="맑은 고딕"/>
+                <a:cs typeface="맑은 고딕"/>
+              </a:rPr>
+              <a:t>01/26</a:t>
+            </a:r>
+            <a:br/>
+            <a:r>
+              <a:rPr lang="ko" sz="900">
+                <a:latin typeface="맑은 고딕"/>
+                <a:ea typeface="맑은 고딕"/>
+                <a:cs typeface="맑은 고딕"/>
+              </a:rPr>
+              <a:t>01/25</a:t>
+            </a:r>
+            <a:br/>
+            <a:br/>
+            <a:r>
+              <a:rPr lang="ko" sz="900">
+                <a:latin typeface="맑은 고딕"/>
+                <a:ea typeface="맑은 고딕"/>
+                <a:cs typeface="맑은 고딕"/>
+              </a:rPr>
+              <a:t>01/18</a:t>
+            </a:r>
+            <a:br/>
+            <a:br/>
+            <a:r>
+              <a:rPr lang="ko" sz="900">
+                <a:latin typeface="맑은 고딕"/>
+                <a:ea typeface="맑은 고딕"/>
+                <a:cs typeface="맑은 고딕"/>
+              </a:rPr>
+              <a:t>01/20</a:t>
+            </a:r>
+            <a:br/>
+            <a:r>
+              <a:rPr lang="ko" sz="900">
+                <a:latin typeface="맑은 고딕"/>
+                <a:ea typeface="맑은 고딕"/>
+                <a:cs typeface="맑은 고딕"/>
+              </a:rPr>
+              <a:t>01/26</a:t>
+            </a:r>
+            <a:br/>
+            <a:r>
+              <a:rPr lang="ko" sz="900">
+                <a:latin typeface="맑은 고딕"/>
+                <a:ea typeface="맑은 고딕"/>
+                <a:cs typeface="맑은 고딕"/>
+              </a:rPr>
+              <a:t>01/27</a:t>
+            </a:r>
+          </a:p>
+        </p:txBody>
+      </p:sp>
+      <p:sp>
+        <p:nvSpPr>
+          <p:cNvPr id="1563880182" name="Text">
+    </p:cNvPr>
+          <p:cNvSpPr>
+            <a:spLocks noGrp="1"/>
+          </p:cNvSpPr>
+          <p:nvPr/>
+        </p:nvSpPr>
+        <p:spPr>
+          <a:xfrm rot="0">
+            <a:off x="9867900" y="4813300"/>
+            <a:ext cx="635000" cy="1524000"/>
+          </a:xfrm>
+          <a:prstGeom prst="rect">
+            <a:avLst/>
+          </a:prstGeom>
+          <a:ln w="12700">
+            <a:solidFill>
+              <a:srgbClr val="000000"/>
+            </a:solidFill>
+            <a:prstDash val="solid"/>
+          </a:ln>
+        </p:spPr>
+        <p:txBody>
+          <a:bodyPr wrap="square" lIns="0" tIns="0" rIns="0" bIns="0" rtlCol="0" anchor="t"/>
+          <a:lstStyle/>
+          <a:p>
+            <a:pPr algn="ctr">
+              <a:lnSpc>
+                <a:spcPct val="100%"/>
+              </a:lnSpc>
+              <a:defRPr sz="900">
+                <a:solidFill>
+                  <a:srgbClr val="000000"/>
+                </a:solidFill>
+                <a:latin typeface="맑은 고딕"/>
+                <a:ea typeface="맑은 고딕"/>
+                <a:cs typeface="맑은 고딕"/>
+              </a:defRPr>
+            </a:pPr>
+            <a:br/>
+            <a:r>
+              <a:rPr lang="ko" sz="900">
+                <a:latin typeface="맑은 고딕"/>
+                <a:ea typeface="맑은 고딕"/>
+                <a:cs typeface="맑은 고딕"/>
+              </a:rPr>
+              <a:t>02/10</a:t>
+            </a:r>
+            <a:br/>
+            <a:r>
+              <a:rPr lang="ko" sz="900">
+                <a:latin typeface="맑은 고딕"/>
+                <a:ea typeface="맑은 고딕"/>
+                <a:cs typeface="맑은 고딕"/>
+              </a:rPr>
+              <a:t>01/27</a:t>
+            </a:r>
+            <a:br/>
+            <a:r>
+              <a:rPr lang="ko" sz="900">
+                <a:latin typeface="맑은 고딕"/>
+                <a:ea typeface="맑은 고딕"/>
+                <a:cs typeface="맑은 고딕"/>
+              </a:rPr>
+              <a:t>01/31</a:t>
+            </a:r>
+            <a:br/>
+            <a:r>
+              <a:rPr lang="ko" sz="900">
+                <a:latin typeface="맑은 고딕"/>
+                <a:ea typeface="맑은 고딕"/>
+                <a:cs typeface="맑은 고딕"/>
+              </a:rPr>
+              <a:t>01/27</a:t>
+            </a:r>
+          </a:p>
+        </p:txBody>
+      </p:sp>
+      <p:sp>
+        <p:nvSpPr>
+          <p:cNvPr id="462400599" name="Text">
+    </p:cNvPr>
+          <p:cNvSpPr>
+            <a:spLocks noGrp="1"/>
+          </p:cNvSpPr>
+          <p:nvPr/>
+        </p:nvSpPr>
+        <p:spPr>
+          <a:xfrm rot="0">
+            <a:off x="9232900" y="4813300"/>
+            <a:ext cx="635000" cy="1524000"/>
+          </a:xfrm>
+          <a:prstGeom prst="rect">
+            <a:avLst/>
+          </a:prstGeom>
+          <a:ln w="12700">
+            <a:solidFill>
+              <a:srgbClr val="000000"/>
+            </a:solidFill>
+            <a:prstDash val="solid"/>
+          </a:ln>
+        </p:spPr>
+        <p:txBody>
+          <a:bodyPr wrap="square" lIns="0" tIns="0" rIns="0" bIns="0" rtlCol="0" anchor="t"/>
+          <a:lstStyle/>
+          <a:p>
+            <a:pPr algn="ctr">
+              <a:lnSpc>
+                <a:spcPct val="100%"/>
+              </a:lnSpc>
+              <a:defRPr sz="900">
+                <a:solidFill>
+                  <a:srgbClr val="000000"/>
+                </a:solidFill>
+                <a:latin typeface="맑은 고딕"/>
+                <a:ea typeface="맑은 고딕"/>
+                <a:cs typeface="맑은 고딕"/>
+              </a:defRPr>
+            </a:pPr>
+            <a:br/>
+            <a:r>
+              <a:rPr lang="ko" sz="900">
+                <a:latin typeface="맑은 고딕"/>
+                <a:ea typeface="맑은 고딕"/>
+                <a:cs typeface="맑은 고딕"/>
+              </a:rPr>
+              <a:t>07/21</a:t>
+            </a:r>
+            <a:br/>
+            <a:r>
+              <a:rPr lang="ko" sz="900">
+                <a:latin typeface="맑은 고딕"/>
+                <a:ea typeface="맑은 고딕"/>
+                <a:cs typeface="맑은 고딕"/>
+              </a:rPr>
+              <a:t>10/25</a:t>
+            </a:r>
+            <a:br/>
+            <a:r>
+              <a:rPr lang="ko" sz="900">
+                <a:latin typeface="맑은 고딕"/>
+                <a:ea typeface="맑은 고딕"/>
+                <a:cs typeface="맑은 고딕"/>
+              </a:rPr>
+              <a:t>01/11</a:t>
+            </a:r>
+            <a:br/>
+            <a:r>
+              <a:rPr lang="ko" sz="900">
+                <a:latin typeface="맑은 고딕"/>
+                <a:ea typeface="맑은 고딕"/>
+                <a:cs typeface="맑은 고딕"/>
+              </a:rPr>
+              <a:t>01/25</a:t>
+            </a:r>
+          </a:p>
+        </p:txBody>
+      </p:sp>
+      <p:sp>
+        <p:nvSpPr>
+          <p:cNvPr id="866243349" name="Text">
+    </p:cNvPr>
+          <p:cNvSpPr>
+            <a:spLocks noGrp="1"/>
+          </p:cNvSpPr>
+          <p:nvPr/>
+        </p:nvSpPr>
+        <p:spPr>
+          <a:xfrm rot="0">
+            <a:off x="6388100" y="4813300"/>
+            <a:ext cx="2844800" cy="1524000"/>
+          </a:xfrm>
+          <a:prstGeom prst="rect">
+            <a:avLst/>
+          </a:prstGeom>
+          <a:ln w="12700">
+            <a:solidFill>
+              <a:srgbClr val="000000"/>
+            </a:solidFill>
+            <a:prstDash val="solid"/>
+          </a:ln>
+        </p:spPr>
+        <p:txBody>
+          <a:bodyPr wrap="square" lIns="0" tIns="0" rIns="0" bIns="0" rtlCol="0" anchor="t"/>
+          <a:lstStyle/>
+          <a:p>
+            <a:pPr algn="l">
+              <a:lnSpc>
+                <a:spcPct val="100%"/>
+              </a:lnSpc>
+              <a:defRPr sz="900">
+                <a:solidFill>
+                  <a:srgbClr val="000000"/>
+                </a:solidFill>
+                <a:latin typeface="맑은 고딕"/>
+                <a:ea typeface="맑은 고딕"/>
+                <a:cs typeface="맑은 고딕"/>
+              </a:defRPr>
+            </a:pPr>
+            <a:br/>
+            <a:r>
+              <a:rPr lang="ko" sz="900">
+                <a:latin typeface="맑은 고딕"/>
+                <a:ea typeface="맑은 고딕"/>
+                <a:cs typeface="맑은 고딕"/>
+              </a:rPr>
+              <a:t>- [e-Biz] ERP 매출원장(ZSDR5370) 보완</a:t>
+            </a:r>
+            <a:br/>
+            <a:r>
+              <a:rPr lang="ko" sz="900">
+                <a:latin typeface="맑은 고딕"/>
+                <a:ea typeface="맑은 고딕"/>
+                <a:cs typeface="맑은 고딕"/>
+              </a:rPr>
+              <a:t>- [ERP] 운영 ERP 사용자 정보 동기화</a:t>
+            </a:r>
+            <a:br/>
+            <a:r>
+              <a:rPr lang="ko" sz="900">
+                <a:latin typeface="맑은 고딕"/>
+                <a:ea typeface="맑은 고딕"/>
+                <a:cs typeface="맑은 고딕"/>
+              </a:rPr>
+              <a:t>- [e-Biz] 운영인계정 생성 시 중복 확인 조건 변경</a:t>
+            </a:r>
+            <a:br/>
+            <a:r>
+              <a:rPr lang="ko" sz="900">
+                <a:latin typeface="맑은 고딕"/>
+                <a:ea typeface="맑은 고딕"/>
+                <a:cs typeface="맑은 고딕"/>
+              </a:rPr>
+              <a:t>- [ERP] ERP 사용자 권한신청서 상시 처리</a:t>
+            </a:r>
+          </a:p>
+        </p:txBody>
+      </p:sp>
+      <p:sp>
+        <p:nvSpPr>
+          <p:cNvPr id="1139002762" name="Text">
+    </p:cNvPr>
+          <p:cNvSpPr>
+            <a:spLocks noGrp="1"/>
+          </p:cNvSpPr>
+          <p:nvPr/>
+        </p:nvSpPr>
+        <p:spPr>
+          <a:xfrm rot="0">
+            <a:off x="5753100" y="4813300"/>
+            <a:ext cx="635000" cy="1524000"/>
+          </a:xfrm>
+          <a:prstGeom prst="rect">
+            <a:avLst/>
+          </a:prstGeom>
+          <a:ln w="12700">
+            <a:solidFill>
+              <a:srgbClr val="000000"/>
+            </a:solidFill>
+            <a:prstDash val="solid"/>
+          </a:ln>
+        </p:spPr>
+        <p:txBody>
+          <a:bodyPr wrap="square" lIns="0" tIns="0" rIns="0" bIns="0" rtlCol="0" anchor="t"/>
+          <a:lstStyle/>
+          <a:p>
+            <a:pPr algn="ctr">
+              <a:lnSpc>
+                <a:spcPct val="100%"/>
+              </a:lnSpc>
+              <a:defRPr sz="900">
+                <a:solidFill>
+                  <a:srgbClr val="000000"/>
+                </a:solidFill>
+                <a:latin typeface="맑은 고딕"/>
+                <a:ea typeface="맑은 고딕"/>
+                <a:cs typeface="맑은 고딕"/>
+              </a:defRPr>
+            </a:pPr>
+            <a:br/>
+            <a:r>
+              <a:rPr lang="ko" sz="900">
+                <a:latin typeface="맑은 고딕"/>
+                <a:ea typeface="맑은 고딕"/>
+                <a:cs typeface="맑은 고딕"/>
+              </a:rPr>
+              <a:t>e-Biz</a:t>
+            </a:r>
+            <a:br/>
+            <a:r>
+              <a:rPr lang="ko" sz="900">
+                <a:latin typeface="맑은 고딕"/>
+                <a:ea typeface="맑은 고딕"/>
+                <a:cs typeface="맑은 고딕"/>
+              </a:rPr>
+              <a:t>/계정관리</a:t>
+            </a:r>
+            <a:br/>
+            <a:r>
+              <a:rPr lang="ko" sz="900">
+                <a:latin typeface="맑은 고딕"/>
+                <a:ea typeface="맑은 고딕"/>
+                <a:cs typeface="맑은 고딕"/>
+              </a:rPr>
+              <a:t>/ERP</a:t>
+            </a:r>
+            <a:br/>
+            <a:r>
+              <a:rPr lang="ko" sz="900">
+                <a:latin typeface="맑은 고딕"/>
+                <a:ea typeface="맑은 고딕"/>
+                <a:cs typeface="맑은 고딕"/>
+              </a:rPr>
+              <a:t>이여진</a:t>
+            </a:r>
+          </a:p>
+        </p:txBody>
+      </p:sp>
+      <p:sp>
+        <p:nvSpPr>
+          <p:cNvPr id="694746714" name="Text">
+    </p:cNvPr>
+          <p:cNvSpPr>
+            <a:spLocks noGrp="1"/>
+          </p:cNvSpPr>
+          <p:nvPr/>
+        </p:nvSpPr>
+        <p:spPr>
+          <a:xfrm rot="0">
+            <a:off x="165100" y="4813300"/>
+            <a:ext cx="596900" cy="1524000"/>
+          </a:xfrm>
+          <a:prstGeom prst="rect">
+            <a:avLst/>
+          </a:prstGeom>
+          <a:ln w="12700">
+            <a:solidFill>
+              <a:srgbClr val="000000"/>
+            </a:solidFill>
+            <a:prstDash val="solid"/>
+          </a:ln>
+        </p:spPr>
+        <p:txBody>
+          <a:bodyPr wrap="square" lIns="0" tIns="0" rIns="0" bIns="0" rtlCol="0" anchor="t"/>
+          <a:lstStyle/>
+          <a:p>
+            <a:pPr algn="ctr">
+              <a:lnSpc>
+                <a:spcPct val="100%"/>
+              </a:lnSpc>
+              <a:defRPr sz="900">
+                <a:solidFill>
+                  <a:srgbClr val="000000"/>
+                </a:solidFill>
+                <a:latin typeface="맑은 고딕"/>
+                <a:ea typeface="맑은 고딕"/>
+                <a:cs typeface="맑은 고딕"/>
+              </a:defRPr>
+            </a:pPr>
+            <a:br/>
+            <a:r>
+              <a:rPr lang="ko" sz="900">
+                <a:latin typeface="맑은 고딕"/>
+                <a:ea typeface="맑은 고딕"/>
+                <a:cs typeface="맑은 고딕"/>
+              </a:rPr>
+              <a:t>e-Biz</a:t>
+            </a:r>
+            <a:br/>
+            <a:r>
+              <a:rPr lang="ko" sz="900">
+                <a:latin typeface="맑은 고딕"/>
+                <a:ea typeface="맑은 고딕"/>
+                <a:cs typeface="맑은 고딕"/>
+              </a:rPr>
+              <a:t>/계정관리</a:t>
+            </a:r>
+            <a:br/>
+            <a:r>
+              <a:rPr lang="ko" sz="900">
+                <a:latin typeface="맑은 고딕"/>
+                <a:ea typeface="맑은 고딕"/>
+                <a:cs typeface="맑은 고딕"/>
+              </a:rPr>
+              <a:t>/ERP</a:t>
+            </a:r>
+            <a:br/>
+            <a:r>
+              <a:rPr lang="ko" sz="900">
+                <a:latin typeface="맑은 고딕"/>
+                <a:ea typeface="맑은 고딕"/>
+                <a:cs typeface="맑은 고딕"/>
+              </a:rPr>
+              <a:t>이여진</a:t>
+            </a:r>
+          </a:p>
+        </p:txBody>
+      </p:sp>
+      <p:sp>
+        <p:nvSpPr>
+          <p:cNvPr id="1331892788" name="Text">
+    </p:cNvPr>
+          <p:cNvSpPr>
+            <a:spLocks noGrp="1"/>
+          </p:cNvSpPr>
+          <p:nvPr/>
+        </p:nvSpPr>
+        <p:spPr>
+          <a:xfrm rot="0">
+            <a:off x="762000" y="4813300"/>
+            <a:ext cx="3009900" cy="1524000"/>
+          </a:xfrm>
+          <a:prstGeom prst="rect">
+            <a:avLst/>
+          </a:prstGeom>
+          <a:ln w="12700">
+            <a:solidFill>
+              <a:srgbClr val="000000"/>
+            </a:solidFill>
+            <a:prstDash val="solid"/>
+          </a:ln>
+        </p:spPr>
+        <p:txBody>
+          <a:bodyPr wrap="square" lIns="0" tIns="0" rIns="0" bIns="0" rtlCol="0" anchor="t"/>
+          <a:lstStyle/>
+          <a:p>
+            <a:pPr algn="l">
+              <a:lnSpc>
+                <a:spcPct val="100%"/>
+              </a:lnSpc>
+              <a:defRPr sz="900">
+                <a:solidFill>
+                  <a:srgbClr val="000000"/>
+                </a:solidFill>
+                <a:latin typeface="맑은 고딕"/>
+                <a:ea typeface="맑은 고딕"/>
+                <a:cs typeface="맑은 고딕"/>
+              </a:defRPr>
+            </a:pPr>
+            <a:br/>
+            <a:r>
+              <a:rPr lang="ko" sz="900">
+                <a:latin typeface="맑은 고딕"/>
+                <a:ea typeface="맑은 고딕"/>
+                <a:cs typeface="맑은 고딕"/>
+              </a:rPr>
+              <a:t>- [e-Biz] ERP 매출원장(ZSDR5370) 보완</a:t>
+            </a:r>
+            <a:br/>
+            <a:r>
+              <a:rPr lang="ko" sz="900">
+                <a:latin typeface="맑은 고딕"/>
+                <a:ea typeface="맑은 고딕"/>
+                <a:cs typeface="맑은 고딕"/>
+              </a:rPr>
+              <a:t>- [e-Biz] 알림톡 서버 변경 테스트</a:t>
+            </a:r>
+            <a:br/>
+            <a:r>
+              <a:rPr lang="ko" sz="900">
+                <a:latin typeface="맑은 고딕"/>
+                <a:ea typeface="맑은 고딕"/>
+                <a:cs typeface="맑은 고딕"/>
+              </a:rPr>
+              <a:t>- [e-Biz] 운영인계정 최초접속 확인절차 보완</a:t>
+            </a:r>
+            <a:br/>
+            <a:r>
+              <a:rPr lang="ko" sz="900">
+                <a:latin typeface="맑은 고딕"/>
+                <a:ea typeface="맑은 고딕"/>
+                <a:cs typeface="맑은 고딕"/>
+              </a:rPr>
+              <a:t>- [e-Biz] 운영인계정 생성 시 중복 확인 조건 변경</a:t>
+            </a:r>
+            <a:br/>
+            <a:r>
+              <a:rPr lang="ko" sz="900">
+                <a:latin typeface="맑은 고딕"/>
+                <a:ea typeface="맑은 고딕"/>
+                <a:cs typeface="맑은 고딕"/>
+              </a:rPr>
+              <a:t>- [ERP] 운영 ERP 사용자 정보 동기화</a:t>
+            </a:r>
+            <a:br/>
+            <a:r>
+              <a:rPr lang="ko" sz="900">
+                <a:latin typeface="맑은 고딕"/>
+                <a:ea typeface="맑은 고딕"/>
+                <a:cs typeface="맑은 고딕"/>
+              </a:rPr>
+              <a:t>- [ERP] ERP 사용자 권한신청서(권한부여) 7건</a:t>
+            </a:r>
+            <a:br/>
+            <a:r>
+              <a:rPr lang="ko" sz="900">
+                <a:latin typeface="맑은 고딕"/>
+                <a:ea typeface="맑은 고딕"/>
+                <a:cs typeface="맑은 고딕"/>
+              </a:rPr>
+              <a:t>- [ERP] ERP 사용자 권한신청서(개인계정) 6건</a:t>
+            </a:r>
+          </a:p>
+        </p:txBody>
+      </p:sp>
+      <p:sp>
+        <p:nvSpPr>
+          <p:cNvPr id="1927764406" name="Text">
+    </p:cNvPr>
+          <p:cNvSpPr>
+            <a:spLocks noGrp="1"/>
+          </p:cNvSpPr>
+          <p:nvPr/>
+        </p:nvSpPr>
+        <p:spPr>
+          <a:xfrm rot="0">
+            <a:off x="4406900" y="4813300"/>
+            <a:ext cx="635000" cy="1524000"/>
+          </a:xfrm>
+          <a:prstGeom prst="rect">
+            <a:avLst/>
+          </a:prstGeom>
+          <a:ln w="12700">
+            <a:solidFill>
+              <a:srgbClr val="000000"/>
+            </a:solidFill>
+            <a:prstDash val="solid"/>
+          </a:ln>
+        </p:spPr>
+        <p:txBody>
+          <a:bodyPr wrap="square" lIns="0" tIns="0" rIns="0" bIns="0" rtlCol="0" anchor="t"/>
+          <a:lstStyle/>
+          <a:p>
+            <a:pPr algn="ctr">
+              <a:lnSpc>
+                <a:spcPct val="100%"/>
+              </a:lnSpc>
+              <a:defRPr sz="900">
+                <a:solidFill>
+                  <a:srgbClr val="000000"/>
+                </a:solidFill>
+                <a:latin typeface="맑은 고딕"/>
+                <a:ea typeface="맑은 고딕"/>
+                <a:cs typeface="맑은 고딕"/>
+              </a:defRPr>
+            </a:pPr>
+            <a:br/>
+            <a:r>
+              <a:rPr lang="ko" sz="900">
+                <a:latin typeface="맑은 고딕"/>
+                <a:ea typeface="맑은 고딕"/>
+                <a:cs typeface="맑은 고딕"/>
+              </a:rPr>
+              <a:t>02/10</a:t>
+            </a:r>
+            <a:br/>
+            <a:r>
+              <a:rPr lang="ko" sz="900">
+                <a:latin typeface="맑은 고딕"/>
+                <a:ea typeface="맑은 고딕"/>
+                <a:cs typeface="맑은 고딕"/>
+              </a:rPr>
+              <a:t>01/30</a:t>
+            </a:r>
+            <a:br/>
+            <a:r>
+              <a:rPr lang="ko" sz="900">
+                <a:latin typeface="맑은 고딕"/>
+                <a:ea typeface="맑은 고딕"/>
+                <a:cs typeface="맑은 고딕"/>
+              </a:rPr>
+              <a:t>01/31</a:t>
+            </a:r>
+            <a:br/>
+            <a:r>
+              <a:rPr lang="ko" sz="900">
+                <a:latin typeface="맑은 고딕"/>
+                <a:ea typeface="맑은 고딕"/>
+                <a:cs typeface="맑은 고딕"/>
+              </a:rPr>
+              <a:t>01/31</a:t>
+            </a:r>
+            <a:br/>
+            <a:r>
+              <a:rPr lang="ko" sz="900">
+                <a:latin typeface="맑은 고딕"/>
+                <a:ea typeface="맑은 고딕"/>
+                <a:cs typeface="맑은 고딕"/>
+              </a:rPr>
+              <a:t>01/30</a:t>
+            </a:r>
+            <a:br/>
+            <a:r>
+              <a:rPr lang="ko" sz="900">
+                <a:latin typeface="맑은 고딕"/>
+                <a:ea typeface="맑은 고딕"/>
+                <a:cs typeface="맑은 고딕"/>
+              </a:rPr>
+              <a:t>01/20</a:t>
+            </a:r>
+            <a:br/>
+            <a:r>
+              <a:rPr lang="ko" sz="900">
+                <a:latin typeface="맑은 고딕"/>
+                <a:ea typeface="맑은 고딕"/>
+                <a:cs typeface="맑은 고딕"/>
+              </a:rPr>
+              <a:t>01/20</a:t>
+            </a:r>
+          </a:p>
+        </p:txBody>
+      </p:sp>
+      <p:sp>
+        <p:nvSpPr>
+          <p:cNvPr id="792024573" name="Text">
+    </p:cNvPr>
+          <p:cNvSpPr>
+            <a:spLocks noGrp="1"/>
+          </p:cNvSpPr>
+          <p:nvPr/>
+        </p:nvSpPr>
+        <p:spPr>
+          <a:xfrm rot="0">
+            <a:off x="5041900" y="4813300"/>
+            <a:ext cx="635000" cy="1524000"/>
+          </a:xfrm>
+          <a:prstGeom prst="rect">
+            <a:avLst/>
+          </a:prstGeom>
+          <a:ln w="12700">
+            <a:solidFill>
+              <a:srgbClr val="000000"/>
+            </a:solidFill>
+            <a:prstDash val="solid"/>
+          </a:ln>
+        </p:spPr>
+        <p:txBody>
+          <a:bodyPr wrap="square" lIns="0" tIns="0" rIns="0" bIns="0" rtlCol="0" anchor="t"/>
+          <a:lstStyle/>
+          <a:p>
+            <a:pPr algn="ctr">
+              <a:lnSpc>
+                <a:spcPct val="100%"/>
+              </a:lnSpc>
+              <a:defRPr sz="900">
+                <a:solidFill>
+                  <a:srgbClr val="000000"/>
+                </a:solidFill>
+                <a:latin typeface="맑은 고딕"/>
+                <a:ea typeface="맑은 고딕"/>
+                <a:cs typeface="맑은 고딕"/>
+              </a:defRPr>
+            </a:pPr>
+            <a:br/>
+            <a:r>
+              <a:rPr lang="ko" sz="900">
+                <a:latin typeface="맑은 고딕"/>
+                <a:ea typeface="맑은 고딕"/>
+                <a:cs typeface="맑은 고딕"/>
+              </a:rPr>
+              <a:t>0%</a:t>
+            </a:r>
+            <a:br/>
+            <a:r>
+              <a:rPr lang="ko" sz="900">
+                <a:latin typeface="맑은 고딕"/>
+                <a:ea typeface="맑은 고딕"/>
+                <a:cs typeface="맑은 고딕"/>
+              </a:rPr>
+              <a:t>01/26</a:t>
+            </a:r>
+            <a:br/>
+            <a:r>
+              <a:rPr lang="ko" sz="900">
+                <a:latin typeface="맑은 고딕"/>
+                <a:ea typeface="맑은 고딕"/>
+                <a:cs typeface="맑은 고딕"/>
+              </a:rPr>
+              <a:t>01/26</a:t>
+            </a:r>
+            <a:br/>
+            <a:r>
+              <a:rPr lang="ko" sz="900">
+                <a:latin typeface="맑은 고딕"/>
+                <a:ea typeface="맑은 고딕"/>
+                <a:cs typeface="맑은 고딕"/>
+              </a:rPr>
+              <a:t>10%</a:t>
+            </a:r>
+            <a:br/>
+            <a:r>
+              <a:rPr lang="ko" sz="900">
+                <a:latin typeface="맑은 고딕"/>
+                <a:ea typeface="맑은 고딕"/>
+                <a:cs typeface="맑은 고딕"/>
+              </a:rPr>
+              <a:t>40%</a:t>
+            </a:r>
+            <a:br/>
+            <a:r>
+              <a:rPr lang="ko" sz="900">
+                <a:latin typeface="맑은 고딕"/>
+                <a:ea typeface="맑은 고딕"/>
+                <a:cs typeface="맑은 고딕"/>
+              </a:rPr>
+              <a:t>01/20</a:t>
+            </a:r>
+            <a:br/>
+            <a:r>
+              <a:rPr lang="ko" sz="900">
+                <a:latin typeface="맑은 고딕"/>
+                <a:ea typeface="맑은 고딕"/>
+                <a:cs typeface="맑은 고딕"/>
+              </a:rPr>
+              <a:t>01/20</a:t>
+            </a:r>
+          </a:p>
+        </p:txBody>
+      </p:sp>
+      <p:sp>
+        <p:nvSpPr>
+          <p:cNvPr id="1094841455" name="Text">
+    </p:cNvPr>
+          <p:cNvSpPr>
+            <a:spLocks noGrp="1"/>
+          </p:cNvSpPr>
+          <p:nvPr/>
+        </p:nvSpPr>
+        <p:spPr>
+          <a:xfrm rot="0">
+            <a:off x="3771900" y="4813300"/>
+            <a:ext cx="635000" cy="1524000"/>
+          </a:xfrm>
+          <a:prstGeom prst="rect">
+            <a:avLst/>
+          </a:prstGeom>
+          <a:ln w="12700">
+            <a:solidFill>
+              <a:srgbClr val="000000"/>
+            </a:solidFill>
+            <a:prstDash val="solid"/>
+          </a:ln>
+        </p:spPr>
+        <p:txBody>
+          <a:bodyPr wrap="square" lIns="0" tIns="0" rIns="0" bIns="0" rtlCol="0" anchor="t"/>
+          <a:lstStyle/>
+          <a:p>
+            <a:pPr algn="ctr">
+              <a:lnSpc>
+                <a:spcPct val="100%"/>
+              </a:lnSpc>
+              <a:defRPr sz="900">
+                <a:solidFill>
+                  <a:srgbClr val="000000"/>
+                </a:solidFill>
+                <a:latin typeface="맑은 고딕"/>
+                <a:ea typeface="맑은 고딕"/>
+                <a:cs typeface="맑은 고딕"/>
+              </a:defRPr>
+            </a:pPr>
+            <a:br/>
+            <a:r>
+              <a:rPr lang="ko" sz="900">
+                <a:latin typeface="맑은 고딕"/>
+                <a:ea typeface="맑은 고딕"/>
+                <a:cs typeface="맑은 고딕"/>
+              </a:rPr>
+              <a:t>07/21</a:t>
+            </a:r>
+            <a:br/>
+            <a:r>
+              <a:rPr lang="ko" sz="900">
+                <a:latin typeface="맑은 고딕"/>
+                <a:ea typeface="맑은 고딕"/>
+                <a:cs typeface="맑은 고딕"/>
+              </a:rPr>
+              <a:t>01/03</a:t>
+            </a:r>
+            <a:br/>
+            <a:r>
+              <a:rPr lang="ko" sz="900">
+                <a:latin typeface="맑은 고딕"/>
+                <a:ea typeface="맑은 고딕"/>
+                <a:cs typeface="맑은 고딕"/>
+              </a:rPr>
+              <a:t>12/27</a:t>
+            </a:r>
+            <a:br/>
+            <a:r>
+              <a:rPr lang="ko" sz="900">
+                <a:latin typeface="맑은 고딕"/>
+                <a:ea typeface="맑은 고딕"/>
+                <a:cs typeface="맑은 고딕"/>
+              </a:rPr>
+              <a:t>01/11</a:t>
+            </a:r>
+            <a:br/>
+            <a:r>
+              <a:rPr lang="ko" sz="900">
+                <a:latin typeface="맑은 고딕"/>
+                <a:ea typeface="맑은 고딕"/>
+                <a:cs typeface="맑은 고딕"/>
+              </a:rPr>
+              <a:t>10/19</a:t>
+            </a:r>
+            <a:br/>
+            <a:r>
+              <a:rPr lang="ko" sz="900">
+                <a:latin typeface="맑은 고딕"/>
+                <a:ea typeface="맑은 고딕"/>
+                <a:cs typeface="맑은 고딕"/>
+              </a:rPr>
+              <a:t>01/16</a:t>
+            </a:r>
+            <a:br/>
+            <a:r>
+              <a:rPr lang="ko" sz="900">
+                <a:latin typeface="맑은 고딕"/>
+                <a:ea typeface="맑은 고딕"/>
+                <a:cs typeface="맑은 고딕"/>
+              </a:rPr>
+              <a:t>01/16</a:t>
+            </a:r>
+          </a:p>
+        </p:txBody>
+      </p:sp>
+      <p:sp>
+        <p:nvSpPr>
+          <p:cNvPr id="384089281" name="Text">
+    </p:cNvPr>
+          <p:cNvSpPr>
+            <a:spLocks noGrp="1"/>
+          </p:cNvSpPr>
+          <p:nvPr/>
+        </p:nvSpPr>
+        <p:spPr>
+          <a:xfrm rot="0">
+            <a:off x="4851400" y="6819900"/>
+            <a:ext cx="1270000" cy="381000"/>
+          </a:xfrm>
+          <a:prstGeom prst="rect">
+            <a:avLst/>
+          </a:prstGeom>
+        </p:spPr>
+        <p:txBody>
+          <a:bodyPr wrap="square" lIns="0" tIns="0" rIns="0" bIns="0" rtlCol="0" anchor="b"/>
+          <a:lstStyle/>
+          <a:p>
+            <a:pPr algn="ctr">
+              <a:lnSpc>
+                <a:spcPct val="100%"/>
+              </a:lnSpc>
+              <a:defRPr sz="1000" b="1">
+                <a:solidFill>
+                  <a:srgbClr val="000000"/>
+                </a:solidFill>
+                <a:latin typeface="SansSerif"/>
+                <a:ea typeface="SansSerif"/>
+                <a:cs typeface="SansSerif"/>
+              </a:defRPr>
+            </a:pPr>
+            <a:r>
+              <a:rPr lang="ko" sz="1000" b="1">
+                <a:latin typeface="SansSerif"/>
+                <a:ea typeface="SansSerif"/>
+                <a:cs typeface="SansSerif"/>
+              </a:rPr>
+              <a:t>9</a:t>
+            </a:r>
+          </a:p>
+        </p:txBody>
+      </p:sp>
+      <p:pic>
+        <p:nvPicPr>
+          <p:cNvPr id="1577483586" name="Picture">
     </p:cNvPr>
           <p:cNvPicPr>
             <a:picLocks noChangeAspect="1"/>

--- a/src/main/webapp/WEB-INF/Files/erp_sample.pptx
+++ b/src/main/webapp/WEB-INF/Files/erp_sample.pptx
@@ -87,7 +87,7 @@
       </p:grpSpPr>
       <p:sp>
         <p:nvSpPr>
-          <p:cNvPr id="1779037473" name="Text">
+          <p:cNvPr id="1906901890" name="Text">
     </p:cNvPr>
           <p:cNvSpPr>
             <a:spLocks noGrp="1"/>
@@ -136,7 +136,7 @@
       </p:sp>
       <p:sp>
         <p:nvSpPr>
-          <p:cNvPr id="581679335" name="Text">
+          <p:cNvPr id="1982604819" name="Text">
     </p:cNvPr>
           <p:cNvSpPr>
             <a:spLocks noGrp="1"/>
@@ -185,7 +185,7 @@
       </p:sp>
       <p:sp>
         <p:nvSpPr>
-          <p:cNvPr id="1733071423" name="Line"/>
+          <p:cNvPr id="542649517" name="Line"/>
           <p:cNvSpPr>
             <a:spLocks noGrp="1"/>
           </p:cNvSpPr>
@@ -219,7 +219,7 @@
       </p:sp>
       <p:sp>
         <p:nvSpPr>
-          <p:cNvPr id="278423365" name="Text">
+          <p:cNvPr id="248284729" name="Text">
     </p:cNvPr>
           <p:cNvSpPr>
             <a:spLocks noGrp="1"/>
@@ -265,7 +265,7 @@
       </p:sp>
       <p:sp>
         <p:nvSpPr>
-          <p:cNvPr id="891103370" name="Text">
+          <p:cNvPr id="1751295850" name="Text">
     </p:cNvPr>
           <p:cNvSpPr>
             <a:spLocks noGrp="1"/>
@@ -329,7 +329,7 @@
       </p:sp>
       <p:sp>
         <p:nvSpPr>
-          <p:cNvPr id="1242485326" name="Text">
+          <p:cNvPr id="2137594059" name="Text">
     </p:cNvPr>
           <p:cNvSpPr>
             <a:spLocks noGrp="1"/>
@@ -384,7 +384,7 @@
       </p:sp>
       <p:sp>
         <p:nvSpPr>
-          <p:cNvPr id="1230011482" name="Text">
+          <p:cNvPr id="506822351" name="Text">
     </p:cNvPr>
           <p:cNvSpPr>
             <a:spLocks noGrp="1"/>
@@ -439,7 +439,7 @@
       </p:sp>
       <p:sp>
         <p:nvSpPr>
-          <p:cNvPr id="446797946" name="Text">
+          <p:cNvPr id="1956830846" name="Text">
     </p:cNvPr>
           <p:cNvSpPr>
             <a:spLocks noGrp="1"/>
@@ -503,7 +503,7 @@
       </p:sp>
       <p:sp>
         <p:nvSpPr>
-          <p:cNvPr id="1185200860" name="Text">
+          <p:cNvPr id="151416439" name="Text">
     </p:cNvPr>
           <p:cNvSpPr>
             <a:spLocks noGrp="1"/>
@@ -567,7 +567,7 @@
       </p:sp>
       <p:sp>
         <p:nvSpPr>
-          <p:cNvPr id="2055507172" name="Text">
+          <p:cNvPr id="1767587067" name="Text">
     </p:cNvPr>
           <p:cNvSpPr>
             <a:spLocks noGrp="1"/>
@@ -622,7 +622,7 @@
       </p:sp>
       <p:sp>
         <p:nvSpPr>
-          <p:cNvPr id="821857602" name="Text">
+          <p:cNvPr id="1393857137" name="Text">
     </p:cNvPr>
           <p:cNvSpPr>
             <a:spLocks noGrp="1"/>
@@ -677,7 +677,7 @@
       </p:sp>
       <p:sp>
         <p:nvSpPr>
-          <p:cNvPr id="646488431" name="Text">
+          <p:cNvPr id="424075439" name="Text">
     </p:cNvPr>
           <p:cNvSpPr>
             <a:spLocks noGrp="1"/>
@@ -741,7 +741,7 @@
       </p:sp>
       <p:sp>
         <p:nvSpPr>
-          <p:cNvPr id="1167691064" name="Text">
+          <p:cNvPr id="1358004147" name="Text">
     </p:cNvPr>
           <p:cNvSpPr>
             <a:spLocks noGrp="1"/>
@@ -805,7 +805,7 @@
       </p:sp>
       <p:sp>
         <p:nvSpPr>
-          <p:cNvPr id="463784643" name="Text">
+          <p:cNvPr id="1627209138" name="Text">
     </p:cNvPr>
           <p:cNvSpPr>
             <a:spLocks noGrp="1"/>
@@ -897,7 +897,7 @@
       </p:sp>
       <p:sp>
         <p:nvSpPr>
-          <p:cNvPr id="1340527208" name="Text">
+          <p:cNvPr id="395160774" name="Text">
     </p:cNvPr>
           <p:cNvSpPr>
             <a:spLocks noGrp="1"/>
@@ -989,7 +989,7 @@
       </p:sp>
       <p:sp>
         <p:nvSpPr>
-          <p:cNvPr id="738623778" name="Text">
+          <p:cNvPr id="971007232" name="Text">
     </p:cNvPr>
           <p:cNvSpPr>
             <a:spLocks noGrp="1"/>
@@ -1105,7 +1105,7 @@
       </p:sp>
       <p:sp>
         <p:nvSpPr>
-          <p:cNvPr id="629094871" name="Text">
+          <p:cNvPr id="1656199528" name="Text">
     </p:cNvPr>
           <p:cNvSpPr>
             <a:spLocks noGrp="1"/>
@@ -1167,7 +1167,7 @@
       </p:sp>
       <p:sp>
         <p:nvSpPr>
-          <p:cNvPr id="405802345" name="Text">
+          <p:cNvPr id="1798191137" name="Text">
     </p:cNvPr>
           <p:cNvSpPr>
             <a:spLocks noGrp="1"/>
@@ -1229,7 +1229,7 @@
       </p:sp>
       <p:sp>
         <p:nvSpPr>
-          <p:cNvPr id="1631381909" name="Text">
+          <p:cNvPr id="289358366" name="Text">
     </p:cNvPr>
           <p:cNvSpPr>
             <a:spLocks noGrp="1"/>
@@ -1363,7 +1363,7 @@
       </p:sp>
       <p:sp>
         <p:nvSpPr>
-          <p:cNvPr id="2032892673" name="Text">
+          <p:cNvPr id="726531420" name="Text">
     </p:cNvPr>
           <p:cNvSpPr>
             <a:spLocks noGrp="1"/>
@@ -1473,7 +1473,7 @@
       </p:sp>
       <p:sp>
         <p:nvSpPr>
-          <p:cNvPr id="633750642" name="Text">
+          <p:cNvPr id="1970232708" name="Text">
     </p:cNvPr>
           <p:cNvSpPr>
             <a:spLocks noGrp="1"/>
@@ -1583,7 +1583,7 @@
       </p:sp>
       <p:sp>
         <p:nvSpPr>
-          <p:cNvPr id="1023762150" name="Text">
+          <p:cNvPr id="1872399416" name="Text">
     </p:cNvPr>
           <p:cNvSpPr>
             <a:spLocks noGrp="1"/>
@@ -1693,7 +1693,7 @@
       </p:sp>
       <p:sp>
         <p:nvSpPr>
-          <p:cNvPr id="1005811858" name="Text">
+          <p:cNvPr id="81665127" name="Text">
     </p:cNvPr>
           <p:cNvSpPr>
             <a:spLocks noGrp="1"/>
@@ -1796,7 +1796,7 @@
       </p:sp>
       <p:sp>
         <p:nvSpPr>
-          <p:cNvPr id="421724062" name="Text">
+          <p:cNvPr id="1077782205" name="Text">
     </p:cNvPr>
           <p:cNvSpPr>
             <a:spLocks noGrp="1"/>
@@ -1899,7 +1899,7 @@
       </p:sp>
       <p:sp>
         <p:nvSpPr>
-          <p:cNvPr id="248565020" name="Text">
+          <p:cNvPr id="1337020483" name="Text">
     </p:cNvPr>
           <p:cNvSpPr>
             <a:spLocks noGrp="1"/>
@@ -2042,7 +2042,7 @@
       </p:sp>
       <p:sp>
         <p:nvSpPr>
-          <p:cNvPr id="431312974" name="Text">
+          <p:cNvPr id="1962012353" name="Text">
     </p:cNvPr>
           <p:cNvSpPr>
             <a:spLocks noGrp="1"/>
@@ -2122,7 +2122,7 @@
       </p:sp>
       <p:sp>
         <p:nvSpPr>
-          <p:cNvPr id="958569474" name="Text">
+          <p:cNvPr id="3729692" name="Text">
     </p:cNvPr>
           <p:cNvSpPr>
             <a:spLocks noGrp="1"/>
@@ -2202,7 +2202,7 @@
       </p:sp>
       <p:sp>
         <p:nvSpPr>
-          <p:cNvPr id="938625719" name="Text">
+          <p:cNvPr id="765308904" name="Text">
     </p:cNvPr>
           <p:cNvSpPr>
             <a:spLocks noGrp="1"/>
@@ -2336,7 +2336,7 @@
       </p:sp>
       <p:sp>
         <p:nvSpPr>
-          <p:cNvPr id="1069734264" name="Text">
+          <p:cNvPr id="1751892304" name="Text">
     </p:cNvPr>
           <p:cNvSpPr>
             <a:spLocks noGrp="1"/>
@@ -2430,7 +2430,7 @@
       </p:sp>
       <p:sp>
         <p:nvSpPr>
-          <p:cNvPr id="214358510" name="Text">
+          <p:cNvPr id="328707450" name="Text">
     </p:cNvPr>
           <p:cNvSpPr>
             <a:spLocks noGrp="1"/>
@@ -2524,7 +2524,7 @@
       </p:sp>
       <p:sp>
         <p:nvSpPr>
-          <p:cNvPr id="556369656" name="Text">
+          <p:cNvPr id="1411438109" name="Text">
     </p:cNvPr>
           <p:cNvSpPr>
             <a:spLocks noGrp="1"/>
@@ -2618,7 +2618,7 @@
       </p:sp>
       <p:sp>
         <p:nvSpPr>
-          <p:cNvPr id="69978008" name="Text">
+          <p:cNvPr id="344113566" name="Text">
     </p:cNvPr>
           <p:cNvSpPr>
             <a:spLocks noGrp="1"/>
@@ -2664,7 +2664,7 @@
       </p:sp>
       <p:pic>
         <p:nvPicPr>
-          <p:cNvPr id="545666837" name="Picture">
+          <p:cNvPr id="1559696573" name="Picture">
     </p:cNvPr>
           <p:cNvPicPr>
             <a:picLocks noChangeAspect="1"/>
@@ -2715,7 +2715,7 @@
       </p:grpSpPr>
       <p:sp>
         <p:nvSpPr>
-          <p:cNvPr id="1397040206" name="Text">
+          <p:cNvPr id="2125012274" name="Text">
     </p:cNvPr>
           <p:cNvSpPr>
             <a:spLocks noGrp="1"/>
@@ -2764,7 +2764,7 @@
       </p:sp>
       <p:sp>
         <p:nvSpPr>
-          <p:cNvPr id="129839262" name="Text">
+          <p:cNvPr id="677433402" name="Text">
     </p:cNvPr>
           <p:cNvSpPr>
             <a:spLocks noGrp="1"/>
@@ -2813,7 +2813,7 @@
       </p:sp>
       <p:sp>
         <p:nvSpPr>
-          <p:cNvPr id="605261082" name="Line"/>
+          <p:cNvPr id="1337587994" name="Line"/>
           <p:cNvSpPr>
             <a:spLocks noGrp="1"/>
           </p:cNvSpPr>
@@ -2847,7 +2847,7 @@
       </p:sp>
       <p:sp>
         <p:nvSpPr>
-          <p:cNvPr id="901523474" name="Text">
+          <p:cNvPr id="730812076" name="Text">
     </p:cNvPr>
           <p:cNvSpPr>
             <a:spLocks noGrp="1"/>
@@ -2893,7 +2893,7 @@
       </p:sp>
       <p:sp>
         <p:nvSpPr>
-          <p:cNvPr id="1335954879" name="Text">
+          <p:cNvPr id="494507618" name="Text">
     </p:cNvPr>
           <p:cNvSpPr>
             <a:spLocks noGrp="1"/>
@@ -2957,7 +2957,7 @@
       </p:sp>
       <p:sp>
         <p:nvSpPr>
-          <p:cNvPr id="569830677" name="Text">
+          <p:cNvPr id="867595511" name="Text">
     </p:cNvPr>
           <p:cNvSpPr>
             <a:spLocks noGrp="1"/>
@@ -3012,7 +3012,7 @@
       </p:sp>
       <p:sp>
         <p:nvSpPr>
-          <p:cNvPr id="422961004" name="Text">
+          <p:cNvPr id="868690610" name="Text">
     </p:cNvPr>
           <p:cNvSpPr>
             <a:spLocks noGrp="1"/>
@@ -3067,7 +3067,7 @@
       </p:sp>
       <p:sp>
         <p:nvSpPr>
-          <p:cNvPr id="1302173920" name="Text">
+          <p:cNvPr id="1659697224" name="Text">
     </p:cNvPr>
           <p:cNvSpPr>
             <a:spLocks noGrp="1"/>
@@ -3131,7 +3131,7 @@
       </p:sp>
       <p:sp>
         <p:nvSpPr>
-          <p:cNvPr id="177645593" name="Text">
+          <p:cNvPr id="871868657" name="Text">
     </p:cNvPr>
           <p:cNvSpPr>
             <a:spLocks noGrp="1"/>
@@ -3195,7 +3195,7 @@
       </p:sp>
       <p:sp>
         <p:nvSpPr>
-          <p:cNvPr id="471753243" name="Text">
+          <p:cNvPr id="862352308" name="Text">
     </p:cNvPr>
           <p:cNvSpPr>
             <a:spLocks noGrp="1"/>
@@ -3250,7 +3250,7 @@
       </p:sp>
       <p:sp>
         <p:nvSpPr>
-          <p:cNvPr id="728170571" name="Text">
+          <p:cNvPr id="972967376" name="Text">
     </p:cNvPr>
           <p:cNvSpPr>
             <a:spLocks noGrp="1"/>
@@ -3305,7 +3305,7 @@
       </p:sp>
       <p:sp>
         <p:nvSpPr>
-          <p:cNvPr id="178046815" name="Text">
+          <p:cNvPr id="1012255775" name="Text">
     </p:cNvPr>
           <p:cNvSpPr>
             <a:spLocks noGrp="1"/>
@@ -3369,7 +3369,7 @@
       </p:sp>
       <p:sp>
         <p:nvSpPr>
-          <p:cNvPr id="896884853" name="Text">
+          <p:cNvPr id="845896516" name="Text">
     </p:cNvPr>
           <p:cNvSpPr>
             <a:spLocks noGrp="1"/>
@@ -3433,7 +3433,7 @@
       </p:sp>
       <p:sp>
         <p:nvSpPr>
-          <p:cNvPr id="1511309946" name="Text">
+          <p:cNvPr id="839935342" name="Text">
     </p:cNvPr>
           <p:cNvSpPr>
             <a:spLocks noGrp="1"/>
@@ -3495,7 +3495,7 @@
       </p:sp>
       <p:sp>
         <p:nvSpPr>
-          <p:cNvPr id="1231217707" name="Text">
+          <p:cNvPr id="2043362865" name="Text">
     </p:cNvPr>
           <p:cNvSpPr>
             <a:spLocks noGrp="1"/>
@@ -3557,7 +3557,7 @@
       </p:sp>
       <p:sp>
         <p:nvSpPr>
-          <p:cNvPr id="631792743" name="Text">
+          <p:cNvPr id="1802252323" name="Text">
     </p:cNvPr>
           <p:cNvSpPr>
             <a:spLocks noGrp="1"/>
@@ -3619,7 +3619,7 @@
       </p:sp>
       <p:sp>
         <p:nvSpPr>
-          <p:cNvPr id="1002491503" name="Text">
+          <p:cNvPr id="53864305" name="Text">
     </p:cNvPr>
           <p:cNvSpPr>
             <a:spLocks noGrp="1"/>
@@ -3681,7 +3681,7 @@
       </p:sp>
       <p:sp>
         <p:nvSpPr>
-          <p:cNvPr id="1203489919" name="Text">
+          <p:cNvPr id="851429740" name="Text">
     </p:cNvPr>
           <p:cNvSpPr>
             <a:spLocks noGrp="1"/>
@@ -3743,7 +3743,7 @@
       </p:sp>
       <p:sp>
         <p:nvSpPr>
-          <p:cNvPr id="421931807" name="Text">
+          <p:cNvPr id="312824764" name="Text">
     </p:cNvPr>
           <p:cNvSpPr>
             <a:spLocks noGrp="1"/>
@@ -3931,7 +3931,7 @@
       </p:sp>
       <p:sp>
         <p:nvSpPr>
-          <p:cNvPr id="2135686912" name="Text">
+          <p:cNvPr id="415401187" name="Text">
     </p:cNvPr>
           <p:cNvSpPr>
             <a:spLocks noGrp="1"/>
@@ -4055,7 +4055,7 @@
       </p:sp>
       <p:sp>
         <p:nvSpPr>
-          <p:cNvPr id="1111876912" name="Text">
+          <p:cNvPr id="878765797" name="Text">
     </p:cNvPr>
           <p:cNvSpPr>
             <a:spLocks noGrp="1"/>
@@ -4179,7 +4179,7 @@
       </p:sp>
       <p:sp>
         <p:nvSpPr>
-          <p:cNvPr id="1535377715" name="Text">
+          <p:cNvPr id="2027466156" name="Text">
     </p:cNvPr>
           <p:cNvSpPr>
             <a:spLocks noGrp="1"/>
@@ -4303,7 +4303,7 @@
       </p:sp>
       <p:sp>
         <p:nvSpPr>
-          <p:cNvPr id="1052833319" name="Text">
+          <p:cNvPr id="1079523768" name="Text">
     </p:cNvPr>
           <p:cNvSpPr>
             <a:spLocks noGrp="1"/>
@@ -4349,7 +4349,7 @@
       </p:sp>
       <p:pic>
         <p:nvPicPr>
-          <p:cNvPr id="1161229653" name="Picture">
+          <p:cNvPr id="1286686924" name="Picture">
     </p:cNvPr>
           <p:cNvPicPr>
             <a:picLocks noChangeAspect="1"/>
@@ -4400,7 +4400,7 @@
       </p:grpSpPr>
       <p:sp>
         <p:nvSpPr>
-          <p:cNvPr id="591322275" name="Text">
+          <p:cNvPr id="2136332401" name="Text">
     </p:cNvPr>
           <p:cNvSpPr>
             <a:spLocks noGrp="1"/>
@@ -4449,7 +4449,7 @@
       </p:sp>
       <p:sp>
         <p:nvSpPr>
-          <p:cNvPr id="2131461243" name="Text">
+          <p:cNvPr id="1121828858" name="Text">
     </p:cNvPr>
           <p:cNvSpPr>
             <a:spLocks noGrp="1"/>
@@ -4498,7 +4498,7 @@
       </p:sp>
       <p:sp>
         <p:nvSpPr>
-          <p:cNvPr id="1187193971" name="Line"/>
+          <p:cNvPr id="1137298400" name="Line"/>
           <p:cNvSpPr>
             <a:spLocks noGrp="1"/>
           </p:cNvSpPr>
@@ -4532,7 +4532,7 @@
       </p:sp>
       <p:sp>
         <p:nvSpPr>
-          <p:cNvPr id="875425187" name="Text">
+          <p:cNvPr id="100146301" name="Text">
     </p:cNvPr>
           <p:cNvSpPr>
             <a:spLocks noGrp="1"/>
@@ -4578,7 +4578,7 @@
       </p:sp>
       <p:sp>
         <p:nvSpPr>
-          <p:cNvPr id="1629746241" name="Text">
+          <p:cNvPr id="1413466851" name="Text">
     </p:cNvPr>
           <p:cNvSpPr>
             <a:spLocks noGrp="1"/>
@@ -4642,7 +4642,7 @@
       </p:sp>
       <p:sp>
         <p:nvSpPr>
-          <p:cNvPr id="1118346306" name="Text">
+          <p:cNvPr id="2066914801" name="Text">
     </p:cNvPr>
           <p:cNvSpPr>
             <a:spLocks noGrp="1"/>
@@ -4697,7 +4697,7 @@
       </p:sp>
       <p:sp>
         <p:nvSpPr>
-          <p:cNvPr id="488098008" name="Text">
+          <p:cNvPr id="1990844348" name="Text">
     </p:cNvPr>
           <p:cNvSpPr>
             <a:spLocks noGrp="1"/>
@@ -4752,7 +4752,7 @@
       </p:sp>
       <p:sp>
         <p:nvSpPr>
-          <p:cNvPr id="1175223852" name="Text">
+          <p:cNvPr id="871837408" name="Text">
     </p:cNvPr>
           <p:cNvSpPr>
             <a:spLocks noGrp="1"/>
@@ -4816,7 +4816,7 @@
       </p:sp>
       <p:sp>
         <p:nvSpPr>
-          <p:cNvPr id="947063632" name="Text">
+          <p:cNvPr id="431325871" name="Text">
     </p:cNvPr>
           <p:cNvSpPr>
             <a:spLocks noGrp="1"/>
@@ -4880,7 +4880,7 @@
       </p:sp>
       <p:sp>
         <p:nvSpPr>
-          <p:cNvPr id="1044372112" name="Text">
+          <p:cNvPr id="1980193149" name="Text">
     </p:cNvPr>
           <p:cNvSpPr>
             <a:spLocks noGrp="1"/>
@@ -4935,7 +4935,7 @@
       </p:sp>
       <p:sp>
         <p:nvSpPr>
-          <p:cNvPr id="500012167" name="Text">
+          <p:cNvPr id="1324035134" name="Text">
     </p:cNvPr>
           <p:cNvSpPr>
             <a:spLocks noGrp="1"/>
@@ -4990,7 +4990,7 @@
       </p:sp>
       <p:sp>
         <p:nvSpPr>
-          <p:cNvPr id="940930060" name="Text">
+          <p:cNvPr id="1147243309" name="Text">
     </p:cNvPr>
           <p:cNvSpPr>
             <a:spLocks noGrp="1"/>
@@ -5054,7 +5054,7 @@
       </p:sp>
       <p:sp>
         <p:nvSpPr>
-          <p:cNvPr id="404541909" name="Text">
+          <p:cNvPr id="1911871988" name="Text">
     </p:cNvPr>
           <p:cNvSpPr>
             <a:spLocks noGrp="1"/>
@@ -5118,7 +5118,7 @@
       </p:sp>
       <p:sp>
         <p:nvSpPr>
-          <p:cNvPr id="1488413468" name="Text">
+          <p:cNvPr id="1039444486" name="Text">
     </p:cNvPr>
           <p:cNvSpPr>
             <a:spLocks noGrp="1"/>
@@ -5198,7 +5198,7 @@
       </p:sp>
       <p:sp>
         <p:nvSpPr>
-          <p:cNvPr id="699378977" name="Text">
+          <p:cNvPr id="711584602" name="Text">
     </p:cNvPr>
           <p:cNvSpPr>
             <a:spLocks noGrp="1"/>
@@ -5278,7 +5278,7 @@
       </p:sp>
       <p:sp>
         <p:nvSpPr>
-          <p:cNvPr id="982059276" name="Text">
+          <p:cNvPr id="1645815257" name="Text">
     </p:cNvPr>
           <p:cNvSpPr>
             <a:spLocks noGrp="1"/>
@@ -5430,7 +5430,7 @@
       </p:sp>
       <p:sp>
         <p:nvSpPr>
-          <p:cNvPr id="1155921393" name="Text">
+          <p:cNvPr id="905280279" name="Text">
     </p:cNvPr>
           <p:cNvSpPr>
             <a:spLocks noGrp="1"/>
@@ -5501,7 +5501,7 @@
       </p:sp>
       <p:sp>
         <p:nvSpPr>
-          <p:cNvPr id="665440754" name="Text">
+          <p:cNvPr id="759776053" name="Text">
     </p:cNvPr>
           <p:cNvSpPr>
             <a:spLocks noGrp="1"/>
@@ -5572,7 +5572,7 @@
       </p:sp>
       <p:sp>
         <p:nvSpPr>
-          <p:cNvPr id="1933289091" name="Text">
+          <p:cNvPr id="1218399997" name="Text">
     </p:cNvPr>
           <p:cNvSpPr>
             <a:spLocks noGrp="1"/>
@@ -5760,7 +5760,7 @@
       </p:sp>
       <p:sp>
         <p:nvSpPr>
-          <p:cNvPr id="17305729" name="Text">
+          <p:cNvPr id="1669565914" name="Text">
     </p:cNvPr>
           <p:cNvSpPr>
             <a:spLocks noGrp="1"/>
@@ -5852,7 +5852,7 @@
       </p:sp>
       <p:sp>
         <p:nvSpPr>
-          <p:cNvPr id="1781081900" name="Text">
+          <p:cNvPr id="2100330366" name="Text">
     </p:cNvPr>
           <p:cNvSpPr>
             <a:spLocks noGrp="1"/>
@@ -5944,7 +5944,7 @@
       </p:sp>
       <p:sp>
         <p:nvSpPr>
-          <p:cNvPr id="65424858" name="Text">
+          <p:cNvPr id="436718342" name="Text">
     </p:cNvPr>
           <p:cNvSpPr>
             <a:spLocks noGrp="1"/>
@@ -6036,7 +6036,7 @@
       </p:sp>
       <p:sp>
         <p:nvSpPr>
-          <p:cNvPr id="768076955" name="Text">
+          <p:cNvPr id="685606429" name="Text">
     </p:cNvPr>
           <p:cNvSpPr>
             <a:spLocks noGrp="1"/>
@@ -6100,7 +6100,7 @@
       </p:sp>
       <p:sp>
         <p:nvSpPr>
-          <p:cNvPr id="1812622778" name="Text">
+          <p:cNvPr id="1473196929" name="Text">
     </p:cNvPr>
           <p:cNvSpPr>
             <a:spLocks noGrp="1"/>
@@ -6164,7 +6164,7 @@
       </p:sp>
       <p:sp>
         <p:nvSpPr>
-          <p:cNvPr id="1329145680" name="Text">
+          <p:cNvPr id="704277897" name="Text">
     </p:cNvPr>
           <p:cNvSpPr>
             <a:spLocks noGrp="1"/>
@@ -6244,7 +6244,7 @@
       </p:sp>
       <p:sp>
         <p:nvSpPr>
-          <p:cNvPr id="2113940464" name="Text">
+          <p:cNvPr id="226610251" name="Text">
     </p:cNvPr>
           <p:cNvSpPr>
             <a:spLocks noGrp="1"/>
@@ -6324,7 +6324,7 @@
       </p:sp>
       <p:sp>
         <p:nvSpPr>
-          <p:cNvPr id="1815196575" name="Text">
+          <p:cNvPr id="1235766920" name="Text">
     </p:cNvPr>
           <p:cNvSpPr>
             <a:spLocks noGrp="1"/>
@@ -6404,7 +6404,7 @@
       </p:sp>
       <p:sp>
         <p:nvSpPr>
-          <p:cNvPr id="1407808542" name="Text">
+          <p:cNvPr id="1733639943" name="Text">
     </p:cNvPr>
           <p:cNvSpPr>
             <a:spLocks noGrp="1"/>
@@ -6511,7 +6511,7 @@
       </p:sp>
       <p:sp>
         <p:nvSpPr>
-          <p:cNvPr id="1441585812" name="Text">
+          <p:cNvPr id="490307649" name="Text">
     </p:cNvPr>
           <p:cNvSpPr>
             <a:spLocks noGrp="1"/>
@@ -6594,7 +6594,7 @@
       </p:sp>
       <p:sp>
         <p:nvSpPr>
-          <p:cNvPr id="718021746" name="Text">
+          <p:cNvPr id="517596217" name="Text">
     </p:cNvPr>
           <p:cNvSpPr>
             <a:spLocks noGrp="1"/>
@@ -6677,7 +6677,7 @@
       </p:sp>
       <p:sp>
         <p:nvSpPr>
-          <p:cNvPr id="1258342399" name="Text">
+          <p:cNvPr id="361637220" name="Text">
     </p:cNvPr>
           <p:cNvSpPr>
             <a:spLocks noGrp="1"/>
@@ -6760,7 +6760,7 @@
       </p:sp>
       <p:sp>
         <p:nvSpPr>
-          <p:cNvPr id="1397818117" name="Text">
+          <p:cNvPr id="1542294997" name="Text">
     </p:cNvPr>
           <p:cNvSpPr>
             <a:spLocks noGrp="1"/>
@@ -6806,7 +6806,7 @@
       </p:sp>
       <p:pic>
         <p:nvPicPr>
-          <p:cNvPr id="1616530305" name="Picture">
+          <p:cNvPr id="176629089" name="Picture">
     </p:cNvPr>
           <p:cNvPicPr>
             <a:picLocks noChangeAspect="1"/>
@@ -6857,7 +6857,7 @@
       </p:grpSpPr>
       <p:sp>
         <p:nvSpPr>
-          <p:cNvPr id="738073676" name="Text">
+          <p:cNvPr id="1529798692" name="Text">
     </p:cNvPr>
           <p:cNvSpPr>
             <a:spLocks noGrp="1"/>
@@ -6906,7 +6906,7 @@
       </p:sp>
       <p:sp>
         <p:nvSpPr>
-          <p:cNvPr id="1720457715" name="Text">
+          <p:cNvPr id="1072651040" name="Text">
     </p:cNvPr>
           <p:cNvSpPr>
             <a:spLocks noGrp="1"/>
@@ -6955,7 +6955,7 @@
       </p:sp>
       <p:sp>
         <p:nvSpPr>
-          <p:cNvPr id="1025406732" name="Line"/>
+          <p:cNvPr id="148630061" name="Line"/>
           <p:cNvSpPr>
             <a:spLocks noGrp="1"/>
           </p:cNvSpPr>
@@ -6989,7 +6989,7 @@
       </p:sp>
       <p:sp>
         <p:nvSpPr>
-          <p:cNvPr id="262808941" name="Text">
+          <p:cNvPr id="1002728058" name="Text">
     </p:cNvPr>
           <p:cNvSpPr>
             <a:spLocks noGrp="1"/>
@@ -7035,7 +7035,7 @@
       </p:sp>
       <p:sp>
         <p:nvSpPr>
-          <p:cNvPr id="1416447144" name="Text">
+          <p:cNvPr id="390566630" name="Text">
     </p:cNvPr>
           <p:cNvSpPr>
             <a:spLocks noGrp="1"/>
@@ -7099,7 +7099,7 @@
       </p:sp>
       <p:sp>
         <p:nvSpPr>
-          <p:cNvPr id="1378393175" name="Text">
+          <p:cNvPr id="1387593077" name="Text">
     </p:cNvPr>
           <p:cNvSpPr>
             <a:spLocks noGrp="1"/>
@@ -7154,7 +7154,7 @@
       </p:sp>
       <p:sp>
         <p:nvSpPr>
-          <p:cNvPr id="482359049" name="Text">
+          <p:cNvPr id="99217292" name="Text">
     </p:cNvPr>
           <p:cNvSpPr>
             <a:spLocks noGrp="1"/>
@@ -7209,7 +7209,7 @@
       </p:sp>
       <p:sp>
         <p:nvSpPr>
-          <p:cNvPr id="1109387441" name="Text">
+          <p:cNvPr id="501662449" name="Text">
     </p:cNvPr>
           <p:cNvSpPr>
             <a:spLocks noGrp="1"/>
@@ -7273,7 +7273,7 @@
       </p:sp>
       <p:sp>
         <p:nvSpPr>
-          <p:cNvPr id="2095692894" name="Text">
+          <p:cNvPr id="907911945" name="Text">
     </p:cNvPr>
           <p:cNvSpPr>
             <a:spLocks noGrp="1"/>
@@ -7337,7 +7337,7 @@
       </p:sp>
       <p:sp>
         <p:nvSpPr>
-          <p:cNvPr id="1790270896" name="Text">
+          <p:cNvPr id="1127727082" name="Text">
     </p:cNvPr>
           <p:cNvSpPr>
             <a:spLocks noGrp="1"/>
@@ -7392,7 +7392,7 @@
       </p:sp>
       <p:sp>
         <p:nvSpPr>
-          <p:cNvPr id="2001749904" name="Text">
+          <p:cNvPr id="166247823" name="Text">
     </p:cNvPr>
           <p:cNvSpPr>
             <a:spLocks noGrp="1"/>
@@ -7447,7 +7447,7 @@
       </p:sp>
       <p:sp>
         <p:nvSpPr>
-          <p:cNvPr id="1245148075" name="Text">
+          <p:cNvPr id="582096649" name="Text">
     </p:cNvPr>
           <p:cNvSpPr>
             <a:spLocks noGrp="1"/>
@@ -7511,7 +7511,7 @@
       </p:sp>
       <p:sp>
         <p:nvSpPr>
-          <p:cNvPr id="2064465407" name="Text">
+          <p:cNvPr id="2045574589" name="Text">
     </p:cNvPr>
           <p:cNvSpPr>
             <a:spLocks noGrp="1"/>
@@ -7575,7 +7575,7 @@
       </p:sp>
       <p:sp>
         <p:nvSpPr>
-          <p:cNvPr id="991279091" name="Text">
+          <p:cNvPr id="123393413" name="Text">
     </p:cNvPr>
           <p:cNvSpPr>
             <a:spLocks noGrp="1"/>
@@ -7629,7 +7629,7 @@
       </p:sp>
       <p:sp>
         <p:nvSpPr>
-          <p:cNvPr id="1317804998" name="Text">
+          <p:cNvPr id="1267864612" name="Text">
     </p:cNvPr>
           <p:cNvSpPr>
             <a:spLocks noGrp="1"/>
@@ -7683,7 +7683,7 @@
       </p:sp>
       <p:sp>
         <p:nvSpPr>
-          <p:cNvPr id="1071088535" name="Text">
+          <p:cNvPr id="2032818176" name="Text">
     </p:cNvPr>
           <p:cNvSpPr>
             <a:spLocks noGrp="1"/>
@@ -7745,7 +7745,7 @@
       </p:sp>
       <p:sp>
         <p:nvSpPr>
-          <p:cNvPr id="757572439" name="Text">
+          <p:cNvPr id="1731543949" name="Text">
     </p:cNvPr>
           <p:cNvSpPr>
             <a:spLocks noGrp="1"/>
@@ -7825,7 +7825,7 @@
       </p:sp>
       <p:sp>
         <p:nvSpPr>
-          <p:cNvPr id="991634223" name="Text">
+          <p:cNvPr id="907166739" name="Text">
     </p:cNvPr>
           <p:cNvSpPr>
             <a:spLocks noGrp="1"/>
@@ -7905,7 +7905,7 @@
       </p:sp>
       <p:sp>
         <p:nvSpPr>
-          <p:cNvPr id="367480225" name="Text">
+          <p:cNvPr id="1836733889" name="Text">
     </p:cNvPr>
           <p:cNvSpPr>
             <a:spLocks noGrp="1"/>
@@ -8012,7 +8012,7 @@
       </p:sp>
       <p:sp>
         <p:nvSpPr>
-          <p:cNvPr id="380616625" name="Text">
+          <p:cNvPr id="1186724406" name="Text">
     </p:cNvPr>
           <p:cNvSpPr>
             <a:spLocks noGrp="1"/>
@@ -8095,7 +8095,7 @@
       </p:sp>
       <p:sp>
         <p:nvSpPr>
-          <p:cNvPr id="109218600" name="Text">
+          <p:cNvPr id="190832711" name="Text">
     </p:cNvPr>
           <p:cNvSpPr>
             <a:spLocks noGrp="1"/>
@@ -8178,7 +8178,7 @@
       </p:sp>
       <p:sp>
         <p:nvSpPr>
-          <p:cNvPr id="1692582540" name="Text">
+          <p:cNvPr id="793317347" name="Text">
     </p:cNvPr>
           <p:cNvSpPr>
             <a:spLocks noGrp="1"/>
@@ -8261,7 +8261,7 @@
       </p:sp>
       <p:sp>
         <p:nvSpPr>
-          <p:cNvPr id="1262948852" name="Text">
+          <p:cNvPr id="279085974" name="Text">
     </p:cNvPr>
           <p:cNvSpPr>
             <a:spLocks noGrp="1"/>
@@ -8350,7 +8350,7 @@
       </p:sp>
       <p:sp>
         <p:nvSpPr>
-          <p:cNvPr id="553544986" name="Text">
+          <p:cNvPr id="164733438" name="Text">
     </p:cNvPr>
           <p:cNvSpPr>
             <a:spLocks noGrp="1"/>
@@ -8439,7 +8439,7 @@
       </p:sp>
       <p:sp>
         <p:nvSpPr>
-          <p:cNvPr id="850885094" name="Text">
+          <p:cNvPr id="2105025883" name="Text">
     </p:cNvPr>
           <p:cNvSpPr>
             <a:spLocks noGrp="1"/>
@@ -8528,7 +8528,7 @@
       </p:sp>
       <p:sp>
         <p:nvSpPr>
-          <p:cNvPr id="1085488030" name="Text">
+          <p:cNvPr id="438901504" name="Text">
     </p:cNvPr>
           <p:cNvSpPr>
             <a:spLocks noGrp="1"/>
@@ -8608,7 +8608,7 @@
       </p:sp>
       <p:sp>
         <p:nvSpPr>
-          <p:cNvPr id="864570061" name="Text">
+          <p:cNvPr id="512984544" name="Text">
     </p:cNvPr>
           <p:cNvSpPr>
             <a:spLocks noGrp="1"/>
@@ -8688,7 +8688,7 @@
       </p:sp>
       <p:sp>
         <p:nvSpPr>
-          <p:cNvPr id="1624078107" name="Text">
+          <p:cNvPr id="449386909" name="Text">
     </p:cNvPr>
           <p:cNvSpPr>
             <a:spLocks noGrp="1"/>
@@ -8795,7 +8795,7 @@
       </p:sp>
       <p:sp>
         <p:nvSpPr>
-          <p:cNvPr id="1773947565" name="Text">
+          <p:cNvPr id="648525154" name="Text">
     </p:cNvPr>
           <p:cNvSpPr>
             <a:spLocks noGrp="1"/>
@@ -8902,7 +8902,7 @@
       </p:sp>
       <p:sp>
         <p:nvSpPr>
-          <p:cNvPr id="806020047" name="Text">
+          <p:cNvPr id="1954831277" name="Text">
     </p:cNvPr>
           <p:cNvSpPr>
             <a:spLocks noGrp="1"/>
@@ -9009,7 +9009,7 @@
       </p:sp>
       <p:sp>
         <p:nvSpPr>
-          <p:cNvPr id="1092946209" name="Text">
+          <p:cNvPr id="1983544408" name="Text">
     </p:cNvPr>
           <p:cNvSpPr>
             <a:spLocks noGrp="1"/>
@@ -9116,7 +9116,7 @@
       </p:sp>
       <p:sp>
         <p:nvSpPr>
-          <p:cNvPr id="1247534001" name="Text">
+          <p:cNvPr id="611161843" name="Text">
     </p:cNvPr>
           <p:cNvSpPr>
             <a:spLocks noGrp="1"/>
@@ -9162,7 +9162,7 @@
       </p:sp>
       <p:pic>
         <p:nvPicPr>
-          <p:cNvPr id="1094261109" name="Picture">
+          <p:cNvPr id="1064971193" name="Picture">
     </p:cNvPr>
           <p:cNvPicPr>
             <a:picLocks noChangeAspect="1"/>
